--- a/Minor Project.pptx
+++ b/Minor Project.pptx
@@ -301,7 +301,7 @@
             <a:fld id="{3EFD42F7-718C-4B98-AAEC-167E6DDD60A7}" type="datetimeFigureOut">
               <a:rPr lang="en-US" smtClean="0"/>
               <a:pPr/>
-              <a:t>5/8/2019</a:t>
+              <a:t>5/28/2019</a:t>
             </a:fld>
             <a:endParaRPr lang="en-US"/>
           </a:p>
@@ -746,7 +746,7 @@
             <a:fld id="{FDE934FF-F4E1-47C5-9CA5-30A81DDE2BE4}" type="datetimeFigureOut">
               <a:rPr lang="en-US" smtClean="0"/>
               <a:pPr/>
-              <a:t>5/8/2019</a:t>
+              <a:t>5/28/2019</a:t>
             </a:fld>
             <a:endParaRPr lang="en-US"/>
           </a:p>
@@ -1280,7 +1280,7 @@
             <a:fld id="{FDE934FF-F4E1-47C5-9CA5-30A81DDE2BE4}" type="datetimeFigureOut">
               <a:rPr lang="en-US" smtClean="0"/>
               <a:pPr/>
-              <a:t>5/8/2019</a:t>
+              <a:t>5/28/2019</a:t>
             </a:fld>
             <a:endParaRPr lang="en-US"/>
           </a:p>
@@ -1446,7 +1446,7 @@
             <a:fld id="{FDE934FF-F4E1-47C5-9CA5-30A81DDE2BE4}" type="datetimeFigureOut">
               <a:rPr lang="en-US" smtClean="0"/>
               <a:pPr/>
-              <a:t>5/8/2019</a:t>
+              <a:t>5/28/2019</a:t>
             </a:fld>
             <a:endParaRPr lang="en-US"/>
           </a:p>
@@ -1635,7 +1635,7 @@
             <a:fld id="{FDE934FF-F4E1-47C5-9CA5-30A81DDE2BE4}" type="datetimeFigureOut">
               <a:rPr lang="en-US" smtClean="0"/>
               <a:pPr/>
-              <a:t>5/8/2019</a:t>
+              <a:t>5/28/2019</a:t>
             </a:fld>
             <a:endParaRPr lang="en-US"/>
           </a:p>
@@ -1862,7 +1862,7 @@
             <a:fld id="{FDE934FF-F4E1-47C5-9CA5-30A81DDE2BE4}" type="datetimeFigureOut">
               <a:rPr lang="en-US" smtClean="0"/>
               <a:pPr/>
-              <a:t>5/8/2019</a:t>
+              <a:t>5/28/2019</a:t>
             </a:fld>
             <a:endParaRPr lang="en-US"/>
           </a:p>
@@ -2224,7 +2224,7 @@
             <a:fld id="{FDE934FF-F4E1-47C5-9CA5-30A81DDE2BE4}" type="datetimeFigureOut">
               <a:rPr lang="en-US" smtClean="0"/>
               <a:pPr/>
-              <a:t>5/8/2019</a:t>
+              <a:t>5/28/2019</a:t>
             </a:fld>
             <a:endParaRPr lang="en-US"/>
           </a:p>
@@ -2339,7 +2339,7 @@
             <a:fld id="{FDE934FF-F4E1-47C5-9CA5-30A81DDE2BE4}" type="datetimeFigureOut">
               <a:rPr lang="en-US" smtClean="0"/>
               <a:pPr/>
-              <a:t>5/8/2019</a:t>
+              <a:t>5/28/2019</a:t>
             </a:fld>
             <a:endParaRPr lang="en-US"/>
           </a:p>
@@ -2432,7 +2432,7 @@
             <a:fld id="{FDE934FF-F4E1-47C5-9CA5-30A81DDE2BE4}" type="datetimeFigureOut">
               <a:rPr lang="en-US" smtClean="0"/>
               <a:pPr/>
-              <a:t>5/8/2019</a:t>
+              <a:t>5/28/2019</a:t>
             </a:fld>
             <a:endParaRPr lang="en-US"/>
           </a:p>
@@ -3094,7 +3094,7 @@
             <a:fld id="{FDE934FF-F4E1-47C5-9CA5-30A81DDE2BE4}" type="datetimeFigureOut">
               <a:rPr lang="en-US" smtClean="0"/>
               <a:pPr/>
-              <a:t>5/8/2019</a:t>
+              <a:t>5/28/2019</a:t>
             </a:fld>
             <a:endParaRPr lang="en-US"/>
           </a:p>
@@ -3366,7 +3366,7 @@
             <a:fld id="{FDE934FF-F4E1-47C5-9CA5-30A81DDE2BE4}" type="datetimeFigureOut">
               <a:rPr lang="en-US" smtClean="0"/>
               <a:pPr/>
-              <a:t>5/8/2019</a:t>
+              <a:t>5/28/2019</a:t>
             </a:fld>
             <a:endParaRPr lang="en-US"/>
           </a:p>
@@ -4259,7 +4259,7 @@
         </p:blipFill>
         <p:spPr>
           <a:xfrm>
-            <a:off x="1904618" y="1204653"/>
+            <a:off x="1904618" y="1229705"/>
             <a:ext cx="7224593" cy="4896109"/>
           </a:xfrm>
           <a:prstGeom prst="rect">
@@ -4488,7 +4488,7 @@
         </p:blipFill>
         <p:spPr>
           <a:xfrm>
-            <a:off x="2124415" y="1023377"/>
+            <a:off x="2124415" y="1048429"/>
             <a:ext cx="7316867" cy="5487650"/>
           </a:xfrm>
           <a:prstGeom prst="rect">
@@ -8841,8 +8841,8 @@
           <a:lstStyle/>
           <a:p>
             <a:r>
-              <a:rPr lang="en-US"/>
-              <a:t>END!</a:t>
+              <a:rPr lang="en-US" dirty="0"/>
+              <a:t>END! </a:t>
             </a:r>
           </a:p>
         </p:txBody>
@@ -9222,7 +9222,7 @@
             </a:r>
             <a:r>
               <a:rPr lang="en-IN" sz="2400" dirty="0"/>
-              <a:t>is a software library written for the Python programming language for data manipulation and analysis. In particular, it offers data structures and operations for manipulating numerical tables and time series </a:t>
+              <a:t>is a software library written for the Python programming language for data manipulation and analysis. In particular, it offers data structures and operations for manipulating numerical tables and time series.</a:t>
             </a:r>
             <a:endParaRPr lang="en-US" sz="2400" dirty="0"/>
           </a:p>

--- a/Minor Project.pptx
+++ b/Minor Project.pptx
@@ -2,7 +2,7 @@
 <file path=ppt/presentation.xml><?xml version="1.0" encoding="utf-8"?>
 <p:presentation xmlns:a="http://schemas.openxmlformats.org/drawingml/2006/main" xmlns:r="http://schemas.openxmlformats.org/officeDocument/2006/relationships" xmlns:p="http://schemas.openxmlformats.org/presentationml/2006/main">
   <p:sldMasterIdLst>
-    <p:sldMasterId id="2147483648" r:id="rId1"/>
+    <p:sldMasterId id="2147483660" r:id="rId1"/>
   </p:sldMasterIdLst>
   <p:notesMasterIdLst>
     <p:notesMasterId r:id="rId43"/>
@@ -56,7 +56,7 @@
     <a:defPPr>
       <a:defRPr lang="en-US"/>
     </a:defPPr>
-    <a:lvl1pPr marL="0" algn="l" defTabSz="914400" rtl="0" eaLnBrk="1" latinLnBrk="0" hangingPunct="1">
+    <a:lvl1pPr marL="0" algn="l" defTabSz="457200" rtl="0" eaLnBrk="1" latinLnBrk="0" hangingPunct="1">
       <a:defRPr sz="1800" kern="1200">
         <a:solidFill>
           <a:schemeClr val="tx1"/>
@@ -66,7 +66,7 @@
         <a:cs typeface="+mn-cs"/>
       </a:defRPr>
     </a:lvl1pPr>
-    <a:lvl2pPr marL="457200" algn="l" defTabSz="914400" rtl="0" eaLnBrk="1" latinLnBrk="0" hangingPunct="1">
+    <a:lvl2pPr marL="457200" algn="l" defTabSz="457200" rtl="0" eaLnBrk="1" latinLnBrk="0" hangingPunct="1">
       <a:defRPr sz="1800" kern="1200">
         <a:solidFill>
           <a:schemeClr val="tx1"/>
@@ -76,7 +76,7 @@
         <a:cs typeface="+mn-cs"/>
       </a:defRPr>
     </a:lvl2pPr>
-    <a:lvl3pPr marL="914400" algn="l" defTabSz="914400" rtl="0" eaLnBrk="1" latinLnBrk="0" hangingPunct="1">
+    <a:lvl3pPr marL="914400" algn="l" defTabSz="457200" rtl="0" eaLnBrk="1" latinLnBrk="0" hangingPunct="1">
       <a:defRPr sz="1800" kern="1200">
         <a:solidFill>
           <a:schemeClr val="tx1"/>
@@ -86,7 +86,7 @@
         <a:cs typeface="+mn-cs"/>
       </a:defRPr>
     </a:lvl3pPr>
-    <a:lvl4pPr marL="1371600" algn="l" defTabSz="914400" rtl="0" eaLnBrk="1" latinLnBrk="0" hangingPunct="1">
+    <a:lvl4pPr marL="1371600" algn="l" defTabSz="457200" rtl="0" eaLnBrk="1" latinLnBrk="0" hangingPunct="1">
       <a:defRPr sz="1800" kern="1200">
         <a:solidFill>
           <a:schemeClr val="tx1"/>
@@ -96,7 +96,7 @@
         <a:cs typeface="+mn-cs"/>
       </a:defRPr>
     </a:lvl4pPr>
-    <a:lvl5pPr marL="1828800" algn="l" defTabSz="914400" rtl="0" eaLnBrk="1" latinLnBrk="0" hangingPunct="1">
+    <a:lvl5pPr marL="1828800" algn="l" defTabSz="457200" rtl="0" eaLnBrk="1" latinLnBrk="0" hangingPunct="1">
       <a:defRPr sz="1800" kern="1200">
         <a:solidFill>
           <a:schemeClr val="tx1"/>
@@ -106,7 +106,7 @@
         <a:cs typeface="+mn-cs"/>
       </a:defRPr>
     </a:lvl5pPr>
-    <a:lvl6pPr marL="2286000" algn="l" defTabSz="914400" rtl="0" eaLnBrk="1" latinLnBrk="0" hangingPunct="1">
+    <a:lvl6pPr marL="2286000" algn="l" defTabSz="457200" rtl="0" eaLnBrk="1" latinLnBrk="0" hangingPunct="1">
       <a:defRPr sz="1800" kern="1200">
         <a:solidFill>
           <a:schemeClr val="tx1"/>
@@ -116,7 +116,7 @@
         <a:cs typeface="+mn-cs"/>
       </a:defRPr>
     </a:lvl6pPr>
-    <a:lvl7pPr marL="2743200" algn="l" defTabSz="914400" rtl="0" eaLnBrk="1" latinLnBrk="0" hangingPunct="1">
+    <a:lvl7pPr marL="2743200" algn="l" defTabSz="457200" rtl="0" eaLnBrk="1" latinLnBrk="0" hangingPunct="1">
       <a:defRPr sz="1800" kern="1200">
         <a:solidFill>
           <a:schemeClr val="tx1"/>
@@ -126,7 +126,7 @@
         <a:cs typeface="+mn-cs"/>
       </a:defRPr>
     </a:lvl7pPr>
-    <a:lvl8pPr marL="3200400" algn="l" defTabSz="914400" rtl="0" eaLnBrk="1" latinLnBrk="0" hangingPunct="1">
+    <a:lvl8pPr marL="3200400" algn="l" defTabSz="457200" rtl="0" eaLnBrk="1" latinLnBrk="0" hangingPunct="1">
       <a:defRPr sz="1800" kern="1200">
         <a:solidFill>
           <a:schemeClr val="tx1"/>
@@ -136,7 +136,7 @@
         <a:cs typeface="+mn-cs"/>
       </a:defRPr>
     </a:lvl8pPr>
-    <a:lvl9pPr marL="3657600" algn="l" defTabSz="914400" rtl="0" eaLnBrk="1" latinLnBrk="0" hangingPunct="1">
+    <a:lvl9pPr marL="3657600" algn="l" defTabSz="457200" rtl="0" eaLnBrk="1" latinLnBrk="0" hangingPunct="1">
       <a:defRPr sz="1800" kern="1200">
         <a:solidFill>
           <a:schemeClr val="tx1"/>
@@ -301,7 +301,7 @@
             <a:fld id="{3EFD42F7-718C-4B98-AAEC-167E6DDD60A7}" type="datetimeFigureOut">
               <a:rPr lang="en-US" smtClean="0"/>
               <a:pPr/>
-              <a:t>5/28/2019</a:t>
+              <a:t>5/29/2019</a:t>
             </a:fld>
             <a:endParaRPr lang="en-US"/>
           </a:p>
@@ -565,16 +565,8 @@
 </file>
 
 <file path=ppt/slideLayouts/slideLayout1.xml><?xml version="1.0" encoding="utf-8"?>
-<p:sldLayout xmlns:a="http://schemas.openxmlformats.org/drawingml/2006/main" xmlns:r="http://schemas.openxmlformats.org/officeDocument/2006/relationships" xmlns:p="http://schemas.openxmlformats.org/presentationml/2006/main" showMasterSp="0" type="title" preserve="1">
+<p:sldLayout xmlns:a="http://schemas.openxmlformats.org/drawingml/2006/main" xmlns:r="http://schemas.openxmlformats.org/officeDocument/2006/relationships" xmlns:p="http://schemas.openxmlformats.org/presentationml/2006/main" type="title" preserve="1">
   <p:cSld name="Title Slide">
-    <p:bg>
-      <p:bgPr>
-        <a:solidFill>
-          <a:schemeClr val="bg1"/>
-        </a:solidFill>
-        <a:effectLst/>
-      </p:bgPr>
-    </p:bg>
     <p:spTree>
       <p:nvGrpSpPr>
         <p:cNvPr id="1" name=""/>
@@ -589,164 +581,177 @@
           <a:chExt cx="0" cy="0"/>
         </a:xfrm>
       </p:grpSpPr>
-      <p:pic>
-        <p:nvPicPr>
-          <p:cNvPr id="2050" name="Picture 2"/>
-          <p:cNvPicPr>
-            <a:picLocks noChangeAspect="1"/>
-          </p:cNvPicPr>
-          <p:nvPr/>
-        </p:nvPicPr>
-        <p:blipFill>
-          <a:blip r:embed="rId2"/>
-          <a:stretch>
-            <a:fillRect/>
-          </a:stretch>
-        </p:blipFill>
+      <p:sp>
+        <p:nvSpPr>
+          <p:cNvPr id="2" name="Title 1"/>
+          <p:cNvSpPr>
+            <a:spLocks noGrp="1"/>
+          </p:cNvSpPr>
+          <p:nvPr>
+            <p:ph type="ctrTitle"/>
+          </p:nvPr>
+        </p:nvSpPr>
         <p:spPr>
           <a:xfrm>
-            <a:off x="-12700" y="-3175"/>
-            <a:ext cx="12204700" cy="6861175"/>
+            <a:off x="1154955" y="1447800"/>
+            <a:ext cx="8825658" cy="3329581"/>
           </a:xfrm>
-          <a:prstGeom prst="rect">
-            <a:avLst/>
-          </a:prstGeom>
-          <a:noFill/>
-          <a:ln w="9525">
-            <a:noFill/>
-          </a:ln>
         </p:spPr>
-      </p:pic>
-      <p:sp>
-        <p:nvSpPr>
-          <p:cNvPr id="2051" name="Rectangle 3"/>
-          <p:cNvSpPr>
-            <a:spLocks noGrp="1" noChangeArrowheads="1"/>
-          </p:cNvSpPr>
-          <p:nvPr>
-            <p:ph type="ctrTitle"/>
+        <p:txBody>
+          <a:bodyPr anchor="b"/>
+          <a:lstStyle>
+            <a:lvl1pPr>
+              <a:defRPr sz="7200"/>
+            </a:lvl1pPr>
+          </a:lstStyle>
+          <a:p>
+            <a:r>
+              <a:rPr lang="en-US"/>
+              <a:t>Click to edit Master title style</a:t>
+            </a:r>
+            <a:endParaRPr lang="en-US" dirty="0"/>
+          </a:p>
+        </p:txBody>
+      </p:sp>
+      <p:sp>
+        <p:nvSpPr>
+          <p:cNvPr id="3" name="Subtitle 2"/>
+          <p:cNvSpPr>
+            <a:spLocks noGrp="1"/>
+          </p:cNvSpPr>
+          <p:nvPr>
+            <p:ph type="subTitle" idx="1"/>
           </p:nvPr>
         </p:nvSpPr>
         <p:spPr>
           <a:xfrm>
-            <a:off x="2063751" y="1125538"/>
-            <a:ext cx="9211733" cy="1082675"/>
+            <a:off x="1154955" y="4777380"/>
+            <a:ext cx="8825658" cy="861420"/>
           </a:xfrm>
         </p:spPr>
         <p:txBody>
-          <a:bodyPr/>
+          <a:bodyPr anchor="t"/>
           <a:lstStyle>
-            <a:lvl1pPr algn="r">
-              <a:defRPr/>
-            </a:lvl1pPr>
-          </a:lstStyle>
-          <a:p>
-            <a:pPr lvl="0"/>
-            <a:r>
-              <a:rPr lang="en-US" altLang="zh-CN" noProof="0"/>
-              <a:t>Click to edit Master title style</a:t>
-            </a:r>
-          </a:p>
-        </p:txBody>
-      </p:sp>
-      <p:sp>
-        <p:nvSpPr>
-          <p:cNvPr id="2052" name="Rectangle 4"/>
-          <p:cNvSpPr>
-            <a:spLocks noGrp="1" noChangeArrowheads="1"/>
-          </p:cNvSpPr>
-          <p:nvPr>
-            <p:ph type="subTitle" idx="1"/>
-          </p:nvPr>
-        </p:nvSpPr>
-        <p:spPr>
-          <a:xfrm>
-            <a:off x="2063751" y="2351088"/>
-            <a:ext cx="9218083" cy="1752600"/>
-          </a:xfrm>
-        </p:spPr>
-        <p:txBody>
-          <a:bodyPr/>
-          <a:lstStyle>
-            <a:lvl1pPr marL="0" indent="0" algn="r">
-              <a:buFontTx/>
-              <a:buNone/>
-              <a:defRPr>
+            <a:lvl1pPr marL="0" indent="0" algn="l">
+              <a:buNone/>
+              <a:defRPr cap="all">
                 <a:solidFill>
-                  <a:schemeClr val="bg1"/>
+                  <a:schemeClr val="bg2">
+                    <a:lumMod val="40000"/>
+                    <a:lumOff val="60000"/>
+                  </a:schemeClr>
                 </a:solidFill>
               </a:defRPr>
             </a:lvl1pPr>
+            <a:lvl2pPr marL="457200" indent="0" algn="ctr">
+              <a:buNone/>
+              <a:defRPr>
+                <a:solidFill>
+                  <a:schemeClr val="tx1">
+                    <a:tint val="75000"/>
+                  </a:schemeClr>
+                </a:solidFill>
+              </a:defRPr>
+            </a:lvl2pPr>
+            <a:lvl3pPr marL="914400" indent="0" algn="ctr">
+              <a:buNone/>
+              <a:defRPr>
+                <a:solidFill>
+                  <a:schemeClr val="tx1">
+                    <a:tint val="75000"/>
+                  </a:schemeClr>
+                </a:solidFill>
+              </a:defRPr>
+            </a:lvl3pPr>
+            <a:lvl4pPr marL="1371600" indent="0" algn="ctr">
+              <a:buNone/>
+              <a:defRPr>
+                <a:solidFill>
+                  <a:schemeClr val="tx1">
+                    <a:tint val="75000"/>
+                  </a:schemeClr>
+                </a:solidFill>
+              </a:defRPr>
+            </a:lvl4pPr>
+            <a:lvl5pPr marL="1828800" indent="0" algn="ctr">
+              <a:buNone/>
+              <a:defRPr>
+                <a:solidFill>
+                  <a:schemeClr val="tx1">
+                    <a:tint val="75000"/>
+                  </a:schemeClr>
+                </a:solidFill>
+              </a:defRPr>
+            </a:lvl5pPr>
+            <a:lvl6pPr marL="2286000" indent="0" algn="ctr">
+              <a:buNone/>
+              <a:defRPr>
+                <a:solidFill>
+                  <a:schemeClr val="tx1">
+                    <a:tint val="75000"/>
+                  </a:schemeClr>
+                </a:solidFill>
+              </a:defRPr>
+            </a:lvl6pPr>
+            <a:lvl7pPr marL="2743200" indent="0" algn="ctr">
+              <a:buNone/>
+              <a:defRPr>
+                <a:solidFill>
+                  <a:schemeClr val="tx1">
+                    <a:tint val="75000"/>
+                  </a:schemeClr>
+                </a:solidFill>
+              </a:defRPr>
+            </a:lvl7pPr>
+            <a:lvl8pPr marL="3200400" indent="0" algn="ctr">
+              <a:buNone/>
+              <a:defRPr>
+                <a:solidFill>
+                  <a:schemeClr val="tx1">
+                    <a:tint val="75000"/>
+                  </a:schemeClr>
+                </a:solidFill>
+              </a:defRPr>
+            </a:lvl8pPr>
+            <a:lvl9pPr marL="3657600" indent="0" algn="ctr">
+              <a:buNone/>
+              <a:defRPr>
+                <a:solidFill>
+                  <a:schemeClr val="tx1">
+                    <a:tint val="75000"/>
+                  </a:schemeClr>
+                </a:solidFill>
+              </a:defRPr>
+            </a:lvl9pPr>
           </a:lstStyle>
           <a:p>
-            <a:pPr lvl="0"/>
-            <a:r>
-              <a:rPr lang="en-US" altLang="zh-CN" noProof="0"/>
+            <a:r>
+              <a:rPr lang="en-US"/>
               <a:t>Click to edit Master subtitle style</a:t>
             </a:r>
-          </a:p>
-        </p:txBody>
-      </p:sp>
-      <p:sp>
-        <p:nvSpPr>
-          <p:cNvPr id="9" name="Rectangle 5"/>
-          <p:cNvSpPr>
-            <a:spLocks noGrp="1" noChangeArrowheads="1"/>
-          </p:cNvSpPr>
-          <p:nvPr>
-            <p:ph type="dt" sz="half" idx="2"/>
-          </p:nvPr>
-        </p:nvSpPr>
-        <p:spPr bwMode="auto">
-          <a:xfrm>
-            <a:off x="609600" y="6245225"/>
-            <a:ext cx="2844800" cy="476250"/>
-          </a:xfrm>
-          <a:prstGeom prst="rect">
-            <a:avLst/>
-          </a:prstGeom>
-          <a:noFill/>
-          <a:extLst>
-            <a:ext uri="{909E8E84-426E-40DD-AFC4-6F175D3DCCD1}">
-              <a14:hiddenFill xmlns:a14="http://schemas.microsoft.com/office/drawing/2010/main">
-                <a:solidFill>
-                  <a:schemeClr val="accent1"/>
-                </a:solidFill>
-              </a14:hiddenFill>
-            </a:ext>
-            <a:ext uri="{91240B29-F687-4F45-9708-019B960494DF}">
-              <a14:hiddenLine xmlns:a14="http://schemas.microsoft.com/office/drawing/2010/main" w="9525">
-                <a:solidFill>
-                  <a:srgbClr val="000000"/>
-                </a:solidFill>
-                <a:miter lim="800000"/>
-                <a:headEnd/>
-                <a:tailEnd/>
-              </a14:hiddenLine>
-            </a:ext>
-            <a:ext uri="{AF507438-7753-43E0-B8FC-AC1667EBCBE1}">
-              <a14:hiddenEffects xmlns:a14="http://schemas.microsoft.com/office/drawing/2010/main">
-                <a:effectLst>
-                  <a:outerShdw dist="35921" dir="2700000" algn="ctr" rotWithShape="0">
-                    <a:schemeClr val="bg2"/>
-                  </a:outerShdw>
-                </a:effectLst>
-              </a14:hiddenEffects>
-            </a:ext>
-          </a:extLst>
-        </p:spPr>
-        <p:txBody>
-          <a:bodyPr vert="horz" wrap="square" lIns="91440" tIns="45720" rIns="91440" bIns="45720" numCol="1" anchor="t" anchorCtr="0" compatLnSpc="1"/>
-          <a:lstStyle>
-            <a:lvl1pPr>
-              <a:defRPr/>
-            </a:lvl1pPr>
-          </a:lstStyle>
+            <a:endParaRPr lang="en-US" dirty="0"/>
+          </a:p>
+        </p:txBody>
+      </p:sp>
+      <p:sp>
+        <p:nvSpPr>
+          <p:cNvPr id="4" name="Date Placeholder 3"/>
+          <p:cNvSpPr>
+            <a:spLocks noGrp="1"/>
+          </p:cNvSpPr>
+          <p:nvPr>
+            <p:ph type="dt" sz="half" idx="10"/>
+          </p:nvPr>
+        </p:nvSpPr>
+        <p:spPr/>
+        <p:txBody>
+          <a:bodyPr/>
+          <a:lstStyle/>
           <a:p>
             <a:fld id="{FDE934FF-F4E1-47C5-9CA5-30A81DDE2BE4}" type="datetimeFigureOut">
               <a:rPr lang="en-US" smtClean="0"/>
               <a:pPr/>
-              <a:t>5/28/2019</a:t>
+              <a:t>5/29/2019</a:t>
             </a:fld>
             <a:endParaRPr lang="en-US"/>
           </a:p>
@@ -754,59 +759,18 @@
       </p:sp>
       <p:sp>
         <p:nvSpPr>
-          <p:cNvPr id="10" name="Rectangle 6"/>
-          <p:cNvSpPr>
-            <a:spLocks noGrp="1" noChangeArrowheads="1"/>
-          </p:cNvSpPr>
-          <p:nvPr>
-            <p:ph type="ftr" sz="quarter" idx="3"/>
-          </p:nvPr>
-        </p:nvSpPr>
-        <p:spPr bwMode="auto">
-          <a:xfrm>
-            <a:off x="4165600" y="6245225"/>
-            <a:ext cx="3860800" cy="476250"/>
-          </a:xfrm>
-          <a:prstGeom prst="rect">
-            <a:avLst/>
-          </a:prstGeom>
-          <a:noFill/>
-          <a:extLst>
-            <a:ext uri="{909E8E84-426E-40DD-AFC4-6F175D3DCCD1}">
-              <a14:hiddenFill xmlns:a14="http://schemas.microsoft.com/office/drawing/2010/main">
-                <a:solidFill>
-                  <a:schemeClr val="accent1"/>
-                </a:solidFill>
-              </a14:hiddenFill>
-            </a:ext>
-            <a:ext uri="{91240B29-F687-4F45-9708-019B960494DF}">
-              <a14:hiddenLine xmlns:a14="http://schemas.microsoft.com/office/drawing/2010/main" w="9525">
-                <a:solidFill>
-                  <a:srgbClr val="000000"/>
-                </a:solidFill>
-                <a:miter lim="800000"/>
-                <a:headEnd/>
-                <a:tailEnd/>
-              </a14:hiddenLine>
-            </a:ext>
-            <a:ext uri="{AF507438-7753-43E0-B8FC-AC1667EBCBE1}">
-              <a14:hiddenEffects xmlns:a14="http://schemas.microsoft.com/office/drawing/2010/main">
-                <a:effectLst>
-                  <a:outerShdw dist="35921" dir="2700000" algn="ctr" rotWithShape="0">
-                    <a:schemeClr val="bg2"/>
-                  </a:outerShdw>
-                </a:effectLst>
-              </a14:hiddenEffects>
-            </a:ext>
-          </a:extLst>
-        </p:spPr>
-        <p:txBody>
-          <a:bodyPr vert="horz" wrap="square" lIns="91440" tIns="45720" rIns="91440" bIns="45720" numCol="1" anchor="t" anchorCtr="0" compatLnSpc="1"/>
-          <a:lstStyle>
-            <a:lvl1pPr>
-              <a:defRPr/>
-            </a:lvl1pPr>
-          </a:lstStyle>
+          <p:cNvPr id="5" name="Footer Placeholder 4"/>
+          <p:cNvSpPr>
+            <a:spLocks noGrp="1"/>
+          </p:cNvSpPr>
+          <p:nvPr>
+            <p:ph type="ftr" sz="quarter" idx="11"/>
+          </p:nvPr>
+        </p:nvSpPr>
+        <p:spPr/>
+        <p:txBody>
+          <a:bodyPr/>
+          <a:lstStyle/>
           <a:p>
             <a:endParaRPr lang="en-US"/>
           </a:p>
@@ -814,59 +778,18 @@
       </p:sp>
       <p:sp>
         <p:nvSpPr>
-          <p:cNvPr id="11" name="Rectangle 7"/>
-          <p:cNvSpPr>
-            <a:spLocks noGrp="1" noChangeArrowheads="1"/>
-          </p:cNvSpPr>
-          <p:nvPr>
-            <p:ph type="sldNum" sz="quarter" idx="4"/>
-          </p:nvPr>
-        </p:nvSpPr>
-        <p:spPr bwMode="auto">
-          <a:xfrm>
-            <a:off x="8737600" y="6245225"/>
-            <a:ext cx="2844800" cy="476250"/>
-          </a:xfrm>
-          <a:prstGeom prst="rect">
-            <a:avLst/>
-          </a:prstGeom>
-          <a:noFill/>
-          <a:extLst>
-            <a:ext uri="{909E8E84-426E-40DD-AFC4-6F175D3DCCD1}">
-              <a14:hiddenFill xmlns:a14="http://schemas.microsoft.com/office/drawing/2010/main">
-                <a:solidFill>
-                  <a:schemeClr val="accent1"/>
-                </a:solidFill>
-              </a14:hiddenFill>
-            </a:ext>
-            <a:ext uri="{91240B29-F687-4F45-9708-019B960494DF}">
-              <a14:hiddenLine xmlns:a14="http://schemas.microsoft.com/office/drawing/2010/main" w="9525">
-                <a:solidFill>
-                  <a:srgbClr val="000000"/>
-                </a:solidFill>
-                <a:miter lim="800000"/>
-                <a:headEnd/>
-                <a:tailEnd/>
-              </a14:hiddenLine>
-            </a:ext>
-            <a:ext uri="{AF507438-7753-43E0-B8FC-AC1667EBCBE1}">
-              <a14:hiddenEffects xmlns:a14="http://schemas.microsoft.com/office/drawing/2010/main">
-                <a:effectLst>
-                  <a:outerShdw dist="35921" dir="2700000" algn="ctr" rotWithShape="0">
-                    <a:schemeClr val="bg2"/>
-                  </a:outerShdw>
-                </a:effectLst>
-              </a14:hiddenEffects>
-            </a:ext>
-          </a:extLst>
-        </p:spPr>
-        <p:txBody>
-          <a:bodyPr vert="horz" wrap="square" lIns="91440" tIns="45720" rIns="91440" bIns="45720" numCol="1" anchor="t" anchorCtr="0" compatLnSpc="1"/>
-          <a:lstStyle>
-            <a:lvl1pPr>
-              <a:defRPr/>
-            </a:lvl1pPr>
-          </a:lstStyle>
+          <p:cNvPr id="6" name="Slide Number Placeholder 5"/>
+          <p:cNvSpPr>
+            <a:spLocks noGrp="1"/>
+          </p:cNvSpPr>
+          <p:nvPr>
+            <p:ph type="sldNum" sz="quarter" idx="12"/>
+          </p:nvPr>
+        </p:nvSpPr>
+        <p:spPr/>
+        <p:txBody>
+          <a:bodyPr/>
+          <a:lstStyle/>
           <a:p>
             <a:fld id="{B3561BA9-CDCF-4958-B8AB-66F3BF063E13}" type="slidenum">
               <a:rPr lang="en-US" smtClean="0"/>
@@ -878,6 +801,11 @@
         </p:txBody>
       </p:sp>
     </p:spTree>
+    <p:extLst>
+      <p:ext uri="{BB962C8B-B14F-4D97-AF65-F5344CB8AC3E}">
+        <p14:creationId xmlns:p14="http://schemas.microsoft.com/office/powerpoint/2010/main" val="208873614"/>
+      </p:ext>
+    </p:extLst>
   </p:cSld>
   <p:clrMapOvr>
     <a:masterClrMapping/>
@@ -887,6 +815,2590 @@
 </file>
 
 <file path=ppt/slideLayouts/slideLayout10.xml><?xml version="1.0" encoding="utf-8"?>
+<p:sldLayout xmlns:a="http://schemas.openxmlformats.org/drawingml/2006/main" xmlns:r="http://schemas.openxmlformats.org/officeDocument/2006/relationships" xmlns:p="http://schemas.openxmlformats.org/presentationml/2006/main" preserve="1">
+  <p:cSld name="Panoramic Picture with Caption">
+    <p:spTree>
+      <p:nvGrpSpPr>
+        <p:cNvPr id="1" name=""/>
+        <p:cNvGrpSpPr/>
+        <p:nvPr/>
+      </p:nvGrpSpPr>
+      <p:grpSpPr>
+        <a:xfrm>
+          <a:off x="0" y="0"/>
+          <a:ext cx="0" cy="0"/>
+          <a:chOff x="0" y="0"/>
+          <a:chExt cx="0" cy="0"/>
+        </a:xfrm>
+      </p:grpSpPr>
+      <p:sp>
+        <p:nvSpPr>
+          <p:cNvPr id="2" name="Title 1"/>
+          <p:cNvSpPr>
+            <a:spLocks noGrp="1"/>
+          </p:cNvSpPr>
+          <p:nvPr>
+            <p:ph type="title"/>
+          </p:nvPr>
+        </p:nvSpPr>
+        <p:spPr>
+          <a:xfrm>
+            <a:off x="1154956" y="4800587"/>
+            <a:ext cx="8825657" cy="566738"/>
+          </a:xfrm>
+        </p:spPr>
+        <p:txBody>
+          <a:bodyPr anchor="b">
+            <a:normAutofit/>
+          </a:bodyPr>
+          <a:lstStyle>
+            <a:lvl1pPr algn="l">
+              <a:defRPr sz="2400" b="0"/>
+            </a:lvl1pPr>
+          </a:lstStyle>
+          <a:p>
+            <a:r>
+              <a:rPr lang="en-US"/>
+              <a:t>Click to edit Master title style</a:t>
+            </a:r>
+            <a:endParaRPr lang="en-US" dirty="0"/>
+          </a:p>
+        </p:txBody>
+      </p:sp>
+      <p:sp>
+        <p:nvSpPr>
+          <p:cNvPr id="3" name="Picture Placeholder 2"/>
+          <p:cNvSpPr>
+            <a:spLocks noGrp="1" noChangeAspect="1"/>
+          </p:cNvSpPr>
+          <p:nvPr>
+            <p:ph type="pic" idx="1"/>
+          </p:nvPr>
+        </p:nvSpPr>
+        <p:spPr>
+          <a:xfrm>
+            <a:off x="1154955" y="685800"/>
+            <a:ext cx="8825658" cy="3640666"/>
+          </a:xfrm>
+          <a:prstGeom prst="roundRect">
+            <a:avLst>
+              <a:gd name="adj" fmla="val 1858"/>
+            </a:avLst>
+          </a:prstGeom>
+          <a:effectLst>
+            <a:outerShdw blurRad="50800" dist="50800" dir="5400000" algn="tl" rotWithShape="0">
+              <a:srgbClr val="000000">
+                <a:alpha val="43000"/>
+              </a:srgbClr>
+            </a:outerShdw>
+          </a:effectLst>
+        </p:spPr>
+        <p:txBody>
+          <a:bodyPr anchor="t">
+            <a:normAutofit/>
+          </a:bodyPr>
+          <a:lstStyle>
+            <a:lvl1pPr marL="0" indent="0" algn="ctr">
+              <a:buNone/>
+              <a:defRPr sz="1600"/>
+            </a:lvl1pPr>
+            <a:lvl2pPr marL="457200" indent="0">
+              <a:buNone/>
+              <a:defRPr sz="1600"/>
+            </a:lvl2pPr>
+            <a:lvl3pPr marL="914400" indent="0">
+              <a:buNone/>
+              <a:defRPr sz="1600"/>
+            </a:lvl3pPr>
+            <a:lvl4pPr marL="1371600" indent="0">
+              <a:buNone/>
+              <a:defRPr sz="1600"/>
+            </a:lvl4pPr>
+            <a:lvl5pPr marL="1828800" indent="0">
+              <a:buNone/>
+              <a:defRPr sz="1600"/>
+            </a:lvl5pPr>
+            <a:lvl6pPr marL="2286000" indent="0">
+              <a:buNone/>
+              <a:defRPr sz="1600"/>
+            </a:lvl6pPr>
+            <a:lvl7pPr marL="2743200" indent="0">
+              <a:buNone/>
+              <a:defRPr sz="1600"/>
+            </a:lvl7pPr>
+            <a:lvl8pPr marL="3200400" indent="0">
+              <a:buNone/>
+              <a:defRPr sz="1600"/>
+            </a:lvl8pPr>
+            <a:lvl9pPr marL="3657600" indent="0">
+              <a:buNone/>
+              <a:defRPr sz="1600"/>
+            </a:lvl9pPr>
+          </a:lstStyle>
+          <a:p>
+            <a:r>
+              <a:rPr lang="en-US"/>
+              <a:t>Click icon to add picture</a:t>
+            </a:r>
+            <a:endParaRPr lang="en-US" dirty="0"/>
+          </a:p>
+        </p:txBody>
+      </p:sp>
+      <p:sp>
+        <p:nvSpPr>
+          <p:cNvPr id="4" name="Text Placeholder 3"/>
+          <p:cNvSpPr>
+            <a:spLocks noGrp="1"/>
+          </p:cNvSpPr>
+          <p:nvPr>
+            <p:ph type="body" sz="half" idx="2"/>
+          </p:nvPr>
+        </p:nvSpPr>
+        <p:spPr>
+          <a:xfrm>
+            <a:off x="1154956" y="5367325"/>
+            <a:ext cx="8825656" cy="493712"/>
+          </a:xfrm>
+        </p:spPr>
+        <p:txBody>
+          <a:bodyPr>
+            <a:normAutofit/>
+          </a:bodyPr>
+          <a:lstStyle>
+            <a:lvl1pPr marL="0" indent="0">
+              <a:buNone/>
+              <a:defRPr sz="1200"/>
+            </a:lvl1pPr>
+            <a:lvl2pPr marL="457200" indent="0">
+              <a:buNone/>
+              <a:defRPr sz="1200"/>
+            </a:lvl2pPr>
+            <a:lvl3pPr marL="914400" indent="0">
+              <a:buNone/>
+              <a:defRPr sz="1000"/>
+            </a:lvl3pPr>
+            <a:lvl4pPr marL="1371600" indent="0">
+              <a:buNone/>
+              <a:defRPr sz="900"/>
+            </a:lvl4pPr>
+            <a:lvl5pPr marL="1828800" indent="0">
+              <a:buNone/>
+              <a:defRPr sz="900"/>
+            </a:lvl5pPr>
+            <a:lvl6pPr marL="2286000" indent="0">
+              <a:buNone/>
+              <a:defRPr sz="900"/>
+            </a:lvl6pPr>
+            <a:lvl7pPr marL="2743200" indent="0">
+              <a:buNone/>
+              <a:defRPr sz="900"/>
+            </a:lvl7pPr>
+            <a:lvl8pPr marL="3200400" indent="0">
+              <a:buNone/>
+              <a:defRPr sz="900"/>
+            </a:lvl8pPr>
+            <a:lvl9pPr marL="3657600" indent="0">
+              <a:buNone/>
+              <a:defRPr sz="900"/>
+            </a:lvl9pPr>
+          </a:lstStyle>
+          <a:p>
+            <a:pPr lvl="0"/>
+            <a:r>
+              <a:rPr lang="en-US"/>
+              <a:t>Click to edit Master text styles</a:t>
+            </a:r>
+          </a:p>
+        </p:txBody>
+      </p:sp>
+      <p:sp>
+        <p:nvSpPr>
+          <p:cNvPr id="5" name="Date Placeholder 4"/>
+          <p:cNvSpPr>
+            <a:spLocks noGrp="1"/>
+          </p:cNvSpPr>
+          <p:nvPr>
+            <p:ph type="dt" sz="half" idx="10"/>
+          </p:nvPr>
+        </p:nvSpPr>
+        <p:spPr/>
+        <p:txBody>
+          <a:bodyPr/>
+          <a:lstStyle/>
+          <a:p>
+            <a:fld id="{FDE934FF-F4E1-47C5-9CA5-30A81DDE2BE4}" type="datetimeFigureOut">
+              <a:rPr lang="en-US" smtClean="0"/>
+              <a:pPr/>
+              <a:t>5/29/2019</a:t>
+            </a:fld>
+            <a:endParaRPr lang="en-US"/>
+          </a:p>
+        </p:txBody>
+      </p:sp>
+      <p:sp>
+        <p:nvSpPr>
+          <p:cNvPr id="6" name="Footer Placeholder 5"/>
+          <p:cNvSpPr>
+            <a:spLocks noGrp="1"/>
+          </p:cNvSpPr>
+          <p:nvPr>
+            <p:ph type="ftr" sz="quarter" idx="11"/>
+          </p:nvPr>
+        </p:nvSpPr>
+        <p:spPr/>
+        <p:txBody>
+          <a:bodyPr/>
+          <a:lstStyle/>
+          <a:p>
+            <a:endParaRPr lang="en-US"/>
+          </a:p>
+        </p:txBody>
+      </p:sp>
+      <p:sp>
+        <p:nvSpPr>
+          <p:cNvPr id="7" name="Slide Number Placeholder 6"/>
+          <p:cNvSpPr>
+            <a:spLocks noGrp="1"/>
+          </p:cNvSpPr>
+          <p:nvPr>
+            <p:ph type="sldNum" sz="quarter" idx="12"/>
+          </p:nvPr>
+        </p:nvSpPr>
+        <p:spPr/>
+        <p:txBody>
+          <a:bodyPr/>
+          <a:lstStyle/>
+          <a:p>
+            <a:fld id="{B3561BA9-CDCF-4958-B8AB-66F3BF063E13}" type="slidenum">
+              <a:rPr lang="en-US" smtClean="0"/>
+              <a:pPr/>
+              <a:t>‹#›</a:t>
+            </a:fld>
+            <a:endParaRPr lang="en-US"/>
+          </a:p>
+        </p:txBody>
+      </p:sp>
+    </p:spTree>
+    <p:extLst>
+      <p:ext uri="{BB962C8B-B14F-4D97-AF65-F5344CB8AC3E}">
+        <p14:creationId xmlns:p14="http://schemas.microsoft.com/office/powerpoint/2010/main" val="3930178218"/>
+      </p:ext>
+    </p:extLst>
+  </p:cSld>
+  <p:clrMapOvr>
+    <a:masterClrMapping/>
+  </p:clrMapOvr>
+  <p:hf sldNum="0" hdr="0" ftr="0" dt="0"/>
+</p:sldLayout>
+</file>
+
+<file path=ppt/slideLayouts/slideLayout11.xml><?xml version="1.0" encoding="utf-8"?>
+<p:sldLayout xmlns:a="http://schemas.openxmlformats.org/drawingml/2006/main" xmlns:r="http://schemas.openxmlformats.org/officeDocument/2006/relationships" xmlns:p="http://schemas.openxmlformats.org/presentationml/2006/main" preserve="1">
+  <p:cSld name="Title and Caption">
+    <p:spTree>
+      <p:nvGrpSpPr>
+        <p:cNvPr id="1" name=""/>
+        <p:cNvGrpSpPr/>
+        <p:nvPr/>
+      </p:nvGrpSpPr>
+      <p:grpSpPr>
+        <a:xfrm>
+          <a:off x="0" y="0"/>
+          <a:ext cx="0" cy="0"/>
+          <a:chOff x="0" y="0"/>
+          <a:chExt cx="0" cy="0"/>
+        </a:xfrm>
+      </p:grpSpPr>
+      <p:sp>
+        <p:nvSpPr>
+          <p:cNvPr id="2" name="Title 1"/>
+          <p:cNvSpPr>
+            <a:spLocks noGrp="1"/>
+          </p:cNvSpPr>
+          <p:nvPr>
+            <p:ph type="title"/>
+          </p:nvPr>
+        </p:nvSpPr>
+        <p:spPr>
+          <a:xfrm>
+            <a:off x="1154954" y="1447800"/>
+            <a:ext cx="8825659" cy="1981200"/>
+          </a:xfrm>
+        </p:spPr>
+        <p:txBody>
+          <a:bodyPr/>
+          <a:lstStyle>
+            <a:lvl1pPr>
+              <a:defRPr sz="4800"/>
+            </a:lvl1pPr>
+          </a:lstStyle>
+          <a:p>
+            <a:r>
+              <a:rPr lang="en-US"/>
+              <a:t>Click to edit Master title style</a:t>
+            </a:r>
+            <a:endParaRPr lang="en-US" dirty="0"/>
+          </a:p>
+        </p:txBody>
+      </p:sp>
+      <p:sp>
+        <p:nvSpPr>
+          <p:cNvPr id="8" name="Text Placeholder 3"/>
+          <p:cNvSpPr>
+            <a:spLocks noGrp="1"/>
+          </p:cNvSpPr>
+          <p:nvPr>
+            <p:ph type="body" sz="half" idx="2"/>
+          </p:nvPr>
+        </p:nvSpPr>
+        <p:spPr>
+          <a:xfrm>
+            <a:off x="1154954" y="3657600"/>
+            <a:ext cx="8825659" cy="2362200"/>
+          </a:xfrm>
+        </p:spPr>
+        <p:txBody>
+          <a:bodyPr anchor="ctr">
+            <a:normAutofit/>
+          </a:bodyPr>
+          <a:lstStyle>
+            <a:lvl1pPr marL="0" indent="0">
+              <a:buNone/>
+              <a:defRPr sz="1800"/>
+            </a:lvl1pPr>
+            <a:lvl2pPr marL="457200" indent="0">
+              <a:buNone/>
+              <a:defRPr sz="1200"/>
+            </a:lvl2pPr>
+            <a:lvl3pPr marL="914400" indent="0">
+              <a:buNone/>
+              <a:defRPr sz="1000"/>
+            </a:lvl3pPr>
+            <a:lvl4pPr marL="1371600" indent="0">
+              <a:buNone/>
+              <a:defRPr sz="900"/>
+            </a:lvl4pPr>
+            <a:lvl5pPr marL="1828800" indent="0">
+              <a:buNone/>
+              <a:defRPr sz="900"/>
+            </a:lvl5pPr>
+            <a:lvl6pPr marL="2286000" indent="0">
+              <a:buNone/>
+              <a:defRPr sz="900"/>
+            </a:lvl6pPr>
+            <a:lvl7pPr marL="2743200" indent="0">
+              <a:buNone/>
+              <a:defRPr sz="900"/>
+            </a:lvl7pPr>
+            <a:lvl8pPr marL="3200400" indent="0">
+              <a:buNone/>
+              <a:defRPr sz="900"/>
+            </a:lvl8pPr>
+            <a:lvl9pPr marL="3657600" indent="0">
+              <a:buNone/>
+              <a:defRPr sz="900"/>
+            </a:lvl9pPr>
+          </a:lstStyle>
+          <a:p>
+            <a:pPr lvl="0"/>
+            <a:r>
+              <a:rPr lang="en-US"/>
+              <a:t>Click to edit Master text styles</a:t>
+            </a:r>
+          </a:p>
+        </p:txBody>
+      </p:sp>
+      <p:sp>
+        <p:nvSpPr>
+          <p:cNvPr id="4" name="Date Placeholder 3"/>
+          <p:cNvSpPr>
+            <a:spLocks noGrp="1"/>
+          </p:cNvSpPr>
+          <p:nvPr>
+            <p:ph type="dt" sz="half" idx="10"/>
+          </p:nvPr>
+        </p:nvSpPr>
+        <p:spPr/>
+        <p:txBody>
+          <a:bodyPr/>
+          <a:lstStyle/>
+          <a:p>
+            <a:fld id="{FDE934FF-F4E1-47C5-9CA5-30A81DDE2BE4}" type="datetimeFigureOut">
+              <a:rPr lang="en-US" smtClean="0"/>
+              <a:pPr/>
+              <a:t>5/29/2019</a:t>
+            </a:fld>
+            <a:endParaRPr lang="en-US"/>
+          </a:p>
+        </p:txBody>
+      </p:sp>
+      <p:sp>
+        <p:nvSpPr>
+          <p:cNvPr id="5" name="Footer Placeholder 4"/>
+          <p:cNvSpPr>
+            <a:spLocks noGrp="1"/>
+          </p:cNvSpPr>
+          <p:nvPr>
+            <p:ph type="ftr" sz="quarter" idx="11"/>
+          </p:nvPr>
+        </p:nvSpPr>
+        <p:spPr/>
+        <p:txBody>
+          <a:bodyPr/>
+          <a:lstStyle/>
+          <a:p>
+            <a:endParaRPr lang="en-US"/>
+          </a:p>
+        </p:txBody>
+      </p:sp>
+      <p:sp>
+        <p:nvSpPr>
+          <p:cNvPr id="6" name="Slide Number Placeholder 5"/>
+          <p:cNvSpPr>
+            <a:spLocks noGrp="1"/>
+          </p:cNvSpPr>
+          <p:nvPr>
+            <p:ph type="sldNum" sz="quarter" idx="12"/>
+          </p:nvPr>
+        </p:nvSpPr>
+        <p:spPr/>
+        <p:txBody>
+          <a:bodyPr/>
+          <a:lstStyle/>
+          <a:p>
+            <a:fld id="{B3561BA9-CDCF-4958-B8AB-66F3BF063E13}" type="slidenum">
+              <a:rPr lang="en-US" smtClean="0"/>
+              <a:pPr/>
+              <a:t>‹#›</a:t>
+            </a:fld>
+            <a:endParaRPr lang="en-US"/>
+          </a:p>
+        </p:txBody>
+      </p:sp>
+    </p:spTree>
+    <p:extLst>
+      <p:ext uri="{BB962C8B-B14F-4D97-AF65-F5344CB8AC3E}">
+        <p14:creationId xmlns:p14="http://schemas.microsoft.com/office/powerpoint/2010/main" val="1186787740"/>
+      </p:ext>
+    </p:extLst>
+  </p:cSld>
+  <p:clrMapOvr>
+    <a:masterClrMapping/>
+  </p:clrMapOvr>
+  <p:hf sldNum="0" hdr="0" ftr="0" dt="0"/>
+</p:sldLayout>
+</file>
+
+<file path=ppt/slideLayouts/slideLayout12.xml><?xml version="1.0" encoding="utf-8"?>
+<p:sldLayout xmlns:a="http://schemas.openxmlformats.org/drawingml/2006/main" xmlns:r="http://schemas.openxmlformats.org/officeDocument/2006/relationships" xmlns:p="http://schemas.openxmlformats.org/presentationml/2006/main" preserve="1">
+  <p:cSld name="Quote with Caption">
+    <p:spTree>
+      <p:nvGrpSpPr>
+        <p:cNvPr id="1" name=""/>
+        <p:cNvGrpSpPr/>
+        <p:nvPr/>
+      </p:nvGrpSpPr>
+      <p:grpSpPr>
+        <a:xfrm>
+          <a:off x="0" y="0"/>
+          <a:ext cx="0" cy="0"/>
+          <a:chOff x="0" y="0"/>
+          <a:chExt cx="0" cy="0"/>
+        </a:xfrm>
+      </p:grpSpPr>
+      <p:sp>
+        <p:nvSpPr>
+          <p:cNvPr id="2" name="Title 1"/>
+          <p:cNvSpPr>
+            <a:spLocks noGrp="1"/>
+          </p:cNvSpPr>
+          <p:nvPr>
+            <p:ph type="title"/>
+          </p:nvPr>
+        </p:nvSpPr>
+        <p:spPr>
+          <a:xfrm>
+            <a:off x="1574801" y="1447800"/>
+            <a:ext cx="7999315" cy="2323374"/>
+          </a:xfrm>
+        </p:spPr>
+        <p:txBody>
+          <a:bodyPr/>
+          <a:lstStyle>
+            <a:lvl1pPr>
+              <a:defRPr sz="4800"/>
+            </a:lvl1pPr>
+          </a:lstStyle>
+          <a:p>
+            <a:r>
+              <a:rPr lang="en-US"/>
+              <a:t>Click to edit Master title style</a:t>
+            </a:r>
+            <a:endParaRPr lang="en-US" dirty="0"/>
+          </a:p>
+        </p:txBody>
+      </p:sp>
+      <p:sp>
+        <p:nvSpPr>
+          <p:cNvPr id="11" name="Text Placeholder 3"/>
+          <p:cNvSpPr>
+            <a:spLocks noGrp="1"/>
+          </p:cNvSpPr>
+          <p:nvPr>
+            <p:ph type="body" sz="half" idx="14"/>
+          </p:nvPr>
+        </p:nvSpPr>
+        <p:spPr>
+          <a:xfrm>
+            <a:off x="1930400" y="3771174"/>
+            <a:ext cx="7279649" cy="342174"/>
+          </a:xfrm>
+        </p:spPr>
+        <p:txBody>
+          <a:bodyPr vert="horz" lIns="91440" tIns="45720" rIns="91440" bIns="45720" rtlCol="0" anchor="t">
+            <a:normAutofit/>
+          </a:bodyPr>
+          <a:lstStyle>
+            <a:lvl1pPr marL="0" indent="0">
+              <a:buNone/>
+              <a:defRPr lang="en-US" sz="1400" b="0" i="0" kern="1200" cap="small" dirty="0">
+                <a:solidFill>
+                  <a:schemeClr val="bg2">
+                    <a:lumMod val="40000"/>
+                    <a:lumOff val="60000"/>
+                  </a:schemeClr>
+                </a:solidFill>
+                <a:latin typeface="+mj-lt"/>
+                <a:ea typeface="+mj-ea"/>
+                <a:cs typeface="+mj-cs"/>
+              </a:defRPr>
+            </a:lvl1pPr>
+            <a:lvl2pPr marL="457200" indent="0">
+              <a:buNone/>
+              <a:defRPr sz="1200"/>
+            </a:lvl2pPr>
+            <a:lvl3pPr marL="914400" indent="0">
+              <a:buNone/>
+              <a:defRPr sz="1000"/>
+            </a:lvl3pPr>
+            <a:lvl4pPr marL="1371600" indent="0">
+              <a:buNone/>
+              <a:defRPr sz="900"/>
+            </a:lvl4pPr>
+            <a:lvl5pPr marL="1828800" indent="0">
+              <a:buNone/>
+              <a:defRPr sz="900"/>
+            </a:lvl5pPr>
+            <a:lvl6pPr marL="2286000" indent="0">
+              <a:buNone/>
+              <a:defRPr sz="900"/>
+            </a:lvl6pPr>
+            <a:lvl7pPr marL="2743200" indent="0">
+              <a:buNone/>
+              <a:defRPr sz="900"/>
+            </a:lvl7pPr>
+            <a:lvl8pPr marL="3200400" indent="0">
+              <a:buNone/>
+              <a:defRPr sz="900"/>
+            </a:lvl8pPr>
+            <a:lvl9pPr marL="3657600" indent="0">
+              <a:buNone/>
+              <a:defRPr sz="900"/>
+            </a:lvl9pPr>
+          </a:lstStyle>
+          <a:p>
+            <a:pPr marL="0" lvl="0" indent="0">
+              <a:buNone/>
+            </a:pPr>
+            <a:r>
+              <a:rPr lang="en-US"/>
+              <a:t>Click to edit Master text styles</a:t>
+            </a:r>
+          </a:p>
+        </p:txBody>
+      </p:sp>
+      <p:sp>
+        <p:nvSpPr>
+          <p:cNvPr id="10" name="Text Placeholder 3"/>
+          <p:cNvSpPr>
+            <a:spLocks noGrp="1"/>
+          </p:cNvSpPr>
+          <p:nvPr>
+            <p:ph type="body" sz="half" idx="2"/>
+          </p:nvPr>
+        </p:nvSpPr>
+        <p:spPr>
+          <a:xfrm>
+            <a:off x="1154954" y="4350657"/>
+            <a:ext cx="8825659" cy="1676400"/>
+          </a:xfrm>
+        </p:spPr>
+        <p:txBody>
+          <a:bodyPr anchor="ctr">
+            <a:normAutofit/>
+          </a:bodyPr>
+          <a:lstStyle>
+            <a:lvl1pPr marL="0" indent="0">
+              <a:buNone/>
+              <a:defRPr sz="1800"/>
+            </a:lvl1pPr>
+            <a:lvl2pPr marL="457200" indent="0">
+              <a:buNone/>
+              <a:defRPr sz="1200"/>
+            </a:lvl2pPr>
+            <a:lvl3pPr marL="914400" indent="0">
+              <a:buNone/>
+              <a:defRPr sz="1000"/>
+            </a:lvl3pPr>
+            <a:lvl4pPr marL="1371600" indent="0">
+              <a:buNone/>
+              <a:defRPr sz="900"/>
+            </a:lvl4pPr>
+            <a:lvl5pPr marL="1828800" indent="0">
+              <a:buNone/>
+              <a:defRPr sz="900"/>
+            </a:lvl5pPr>
+            <a:lvl6pPr marL="2286000" indent="0">
+              <a:buNone/>
+              <a:defRPr sz="900"/>
+            </a:lvl6pPr>
+            <a:lvl7pPr marL="2743200" indent="0">
+              <a:buNone/>
+              <a:defRPr sz="900"/>
+            </a:lvl7pPr>
+            <a:lvl8pPr marL="3200400" indent="0">
+              <a:buNone/>
+              <a:defRPr sz="900"/>
+            </a:lvl8pPr>
+            <a:lvl9pPr marL="3657600" indent="0">
+              <a:buNone/>
+              <a:defRPr sz="900"/>
+            </a:lvl9pPr>
+          </a:lstStyle>
+          <a:p>
+            <a:pPr lvl="0"/>
+            <a:r>
+              <a:rPr lang="en-US"/>
+              <a:t>Click to edit Master text styles</a:t>
+            </a:r>
+          </a:p>
+        </p:txBody>
+      </p:sp>
+      <p:sp>
+        <p:nvSpPr>
+          <p:cNvPr id="4" name="Date Placeholder 3"/>
+          <p:cNvSpPr>
+            <a:spLocks noGrp="1"/>
+          </p:cNvSpPr>
+          <p:nvPr>
+            <p:ph type="dt" sz="half" idx="10"/>
+          </p:nvPr>
+        </p:nvSpPr>
+        <p:spPr/>
+        <p:txBody>
+          <a:bodyPr/>
+          <a:lstStyle/>
+          <a:p>
+            <a:fld id="{FDE934FF-F4E1-47C5-9CA5-30A81DDE2BE4}" type="datetimeFigureOut">
+              <a:rPr lang="en-US" smtClean="0"/>
+              <a:pPr/>
+              <a:t>5/29/2019</a:t>
+            </a:fld>
+            <a:endParaRPr lang="en-US"/>
+          </a:p>
+        </p:txBody>
+      </p:sp>
+      <p:sp>
+        <p:nvSpPr>
+          <p:cNvPr id="5" name="Footer Placeholder 4"/>
+          <p:cNvSpPr>
+            <a:spLocks noGrp="1"/>
+          </p:cNvSpPr>
+          <p:nvPr>
+            <p:ph type="ftr" sz="quarter" idx="11"/>
+          </p:nvPr>
+        </p:nvSpPr>
+        <p:spPr/>
+        <p:txBody>
+          <a:bodyPr/>
+          <a:lstStyle/>
+          <a:p>
+            <a:endParaRPr lang="en-US"/>
+          </a:p>
+        </p:txBody>
+      </p:sp>
+      <p:sp>
+        <p:nvSpPr>
+          <p:cNvPr id="6" name="Slide Number Placeholder 5"/>
+          <p:cNvSpPr>
+            <a:spLocks noGrp="1"/>
+          </p:cNvSpPr>
+          <p:nvPr>
+            <p:ph type="sldNum" sz="quarter" idx="12"/>
+          </p:nvPr>
+        </p:nvSpPr>
+        <p:spPr/>
+        <p:txBody>
+          <a:bodyPr/>
+          <a:lstStyle/>
+          <a:p>
+            <a:fld id="{B3561BA9-CDCF-4958-B8AB-66F3BF063E13}" type="slidenum">
+              <a:rPr lang="en-US" smtClean="0"/>
+              <a:pPr/>
+              <a:t>‹#›</a:t>
+            </a:fld>
+            <a:endParaRPr lang="en-US"/>
+          </a:p>
+        </p:txBody>
+      </p:sp>
+      <p:sp>
+        <p:nvSpPr>
+          <p:cNvPr id="12" name="TextBox 11"/>
+          <p:cNvSpPr txBox="1"/>
+          <p:nvPr/>
+        </p:nvSpPr>
+        <p:spPr>
+          <a:xfrm>
+            <a:off x="898295" y="971253"/>
+            <a:ext cx="801912" cy="1969770"/>
+          </a:xfrm>
+          <a:prstGeom prst="rect">
+            <a:avLst/>
+          </a:prstGeom>
+          <a:noFill/>
+        </p:spPr>
+        <p:txBody>
+          <a:bodyPr wrap="square" rtlCol="0">
+            <a:spAutoFit/>
+          </a:bodyPr>
+          <a:lstStyle>
+            <a:defPPr>
+              <a:defRPr lang="en-US"/>
+            </a:defPPr>
+            <a:lvl1pPr algn="r">
+              <a:defRPr sz="12200" b="0" i="0">
+                <a:solidFill>
+                  <a:schemeClr val="bg2">
+                    <a:lumMod val="40000"/>
+                    <a:lumOff val="60000"/>
+                  </a:schemeClr>
+                </a:solidFill>
+                <a:latin typeface="Arial"/>
+                <a:ea typeface="+mj-ea"/>
+                <a:cs typeface="+mj-cs"/>
+              </a:defRPr>
+            </a:lvl1pPr>
+          </a:lstStyle>
+          <a:p>
+            <a:pPr lvl="0"/>
+            <a:r>
+              <a:rPr lang="en-US" dirty="0"/>
+              <a:t>“</a:t>
+            </a:r>
+          </a:p>
+        </p:txBody>
+      </p:sp>
+      <p:sp>
+        <p:nvSpPr>
+          <p:cNvPr id="15" name="TextBox 14"/>
+          <p:cNvSpPr txBox="1"/>
+          <p:nvPr/>
+        </p:nvSpPr>
+        <p:spPr>
+          <a:xfrm>
+            <a:off x="9330490" y="2613787"/>
+            <a:ext cx="801912" cy="1969770"/>
+          </a:xfrm>
+          <a:prstGeom prst="rect">
+            <a:avLst/>
+          </a:prstGeom>
+          <a:noFill/>
+        </p:spPr>
+        <p:txBody>
+          <a:bodyPr wrap="square" rtlCol="0">
+            <a:spAutoFit/>
+          </a:bodyPr>
+          <a:lstStyle>
+            <a:defPPr>
+              <a:defRPr lang="en-US"/>
+            </a:defPPr>
+            <a:lvl1pPr algn="r">
+              <a:defRPr sz="12200" b="0" i="0">
+                <a:solidFill>
+                  <a:schemeClr val="bg2">
+                    <a:lumMod val="40000"/>
+                    <a:lumOff val="60000"/>
+                  </a:schemeClr>
+                </a:solidFill>
+                <a:latin typeface="Arial"/>
+                <a:ea typeface="+mj-ea"/>
+                <a:cs typeface="+mj-cs"/>
+              </a:defRPr>
+            </a:lvl1pPr>
+          </a:lstStyle>
+          <a:p>
+            <a:pPr lvl="0"/>
+            <a:r>
+              <a:rPr lang="en-US" dirty="0"/>
+              <a:t>”</a:t>
+            </a:r>
+          </a:p>
+        </p:txBody>
+      </p:sp>
+    </p:spTree>
+    <p:extLst>
+      <p:ext uri="{BB962C8B-B14F-4D97-AF65-F5344CB8AC3E}">
+        <p14:creationId xmlns:p14="http://schemas.microsoft.com/office/powerpoint/2010/main" val="218584011"/>
+      </p:ext>
+    </p:extLst>
+  </p:cSld>
+  <p:clrMapOvr>
+    <a:masterClrMapping/>
+  </p:clrMapOvr>
+  <p:hf sldNum="0" hdr="0" ftr="0" dt="0"/>
+</p:sldLayout>
+</file>
+
+<file path=ppt/slideLayouts/slideLayout13.xml><?xml version="1.0" encoding="utf-8"?>
+<p:sldLayout xmlns:a="http://schemas.openxmlformats.org/drawingml/2006/main" xmlns:r="http://schemas.openxmlformats.org/officeDocument/2006/relationships" xmlns:p="http://schemas.openxmlformats.org/presentationml/2006/main" preserve="1">
+  <p:cSld name="Name Card">
+    <p:spTree>
+      <p:nvGrpSpPr>
+        <p:cNvPr id="1" name=""/>
+        <p:cNvGrpSpPr/>
+        <p:nvPr/>
+      </p:nvGrpSpPr>
+      <p:grpSpPr>
+        <a:xfrm>
+          <a:off x="0" y="0"/>
+          <a:ext cx="0" cy="0"/>
+          <a:chOff x="0" y="0"/>
+          <a:chExt cx="0" cy="0"/>
+        </a:xfrm>
+      </p:grpSpPr>
+      <p:sp>
+        <p:nvSpPr>
+          <p:cNvPr id="2" name="Title 1"/>
+          <p:cNvSpPr>
+            <a:spLocks noGrp="1"/>
+          </p:cNvSpPr>
+          <p:nvPr>
+            <p:ph type="title"/>
+          </p:nvPr>
+        </p:nvSpPr>
+        <p:spPr>
+          <a:xfrm>
+            <a:off x="1154954" y="3124201"/>
+            <a:ext cx="8825660" cy="1653180"/>
+          </a:xfrm>
+        </p:spPr>
+        <p:txBody>
+          <a:bodyPr anchor="b"/>
+          <a:lstStyle>
+            <a:lvl1pPr algn="l">
+              <a:defRPr sz="4000" b="0" cap="none"/>
+            </a:lvl1pPr>
+          </a:lstStyle>
+          <a:p>
+            <a:r>
+              <a:rPr lang="en-US"/>
+              <a:t>Click to edit Master title style</a:t>
+            </a:r>
+            <a:endParaRPr lang="en-US" dirty="0"/>
+          </a:p>
+        </p:txBody>
+      </p:sp>
+      <p:sp>
+        <p:nvSpPr>
+          <p:cNvPr id="3" name="Text Placeholder 2"/>
+          <p:cNvSpPr>
+            <a:spLocks noGrp="1"/>
+          </p:cNvSpPr>
+          <p:nvPr>
+            <p:ph type="body" idx="1"/>
+          </p:nvPr>
+        </p:nvSpPr>
+        <p:spPr>
+          <a:xfrm>
+            <a:off x="1154954" y="4777381"/>
+            <a:ext cx="8825659" cy="860400"/>
+          </a:xfrm>
+        </p:spPr>
+        <p:txBody>
+          <a:bodyPr anchor="t"/>
+          <a:lstStyle>
+            <a:lvl1pPr marL="0" indent="0" algn="l">
+              <a:buNone/>
+              <a:defRPr sz="2000" cap="none">
+                <a:solidFill>
+                  <a:schemeClr val="bg2">
+                    <a:lumMod val="40000"/>
+                    <a:lumOff val="60000"/>
+                  </a:schemeClr>
+                </a:solidFill>
+              </a:defRPr>
+            </a:lvl1pPr>
+            <a:lvl2pPr marL="457200" indent="0">
+              <a:buNone/>
+              <a:defRPr sz="1800">
+                <a:solidFill>
+                  <a:schemeClr val="tx1">
+                    <a:tint val="75000"/>
+                  </a:schemeClr>
+                </a:solidFill>
+              </a:defRPr>
+            </a:lvl2pPr>
+            <a:lvl3pPr marL="914400" indent="0">
+              <a:buNone/>
+              <a:defRPr sz="1600">
+                <a:solidFill>
+                  <a:schemeClr val="tx1">
+                    <a:tint val="75000"/>
+                  </a:schemeClr>
+                </a:solidFill>
+              </a:defRPr>
+            </a:lvl3pPr>
+            <a:lvl4pPr marL="1371600" indent="0">
+              <a:buNone/>
+              <a:defRPr sz="1400">
+                <a:solidFill>
+                  <a:schemeClr val="tx1">
+                    <a:tint val="75000"/>
+                  </a:schemeClr>
+                </a:solidFill>
+              </a:defRPr>
+            </a:lvl4pPr>
+            <a:lvl5pPr marL="1828800" indent="0">
+              <a:buNone/>
+              <a:defRPr sz="1400">
+                <a:solidFill>
+                  <a:schemeClr val="tx1">
+                    <a:tint val="75000"/>
+                  </a:schemeClr>
+                </a:solidFill>
+              </a:defRPr>
+            </a:lvl5pPr>
+            <a:lvl6pPr marL="2286000" indent="0">
+              <a:buNone/>
+              <a:defRPr sz="1400">
+                <a:solidFill>
+                  <a:schemeClr val="tx1">
+                    <a:tint val="75000"/>
+                  </a:schemeClr>
+                </a:solidFill>
+              </a:defRPr>
+            </a:lvl6pPr>
+            <a:lvl7pPr marL="2743200" indent="0">
+              <a:buNone/>
+              <a:defRPr sz="1400">
+                <a:solidFill>
+                  <a:schemeClr val="tx1">
+                    <a:tint val="75000"/>
+                  </a:schemeClr>
+                </a:solidFill>
+              </a:defRPr>
+            </a:lvl7pPr>
+            <a:lvl8pPr marL="3200400" indent="0">
+              <a:buNone/>
+              <a:defRPr sz="1400">
+                <a:solidFill>
+                  <a:schemeClr val="tx1">
+                    <a:tint val="75000"/>
+                  </a:schemeClr>
+                </a:solidFill>
+              </a:defRPr>
+            </a:lvl8pPr>
+            <a:lvl9pPr marL="3657600" indent="0">
+              <a:buNone/>
+              <a:defRPr sz="1400">
+                <a:solidFill>
+                  <a:schemeClr val="tx1">
+                    <a:tint val="75000"/>
+                  </a:schemeClr>
+                </a:solidFill>
+              </a:defRPr>
+            </a:lvl9pPr>
+          </a:lstStyle>
+          <a:p>
+            <a:pPr lvl="0"/>
+            <a:r>
+              <a:rPr lang="en-US"/>
+              <a:t>Click to edit Master text styles</a:t>
+            </a:r>
+          </a:p>
+        </p:txBody>
+      </p:sp>
+      <p:sp>
+        <p:nvSpPr>
+          <p:cNvPr id="4" name="Date Placeholder 3"/>
+          <p:cNvSpPr>
+            <a:spLocks noGrp="1"/>
+          </p:cNvSpPr>
+          <p:nvPr>
+            <p:ph type="dt" sz="half" idx="10"/>
+          </p:nvPr>
+        </p:nvSpPr>
+        <p:spPr/>
+        <p:txBody>
+          <a:bodyPr/>
+          <a:lstStyle/>
+          <a:p>
+            <a:fld id="{FDE934FF-F4E1-47C5-9CA5-30A81DDE2BE4}" type="datetimeFigureOut">
+              <a:rPr lang="en-US" smtClean="0"/>
+              <a:pPr/>
+              <a:t>5/29/2019</a:t>
+            </a:fld>
+            <a:endParaRPr lang="en-US"/>
+          </a:p>
+        </p:txBody>
+      </p:sp>
+      <p:sp>
+        <p:nvSpPr>
+          <p:cNvPr id="5" name="Footer Placeholder 4"/>
+          <p:cNvSpPr>
+            <a:spLocks noGrp="1"/>
+          </p:cNvSpPr>
+          <p:nvPr>
+            <p:ph type="ftr" sz="quarter" idx="11"/>
+          </p:nvPr>
+        </p:nvSpPr>
+        <p:spPr/>
+        <p:txBody>
+          <a:bodyPr/>
+          <a:lstStyle/>
+          <a:p>
+            <a:endParaRPr lang="en-US"/>
+          </a:p>
+        </p:txBody>
+      </p:sp>
+      <p:sp>
+        <p:nvSpPr>
+          <p:cNvPr id="6" name="Slide Number Placeholder 5"/>
+          <p:cNvSpPr>
+            <a:spLocks noGrp="1"/>
+          </p:cNvSpPr>
+          <p:nvPr>
+            <p:ph type="sldNum" sz="quarter" idx="12"/>
+          </p:nvPr>
+        </p:nvSpPr>
+        <p:spPr/>
+        <p:txBody>
+          <a:bodyPr/>
+          <a:lstStyle/>
+          <a:p>
+            <a:fld id="{B3561BA9-CDCF-4958-B8AB-66F3BF063E13}" type="slidenum">
+              <a:rPr lang="en-US" smtClean="0"/>
+              <a:pPr/>
+              <a:t>‹#›</a:t>
+            </a:fld>
+            <a:endParaRPr lang="en-US"/>
+          </a:p>
+        </p:txBody>
+      </p:sp>
+    </p:spTree>
+    <p:extLst>
+      <p:ext uri="{BB962C8B-B14F-4D97-AF65-F5344CB8AC3E}">
+        <p14:creationId xmlns:p14="http://schemas.microsoft.com/office/powerpoint/2010/main" val="82393729"/>
+      </p:ext>
+    </p:extLst>
+  </p:cSld>
+  <p:clrMapOvr>
+    <a:masterClrMapping/>
+  </p:clrMapOvr>
+  <p:hf sldNum="0" hdr="0" ftr="0" dt="0"/>
+</p:sldLayout>
+</file>
+
+<file path=ppt/slideLayouts/slideLayout14.xml><?xml version="1.0" encoding="utf-8"?>
+<p:sldLayout xmlns:a="http://schemas.openxmlformats.org/drawingml/2006/main" xmlns:r="http://schemas.openxmlformats.org/officeDocument/2006/relationships" xmlns:p="http://schemas.openxmlformats.org/presentationml/2006/main" preserve="1">
+  <p:cSld name="3 Column">
+    <p:spTree>
+      <p:nvGrpSpPr>
+        <p:cNvPr id="1" name=""/>
+        <p:cNvGrpSpPr/>
+        <p:nvPr/>
+      </p:nvGrpSpPr>
+      <p:grpSpPr>
+        <a:xfrm>
+          <a:off x="0" y="0"/>
+          <a:ext cx="0" cy="0"/>
+          <a:chOff x="0" y="0"/>
+          <a:chExt cx="0" cy="0"/>
+        </a:xfrm>
+      </p:grpSpPr>
+      <p:sp>
+        <p:nvSpPr>
+          <p:cNvPr id="2" name="Title 1"/>
+          <p:cNvSpPr>
+            <a:spLocks noGrp="1"/>
+          </p:cNvSpPr>
+          <p:nvPr>
+            <p:ph type="title"/>
+          </p:nvPr>
+        </p:nvSpPr>
+        <p:spPr/>
+        <p:txBody>
+          <a:bodyPr/>
+          <a:lstStyle>
+            <a:lvl1pPr>
+              <a:defRPr sz="4200"/>
+            </a:lvl1pPr>
+          </a:lstStyle>
+          <a:p>
+            <a:r>
+              <a:rPr lang="en-US"/>
+              <a:t>Click to edit Master title style</a:t>
+            </a:r>
+            <a:endParaRPr lang="en-US" dirty="0"/>
+          </a:p>
+        </p:txBody>
+      </p:sp>
+      <p:sp>
+        <p:nvSpPr>
+          <p:cNvPr id="3" name="Text Placeholder 2"/>
+          <p:cNvSpPr>
+            <a:spLocks noGrp="1"/>
+          </p:cNvSpPr>
+          <p:nvPr>
+            <p:ph type="body" idx="1"/>
+          </p:nvPr>
+        </p:nvSpPr>
+        <p:spPr>
+          <a:xfrm>
+            <a:off x="632947" y="1981200"/>
+            <a:ext cx="2946866" cy="576262"/>
+          </a:xfrm>
+        </p:spPr>
+        <p:txBody>
+          <a:bodyPr anchor="b">
+            <a:noAutofit/>
+          </a:bodyPr>
+          <a:lstStyle>
+            <a:lvl1pPr marL="0" indent="0">
+              <a:buNone/>
+              <a:defRPr sz="2400" b="0">
+                <a:solidFill>
+                  <a:schemeClr val="bg2">
+                    <a:lumMod val="40000"/>
+                    <a:lumOff val="60000"/>
+                  </a:schemeClr>
+                </a:solidFill>
+              </a:defRPr>
+            </a:lvl1pPr>
+            <a:lvl2pPr marL="457200" indent="0">
+              <a:buNone/>
+              <a:defRPr sz="2000" b="1"/>
+            </a:lvl2pPr>
+            <a:lvl3pPr marL="914400" indent="0">
+              <a:buNone/>
+              <a:defRPr sz="1800" b="1"/>
+            </a:lvl3pPr>
+            <a:lvl4pPr marL="1371600" indent="0">
+              <a:buNone/>
+              <a:defRPr sz="1600" b="1"/>
+            </a:lvl4pPr>
+            <a:lvl5pPr marL="1828800" indent="0">
+              <a:buNone/>
+              <a:defRPr sz="1600" b="1"/>
+            </a:lvl5pPr>
+            <a:lvl6pPr marL="2286000" indent="0">
+              <a:buNone/>
+              <a:defRPr sz="1600" b="1"/>
+            </a:lvl6pPr>
+            <a:lvl7pPr marL="2743200" indent="0">
+              <a:buNone/>
+              <a:defRPr sz="1600" b="1"/>
+            </a:lvl7pPr>
+            <a:lvl8pPr marL="3200400" indent="0">
+              <a:buNone/>
+              <a:defRPr sz="1600" b="1"/>
+            </a:lvl8pPr>
+            <a:lvl9pPr marL="3657600" indent="0">
+              <a:buNone/>
+              <a:defRPr sz="1600" b="1"/>
+            </a:lvl9pPr>
+          </a:lstStyle>
+          <a:p>
+            <a:pPr lvl="0"/>
+            <a:r>
+              <a:rPr lang="en-US"/>
+              <a:t>Click to edit Master text styles</a:t>
+            </a:r>
+          </a:p>
+        </p:txBody>
+      </p:sp>
+      <p:sp>
+        <p:nvSpPr>
+          <p:cNvPr id="16" name="Text Placeholder 3"/>
+          <p:cNvSpPr>
+            <a:spLocks noGrp="1"/>
+          </p:cNvSpPr>
+          <p:nvPr>
+            <p:ph type="body" sz="half" idx="15"/>
+          </p:nvPr>
+        </p:nvSpPr>
+        <p:spPr>
+          <a:xfrm>
+            <a:off x="652463" y="2667000"/>
+            <a:ext cx="2927350" cy="3589338"/>
+          </a:xfrm>
+        </p:spPr>
+        <p:txBody>
+          <a:bodyPr anchor="t">
+            <a:normAutofit/>
+          </a:bodyPr>
+          <a:lstStyle>
+            <a:lvl1pPr marL="0" indent="0">
+              <a:buNone/>
+              <a:defRPr sz="1400"/>
+            </a:lvl1pPr>
+            <a:lvl2pPr marL="457200" indent="0">
+              <a:buNone/>
+              <a:defRPr sz="1200"/>
+            </a:lvl2pPr>
+            <a:lvl3pPr marL="914400" indent="0">
+              <a:buNone/>
+              <a:defRPr sz="1000"/>
+            </a:lvl3pPr>
+            <a:lvl4pPr marL="1371600" indent="0">
+              <a:buNone/>
+              <a:defRPr sz="900"/>
+            </a:lvl4pPr>
+            <a:lvl5pPr marL="1828800" indent="0">
+              <a:buNone/>
+              <a:defRPr sz="900"/>
+            </a:lvl5pPr>
+            <a:lvl6pPr marL="2286000" indent="0">
+              <a:buNone/>
+              <a:defRPr sz="900"/>
+            </a:lvl6pPr>
+            <a:lvl7pPr marL="2743200" indent="0">
+              <a:buNone/>
+              <a:defRPr sz="900"/>
+            </a:lvl7pPr>
+            <a:lvl8pPr marL="3200400" indent="0">
+              <a:buNone/>
+              <a:defRPr sz="900"/>
+            </a:lvl8pPr>
+            <a:lvl9pPr marL="3657600" indent="0">
+              <a:buNone/>
+              <a:defRPr sz="900"/>
+            </a:lvl9pPr>
+          </a:lstStyle>
+          <a:p>
+            <a:pPr lvl="0"/>
+            <a:r>
+              <a:rPr lang="en-US"/>
+              <a:t>Click to edit Master text styles</a:t>
+            </a:r>
+          </a:p>
+        </p:txBody>
+      </p:sp>
+      <p:sp>
+        <p:nvSpPr>
+          <p:cNvPr id="5" name="Text Placeholder 4"/>
+          <p:cNvSpPr>
+            <a:spLocks noGrp="1"/>
+          </p:cNvSpPr>
+          <p:nvPr>
+            <p:ph type="body" sz="quarter" idx="3"/>
+          </p:nvPr>
+        </p:nvSpPr>
+        <p:spPr>
+          <a:xfrm>
+            <a:off x="3883659" y="1981200"/>
+            <a:ext cx="2936241" cy="576262"/>
+          </a:xfrm>
+        </p:spPr>
+        <p:txBody>
+          <a:bodyPr anchor="b">
+            <a:noAutofit/>
+          </a:bodyPr>
+          <a:lstStyle>
+            <a:lvl1pPr marL="0" indent="0">
+              <a:buNone/>
+              <a:defRPr sz="2400" b="0">
+                <a:solidFill>
+                  <a:schemeClr val="bg2">
+                    <a:lumMod val="40000"/>
+                    <a:lumOff val="60000"/>
+                  </a:schemeClr>
+                </a:solidFill>
+              </a:defRPr>
+            </a:lvl1pPr>
+            <a:lvl2pPr marL="457200" indent="0">
+              <a:buNone/>
+              <a:defRPr sz="2000" b="1"/>
+            </a:lvl2pPr>
+            <a:lvl3pPr marL="914400" indent="0">
+              <a:buNone/>
+              <a:defRPr sz="1800" b="1"/>
+            </a:lvl3pPr>
+            <a:lvl4pPr marL="1371600" indent="0">
+              <a:buNone/>
+              <a:defRPr sz="1600" b="1"/>
+            </a:lvl4pPr>
+            <a:lvl5pPr marL="1828800" indent="0">
+              <a:buNone/>
+              <a:defRPr sz="1600" b="1"/>
+            </a:lvl5pPr>
+            <a:lvl6pPr marL="2286000" indent="0">
+              <a:buNone/>
+              <a:defRPr sz="1600" b="1"/>
+            </a:lvl6pPr>
+            <a:lvl7pPr marL="2743200" indent="0">
+              <a:buNone/>
+              <a:defRPr sz="1600" b="1"/>
+            </a:lvl7pPr>
+            <a:lvl8pPr marL="3200400" indent="0">
+              <a:buNone/>
+              <a:defRPr sz="1600" b="1"/>
+            </a:lvl8pPr>
+            <a:lvl9pPr marL="3657600" indent="0">
+              <a:buNone/>
+              <a:defRPr sz="1600" b="1"/>
+            </a:lvl9pPr>
+          </a:lstStyle>
+          <a:p>
+            <a:pPr lvl="0"/>
+            <a:r>
+              <a:rPr lang="en-US"/>
+              <a:t>Click to edit Master text styles</a:t>
+            </a:r>
+          </a:p>
+        </p:txBody>
+      </p:sp>
+      <p:sp>
+        <p:nvSpPr>
+          <p:cNvPr id="19" name="Text Placeholder 3"/>
+          <p:cNvSpPr>
+            <a:spLocks noGrp="1"/>
+          </p:cNvSpPr>
+          <p:nvPr>
+            <p:ph type="body" sz="half" idx="16"/>
+          </p:nvPr>
+        </p:nvSpPr>
+        <p:spPr>
+          <a:xfrm>
+            <a:off x="3873106" y="2667000"/>
+            <a:ext cx="2946794" cy="3589338"/>
+          </a:xfrm>
+        </p:spPr>
+        <p:txBody>
+          <a:bodyPr anchor="t">
+            <a:normAutofit/>
+          </a:bodyPr>
+          <a:lstStyle>
+            <a:lvl1pPr marL="0" indent="0">
+              <a:buNone/>
+              <a:defRPr sz="1400"/>
+            </a:lvl1pPr>
+            <a:lvl2pPr marL="457200" indent="0">
+              <a:buNone/>
+              <a:defRPr sz="1200"/>
+            </a:lvl2pPr>
+            <a:lvl3pPr marL="914400" indent="0">
+              <a:buNone/>
+              <a:defRPr sz="1000"/>
+            </a:lvl3pPr>
+            <a:lvl4pPr marL="1371600" indent="0">
+              <a:buNone/>
+              <a:defRPr sz="900"/>
+            </a:lvl4pPr>
+            <a:lvl5pPr marL="1828800" indent="0">
+              <a:buNone/>
+              <a:defRPr sz="900"/>
+            </a:lvl5pPr>
+            <a:lvl6pPr marL="2286000" indent="0">
+              <a:buNone/>
+              <a:defRPr sz="900"/>
+            </a:lvl6pPr>
+            <a:lvl7pPr marL="2743200" indent="0">
+              <a:buNone/>
+              <a:defRPr sz="900"/>
+            </a:lvl7pPr>
+            <a:lvl8pPr marL="3200400" indent="0">
+              <a:buNone/>
+              <a:defRPr sz="900"/>
+            </a:lvl8pPr>
+            <a:lvl9pPr marL="3657600" indent="0">
+              <a:buNone/>
+              <a:defRPr sz="900"/>
+            </a:lvl9pPr>
+          </a:lstStyle>
+          <a:p>
+            <a:pPr lvl="0"/>
+            <a:r>
+              <a:rPr lang="en-US"/>
+              <a:t>Click to edit Master text styles</a:t>
+            </a:r>
+          </a:p>
+        </p:txBody>
+      </p:sp>
+      <p:sp>
+        <p:nvSpPr>
+          <p:cNvPr id="14" name="Text Placeholder 4"/>
+          <p:cNvSpPr>
+            <a:spLocks noGrp="1"/>
+          </p:cNvSpPr>
+          <p:nvPr>
+            <p:ph type="body" sz="quarter" idx="13"/>
+          </p:nvPr>
+        </p:nvSpPr>
+        <p:spPr>
+          <a:xfrm>
+            <a:off x="7124700" y="1981200"/>
+            <a:ext cx="2932113" cy="576262"/>
+          </a:xfrm>
+        </p:spPr>
+        <p:txBody>
+          <a:bodyPr anchor="b">
+            <a:noAutofit/>
+          </a:bodyPr>
+          <a:lstStyle>
+            <a:lvl1pPr marL="0" indent="0">
+              <a:buNone/>
+              <a:defRPr sz="2400" b="0">
+                <a:solidFill>
+                  <a:schemeClr val="bg2">
+                    <a:lumMod val="40000"/>
+                    <a:lumOff val="60000"/>
+                  </a:schemeClr>
+                </a:solidFill>
+              </a:defRPr>
+            </a:lvl1pPr>
+            <a:lvl2pPr marL="457200" indent="0">
+              <a:buNone/>
+              <a:defRPr sz="2000" b="1"/>
+            </a:lvl2pPr>
+            <a:lvl3pPr marL="914400" indent="0">
+              <a:buNone/>
+              <a:defRPr sz="1800" b="1"/>
+            </a:lvl3pPr>
+            <a:lvl4pPr marL="1371600" indent="0">
+              <a:buNone/>
+              <a:defRPr sz="1600" b="1"/>
+            </a:lvl4pPr>
+            <a:lvl5pPr marL="1828800" indent="0">
+              <a:buNone/>
+              <a:defRPr sz="1600" b="1"/>
+            </a:lvl5pPr>
+            <a:lvl6pPr marL="2286000" indent="0">
+              <a:buNone/>
+              <a:defRPr sz="1600" b="1"/>
+            </a:lvl6pPr>
+            <a:lvl7pPr marL="2743200" indent="0">
+              <a:buNone/>
+              <a:defRPr sz="1600" b="1"/>
+            </a:lvl7pPr>
+            <a:lvl8pPr marL="3200400" indent="0">
+              <a:buNone/>
+              <a:defRPr sz="1600" b="1"/>
+            </a:lvl8pPr>
+            <a:lvl9pPr marL="3657600" indent="0">
+              <a:buNone/>
+              <a:defRPr sz="1600" b="1"/>
+            </a:lvl9pPr>
+          </a:lstStyle>
+          <a:p>
+            <a:pPr lvl="0"/>
+            <a:r>
+              <a:rPr lang="en-US"/>
+              <a:t>Click to edit Master text styles</a:t>
+            </a:r>
+          </a:p>
+        </p:txBody>
+      </p:sp>
+      <p:sp>
+        <p:nvSpPr>
+          <p:cNvPr id="20" name="Text Placeholder 3"/>
+          <p:cNvSpPr>
+            <a:spLocks noGrp="1"/>
+          </p:cNvSpPr>
+          <p:nvPr>
+            <p:ph type="body" sz="half" idx="17"/>
+          </p:nvPr>
+        </p:nvSpPr>
+        <p:spPr>
+          <a:xfrm>
+            <a:off x="7124700" y="2667000"/>
+            <a:ext cx="2932113" cy="3589338"/>
+          </a:xfrm>
+        </p:spPr>
+        <p:txBody>
+          <a:bodyPr anchor="t">
+            <a:normAutofit/>
+          </a:bodyPr>
+          <a:lstStyle>
+            <a:lvl1pPr marL="0" indent="0">
+              <a:buNone/>
+              <a:defRPr sz="1400"/>
+            </a:lvl1pPr>
+            <a:lvl2pPr marL="457200" indent="0">
+              <a:buNone/>
+              <a:defRPr sz="1200"/>
+            </a:lvl2pPr>
+            <a:lvl3pPr marL="914400" indent="0">
+              <a:buNone/>
+              <a:defRPr sz="1000"/>
+            </a:lvl3pPr>
+            <a:lvl4pPr marL="1371600" indent="0">
+              <a:buNone/>
+              <a:defRPr sz="900"/>
+            </a:lvl4pPr>
+            <a:lvl5pPr marL="1828800" indent="0">
+              <a:buNone/>
+              <a:defRPr sz="900"/>
+            </a:lvl5pPr>
+            <a:lvl6pPr marL="2286000" indent="0">
+              <a:buNone/>
+              <a:defRPr sz="900"/>
+            </a:lvl6pPr>
+            <a:lvl7pPr marL="2743200" indent="0">
+              <a:buNone/>
+              <a:defRPr sz="900"/>
+            </a:lvl7pPr>
+            <a:lvl8pPr marL="3200400" indent="0">
+              <a:buNone/>
+              <a:defRPr sz="900"/>
+            </a:lvl8pPr>
+            <a:lvl9pPr marL="3657600" indent="0">
+              <a:buNone/>
+              <a:defRPr sz="900"/>
+            </a:lvl9pPr>
+          </a:lstStyle>
+          <a:p>
+            <a:pPr lvl="0"/>
+            <a:r>
+              <a:rPr lang="en-US"/>
+              <a:t>Click to edit Master text styles</a:t>
+            </a:r>
+          </a:p>
+        </p:txBody>
+      </p:sp>
+      <p:cxnSp>
+        <p:nvCxnSpPr>
+          <p:cNvPr id="17" name="Straight Connector 16"/>
+          <p:cNvCxnSpPr/>
+          <p:nvPr/>
+        </p:nvCxnSpPr>
+        <p:spPr>
+          <a:xfrm>
+            <a:off x="3726142" y="2133600"/>
+            <a:ext cx="0" cy="3962400"/>
+          </a:xfrm>
+          <a:prstGeom prst="line">
+            <a:avLst/>
+          </a:prstGeom>
+          <a:ln w="12700" cmpd="sng">
+            <a:solidFill>
+              <a:schemeClr val="bg2">
+                <a:lumMod val="40000"/>
+                <a:lumOff val="60000"/>
+                <a:alpha val="40000"/>
+              </a:schemeClr>
+            </a:solidFill>
+          </a:ln>
+        </p:spPr>
+        <p:style>
+          <a:lnRef idx="2">
+            <a:schemeClr val="accent1"/>
+          </a:lnRef>
+          <a:fillRef idx="0">
+            <a:schemeClr val="accent1"/>
+          </a:fillRef>
+          <a:effectRef idx="1">
+            <a:schemeClr val="accent1"/>
+          </a:effectRef>
+          <a:fontRef idx="minor">
+            <a:schemeClr val="tx1"/>
+          </a:fontRef>
+        </p:style>
+      </p:cxnSp>
+      <p:cxnSp>
+        <p:nvCxnSpPr>
+          <p:cNvPr id="18" name="Straight Connector 17"/>
+          <p:cNvCxnSpPr/>
+          <p:nvPr/>
+        </p:nvCxnSpPr>
+        <p:spPr>
+          <a:xfrm>
+            <a:off x="6962227" y="2133600"/>
+            <a:ext cx="0" cy="3966882"/>
+          </a:xfrm>
+          <a:prstGeom prst="line">
+            <a:avLst/>
+          </a:prstGeom>
+          <a:ln w="12700" cmpd="sng">
+            <a:solidFill>
+              <a:schemeClr val="bg2">
+                <a:lumMod val="40000"/>
+                <a:lumOff val="60000"/>
+                <a:alpha val="40000"/>
+              </a:schemeClr>
+            </a:solidFill>
+          </a:ln>
+        </p:spPr>
+        <p:style>
+          <a:lnRef idx="2">
+            <a:schemeClr val="accent1"/>
+          </a:lnRef>
+          <a:fillRef idx="0">
+            <a:schemeClr val="accent1"/>
+          </a:fillRef>
+          <a:effectRef idx="1">
+            <a:schemeClr val="accent1"/>
+          </a:effectRef>
+          <a:fontRef idx="minor">
+            <a:schemeClr val="tx1"/>
+          </a:fontRef>
+        </p:style>
+      </p:cxnSp>
+      <p:sp>
+        <p:nvSpPr>
+          <p:cNvPr id="7" name="Date Placeholder 3"/>
+          <p:cNvSpPr>
+            <a:spLocks noGrp="1"/>
+          </p:cNvSpPr>
+          <p:nvPr>
+            <p:ph type="dt" sz="half" idx="10"/>
+          </p:nvPr>
+        </p:nvSpPr>
+        <p:spPr/>
+        <p:txBody>
+          <a:bodyPr/>
+          <a:lstStyle/>
+          <a:p>
+            <a:fld id="{FDE934FF-F4E1-47C5-9CA5-30A81DDE2BE4}" type="datetimeFigureOut">
+              <a:rPr lang="en-US" smtClean="0"/>
+              <a:pPr/>
+              <a:t>5/29/2019</a:t>
+            </a:fld>
+            <a:endParaRPr lang="en-US"/>
+          </a:p>
+        </p:txBody>
+      </p:sp>
+      <p:sp>
+        <p:nvSpPr>
+          <p:cNvPr id="4" name="Footer Placeholder 4"/>
+          <p:cNvSpPr>
+            <a:spLocks noGrp="1"/>
+          </p:cNvSpPr>
+          <p:nvPr>
+            <p:ph type="ftr" sz="quarter" idx="11"/>
+          </p:nvPr>
+        </p:nvSpPr>
+        <p:spPr/>
+        <p:txBody>
+          <a:bodyPr/>
+          <a:lstStyle/>
+          <a:p>
+            <a:endParaRPr lang="en-US"/>
+          </a:p>
+        </p:txBody>
+      </p:sp>
+      <p:sp>
+        <p:nvSpPr>
+          <p:cNvPr id="6" name="Slide Number Placeholder 5"/>
+          <p:cNvSpPr>
+            <a:spLocks noGrp="1"/>
+          </p:cNvSpPr>
+          <p:nvPr>
+            <p:ph type="sldNum" sz="quarter" idx="12"/>
+          </p:nvPr>
+        </p:nvSpPr>
+        <p:spPr/>
+        <p:txBody>
+          <a:bodyPr/>
+          <a:lstStyle/>
+          <a:p>
+            <a:fld id="{B3561BA9-CDCF-4958-B8AB-66F3BF063E13}" type="slidenum">
+              <a:rPr lang="en-US" smtClean="0"/>
+              <a:pPr/>
+              <a:t>‹#›</a:t>
+            </a:fld>
+            <a:endParaRPr lang="en-US"/>
+          </a:p>
+        </p:txBody>
+      </p:sp>
+    </p:spTree>
+    <p:extLst>
+      <p:ext uri="{BB962C8B-B14F-4D97-AF65-F5344CB8AC3E}">
+        <p14:creationId xmlns:p14="http://schemas.microsoft.com/office/powerpoint/2010/main" val="259967665"/>
+      </p:ext>
+    </p:extLst>
+  </p:cSld>
+  <p:clrMapOvr>
+    <a:masterClrMapping/>
+  </p:clrMapOvr>
+  <p:hf sldNum="0" hdr="0" ftr="0" dt="0"/>
+</p:sldLayout>
+</file>
+
+<file path=ppt/slideLayouts/slideLayout15.xml><?xml version="1.0" encoding="utf-8"?>
+<p:sldLayout xmlns:a="http://schemas.openxmlformats.org/drawingml/2006/main" xmlns:r="http://schemas.openxmlformats.org/officeDocument/2006/relationships" xmlns:p="http://schemas.openxmlformats.org/presentationml/2006/main" preserve="1">
+  <p:cSld name="3 Picture Column">
+    <p:spTree>
+      <p:nvGrpSpPr>
+        <p:cNvPr id="1" name=""/>
+        <p:cNvGrpSpPr/>
+        <p:nvPr/>
+      </p:nvGrpSpPr>
+      <p:grpSpPr>
+        <a:xfrm>
+          <a:off x="0" y="0"/>
+          <a:ext cx="0" cy="0"/>
+          <a:chOff x="0" y="0"/>
+          <a:chExt cx="0" cy="0"/>
+        </a:xfrm>
+      </p:grpSpPr>
+      <p:sp>
+        <p:nvSpPr>
+          <p:cNvPr id="2" name="Title 1"/>
+          <p:cNvSpPr>
+            <a:spLocks noGrp="1"/>
+          </p:cNvSpPr>
+          <p:nvPr>
+            <p:ph type="title"/>
+          </p:nvPr>
+        </p:nvSpPr>
+        <p:spPr/>
+        <p:txBody>
+          <a:bodyPr/>
+          <a:lstStyle>
+            <a:lvl1pPr>
+              <a:defRPr sz="4200"/>
+            </a:lvl1pPr>
+          </a:lstStyle>
+          <a:p>
+            <a:r>
+              <a:rPr lang="en-US"/>
+              <a:t>Click to edit Master title style</a:t>
+            </a:r>
+            <a:endParaRPr lang="en-US" dirty="0"/>
+          </a:p>
+        </p:txBody>
+      </p:sp>
+      <p:sp>
+        <p:nvSpPr>
+          <p:cNvPr id="3" name="Text Placeholder 2"/>
+          <p:cNvSpPr>
+            <a:spLocks noGrp="1"/>
+          </p:cNvSpPr>
+          <p:nvPr>
+            <p:ph type="body" idx="1"/>
+          </p:nvPr>
+        </p:nvSpPr>
+        <p:spPr>
+          <a:xfrm>
+            <a:off x="652463" y="4250949"/>
+            <a:ext cx="2940050" cy="576262"/>
+          </a:xfrm>
+        </p:spPr>
+        <p:txBody>
+          <a:bodyPr anchor="b">
+            <a:noAutofit/>
+          </a:bodyPr>
+          <a:lstStyle>
+            <a:lvl1pPr marL="0" indent="0">
+              <a:buNone/>
+              <a:defRPr sz="2400" b="0">
+                <a:solidFill>
+                  <a:schemeClr val="bg2">
+                    <a:lumMod val="40000"/>
+                    <a:lumOff val="60000"/>
+                  </a:schemeClr>
+                </a:solidFill>
+              </a:defRPr>
+            </a:lvl1pPr>
+            <a:lvl2pPr marL="457200" indent="0">
+              <a:buNone/>
+              <a:defRPr sz="2000" b="1"/>
+            </a:lvl2pPr>
+            <a:lvl3pPr marL="914400" indent="0">
+              <a:buNone/>
+              <a:defRPr sz="1800" b="1"/>
+            </a:lvl3pPr>
+            <a:lvl4pPr marL="1371600" indent="0">
+              <a:buNone/>
+              <a:defRPr sz="1600" b="1"/>
+            </a:lvl4pPr>
+            <a:lvl5pPr marL="1828800" indent="0">
+              <a:buNone/>
+              <a:defRPr sz="1600" b="1"/>
+            </a:lvl5pPr>
+            <a:lvl6pPr marL="2286000" indent="0">
+              <a:buNone/>
+              <a:defRPr sz="1600" b="1"/>
+            </a:lvl6pPr>
+            <a:lvl7pPr marL="2743200" indent="0">
+              <a:buNone/>
+              <a:defRPr sz="1600" b="1"/>
+            </a:lvl7pPr>
+            <a:lvl8pPr marL="3200400" indent="0">
+              <a:buNone/>
+              <a:defRPr sz="1600" b="1"/>
+            </a:lvl8pPr>
+            <a:lvl9pPr marL="3657600" indent="0">
+              <a:buNone/>
+              <a:defRPr sz="1600" b="1"/>
+            </a:lvl9pPr>
+          </a:lstStyle>
+          <a:p>
+            <a:pPr lvl="0"/>
+            <a:r>
+              <a:rPr lang="en-US"/>
+              <a:t>Click to edit Master text styles</a:t>
+            </a:r>
+          </a:p>
+        </p:txBody>
+      </p:sp>
+      <p:sp>
+        <p:nvSpPr>
+          <p:cNvPr id="29" name="Picture Placeholder 2"/>
+          <p:cNvSpPr>
+            <a:spLocks noGrp="1" noChangeAspect="1"/>
+          </p:cNvSpPr>
+          <p:nvPr>
+            <p:ph type="pic" idx="15"/>
+          </p:nvPr>
+        </p:nvSpPr>
+        <p:spPr>
+          <a:xfrm>
+            <a:off x="652463" y="2209800"/>
+            <a:ext cx="2940050" cy="1524000"/>
+          </a:xfrm>
+          <a:prstGeom prst="roundRect">
+            <a:avLst>
+              <a:gd name="adj" fmla="val 1858"/>
+            </a:avLst>
+          </a:prstGeom>
+          <a:effectLst>
+            <a:outerShdw blurRad="50800" dist="50800" dir="5400000" algn="tl" rotWithShape="0">
+              <a:srgbClr val="000000">
+                <a:alpha val="43000"/>
+              </a:srgbClr>
+            </a:outerShdw>
+          </a:effectLst>
+        </p:spPr>
+        <p:txBody>
+          <a:bodyPr anchor="t">
+            <a:normAutofit/>
+          </a:bodyPr>
+          <a:lstStyle>
+            <a:lvl1pPr marL="0" indent="0" algn="ctr">
+              <a:buNone/>
+              <a:defRPr sz="1600"/>
+            </a:lvl1pPr>
+            <a:lvl2pPr marL="457200" indent="0">
+              <a:buNone/>
+              <a:defRPr sz="1600"/>
+            </a:lvl2pPr>
+            <a:lvl3pPr marL="914400" indent="0">
+              <a:buNone/>
+              <a:defRPr sz="1600"/>
+            </a:lvl3pPr>
+            <a:lvl4pPr marL="1371600" indent="0">
+              <a:buNone/>
+              <a:defRPr sz="1600"/>
+            </a:lvl4pPr>
+            <a:lvl5pPr marL="1828800" indent="0">
+              <a:buNone/>
+              <a:defRPr sz="1600"/>
+            </a:lvl5pPr>
+            <a:lvl6pPr marL="2286000" indent="0">
+              <a:buNone/>
+              <a:defRPr sz="1600"/>
+            </a:lvl6pPr>
+            <a:lvl7pPr marL="2743200" indent="0">
+              <a:buNone/>
+              <a:defRPr sz="1600"/>
+            </a:lvl7pPr>
+            <a:lvl8pPr marL="3200400" indent="0">
+              <a:buNone/>
+              <a:defRPr sz="1600"/>
+            </a:lvl8pPr>
+            <a:lvl9pPr marL="3657600" indent="0">
+              <a:buNone/>
+              <a:defRPr sz="1600"/>
+            </a:lvl9pPr>
+          </a:lstStyle>
+          <a:p>
+            <a:r>
+              <a:rPr lang="en-US"/>
+              <a:t>Click icon to add picture</a:t>
+            </a:r>
+            <a:endParaRPr lang="en-US" dirty="0"/>
+          </a:p>
+        </p:txBody>
+      </p:sp>
+      <p:sp>
+        <p:nvSpPr>
+          <p:cNvPr id="22" name="Text Placeholder 3"/>
+          <p:cNvSpPr>
+            <a:spLocks noGrp="1"/>
+          </p:cNvSpPr>
+          <p:nvPr>
+            <p:ph type="body" sz="half" idx="18"/>
+          </p:nvPr>
+        </p:nvSpPr>
+        <p:spPr>
+          <a:xfrm>
+            <a:off x="652463" y="4827211"/>
+            <a:ext cx="2940050" cy="659189"/>
+          </a:xfrm>
+        </p:spPr>
+        <p:txBody>
+          <a:bodyPr anchor="t">
+            <a:normAutofit/>
+          </a:bodyPr>
+          <a:lstStyle>
+            <a:lvl1pPr marL="0" indent="0">
+              <a:buNone/>
+              <a:defRPr sz="1400"/>
+            </a:lvl1pPr>
+            <a:lvl2pPr marL="457200" indent="0">
+              <a:buNone/>
+              <a:defRPr sz="1200"/>
+            </a:lvl2pPr>
+            <a:lvl3pPr marL="914400" indent="0">
+              <a:buNone/>
+              <a:defRPr sz="1000"/>
+            </a:lvl3pPr>
+            <a:lvl4pPr marL="1371600" indent="0">
+              <a:buNone/>
+              <a:defRPr sz="900"/>
+            </a:lvl4pPr>
+            <a:lvl5pPr marL="1828800" indent="0">
+              <a:buNone/>
+              <a:defRPr sz="900"/>
+            </a:lvl5pPr>
+            <a:lvl6pPr marL="2286000" indent="0">
+              <a:buNone/>
+              <a:defRPr sz="900"/>
+            </a:lvl6pPr>
+            <a:lvl7pPr marL="2743200" indent="0">
+              <a:buNone/>
+              <a:defRPr sz="900"/>
+            </a:lvl7pPr>
+            <a:lvl8pPr marL="3200400" indent="0">
+              <a:buNone/>
+              <a:defRPr sz="900"/>
+            </a:lvl8pPr>
+            <a:lvl9pPr marL="3657600" indent="0">
+              <a:buNone/>
+              <a:defRPr sz="900"/>
+            </a:lvl9pPr>
+          </a:lstStyle>
+          <a:p>
+            <a:pPr lvl="0"/>
+            <a:r>
+              <a:rPr lang="en-US"/>
+              <a:t>Click to edit Master text styles</a:t>
+            </a:r>
+          </a:p>
+        </p:txBody>
+      </p:sp>
+      <p:sp>
+        <p:nvSpPr>
+          <p:cNvPr id="5" name="Text Placeholder 4"/>
+          <p:cNvSpPr>
+            <a:spLocks noGrp="1"/>
+          </p:cNvSpPr>
+          <p:nvPr>
+            <p:ph type="body" sz="quarter" idx="3"/>
+          </p:nvPr>
+        </p:nvSpPr>
+        <p:spPr>
+          <a:xfrm>
+            <a:off x="3889375" y="4250949"/>
+            <a:ext cx="2930525" cy="576262"/>
+          </a:xfrm>
+        </p:spPr>
+        <p:txBody>
+          <a:bodyPr anchor="b">
+            <a:noAutofit/>
+          </a:bodyPr>
+          <a:lstStyle>
+            <a:lvl1pPr marL="0" indent="0">
+              <a:buNone/>
+              <a:defRPr sz="2400" b="0">
+                <a:solidFill>
+                  <a:schemeClr val="bg2">
+                    <a:lumMod val="40000"/>
+                    <a:lumOff val="60000"/>
+                  </a:schemeClr>
+                </a:solidFill>
+              </a:defRPr>
+            </a:lvl1pPr>
+            <a:lvl2pPr marL="457200" indent="0">
+              <a:buNone/>
+              <a:defRPr sz="2000" b="1"/>
+            </a:lvl2pPr>
+            <a:lvl3pPr marL="914400" indent="0">
+              <a:buNone/>
+              <a:defRPr sz="1800" b="1"/>
+            </a:lvl3pPr>
+            <a:lvl4pPr marL="1371600" indent="0">
+              <a:buNone/>
+              <a:defRPr sz="1600" b="1"/>
+            </a:lvl4pPr>
+            <a:lvl5pPr marL="1828800" indent="0">
+              <a:buNone/>
+              <a:defRPr sz="1600" b="1"/>
+            </a:lvl5pPr>
+            <a:lvl6pPr marL="2286000" indent="0">
+              <a:buNone/>
+              <a:defRPr sz="1600" b="1"/>
+            </a:lvl6pPr>
+            <a:lvl7pPr marL="2743200" indent="0">
+              <a:buNone/>
+              <a:defRPr sz="1600" b="1"/>
+            </a:lvl7pPr>
+            <a:lvl8pPr marL="3200400" indent="0">
+              <a:buNone/>
+              <a:defRPr sz="1600" b="1"/>
+            </a:lvl8pPr>
+            <a:lvl9pPr marL="3657600" indent="0">
+              <a:buNone/>
+              <a:defRPr sz="1600" b="1"/>
+            </a:lvl9pPr>
+          </a:lstStyle>
+          <a:p>
+            <a:pPr lvl="0"/>
+            <a:r>
+              <a:rPr lang="en-US"/>
+              <a:t>Click to edit Master text styles</a:t>
+            </a:r>
+          </a:p>
+        </p:txBody>
+      </p:sp>
+      <p:sp>
+        <p:nvSpPr>
+          <p:cNvPr id="30" name="Picture Placeholder 2"/>
+          <p:cNvSpPr>
+            <a:spLocks noGrp="1" noChangeAspect="1"/>
+          </p:cNvSpPr>
+          <p:nvPr>
+            <p:ph type="pic" idx="21"/>
+          </p:nvPr>
+        </p:nvSpPr>
+        <p:spPr>
+          <a:xfrm>
+            <a:off x="3889374" y="2209800"/>
+            <a:ext cx="2930525" cy="1524000"/>
+          </a:xfrm>
+          <a:prstGeom prst="roundRect">
+            <a:avLst>
+              <a:gd name="adj" fmla="val 1858"/>
+            </a:avLst>
+          </a:prstGeom>
+          <a:effectLst>
+            <a:outerShdw blurRad="50800" dist="50800" dir="5400000" algn="tl" rotWithShape="0">
+              <a:srgbClr val="000000">
+                <a:alpha val="43000"/>
+              </a:srgbClr>
+            </a:outerShdw>
+          </a:effectLst>
+        </p:spPr>
+        <p:txBody>
+          <a:bodyPr anchor="t">
+            <a:normAutofit/>
+          </a:bodyPr>
+          <a:lstStyle>
+            <a:lvl1pPr marL="0" indent="0" algn="ctr">
+              <a:buNone/>
+              <a:defRPr sz="1600"/>
+            </a:lvl1pPr>
+            <a:lvl2pPr marL="457200" indent="0">
+              <a:buNone/>
+              <a:defRPr sz="1600"/>
+            </a:lvl2pPr>
+            <a:lvl3pPr marL="914400" indent="0">
+              <a:buNone/>
+              <a:defRPr sz="1600"/>
+            </a:lvl3pPr>
+            <a:lvl4pPr marL="1371600" indent="0">
+              <a:buNone/>
+              <a:defRPr sz="1600"/>
+            </a:lvl4pPr>
+            <a:lvl5pPr marL="1828800" indent="0">
+              <a:buNone/>
+              <a:defRPr sz="1600"/>
+            </a:lvl5pPr>
+            <a:lvl6pPr marL="2286000" indent="0">
+              <a:buNone/>
+              <a:defRPr sz="1600"/>
+            </a:lvl6pPr>
+            <a:lvl7pPr marL="2743200" indent="0">
+              <a:buNone/>
+              <a:defRPr sz="1600"/>
+            </a:lvl7pPr>
+            <a:lvl8pPr marL="3200400" indent="0">
+              <a:buNone/>
+              <a:defRPr sz="1600"/>
+            </a:lvl8pPr>
+            <a:lvl9pPr marL="3657600" indent="0">
+              <a:buNone/>
+              <a:defRPr sz="1600"/>
+            </a:lvl9pPr>
+          </a:lstStyle>
+          <a:p>
+            <a:r>
+              <a:rPr lang="en-US"/>
+              <a:t>Click icon to add picture</a:t>
+            </a:r>
+            <a:endParaRPr lang="en-US" dirty="0"/>
+          </a:p>
+        </p:txBody>
+      </p:sp>
+      <p:sp>
+        <p:nvSpPr>
+          <p:cNvPr id="23" name="Text Placeholder 3"/>
+          <p:cNvSpPr>
+            <a:spLocks noGrp="1"/>
+          </p:cNvSpPr>
+          <p:nvPr>
+            <p:ph type="body" sz="half" idx="19"/>
+          </p:nvPr>
+        </p:nvSpPr>
+        <p:spPr>
+          <a:xfrm>
+            <a:off x="3888022" y="4827210"/>
+            <a:ext cx="2934406" cy="659189"/>
+          </a:xfrm>
+        </p:spPr>
+        <p:txBody>
+          <a:bodyPr anchor="t">
+            <a:normAutofit/>
+          </a:bodyPr>
+          <a:lstStyle>
+            <a:lvl1pPr marL="0" indent="0">
+              <a:buNone/>
+              <a:defRPr sz="1400"/>
+            </a:lvl1pPr>
+            <a:lvl2pPr marL="457200" indent="0">
+              <a:buNone/>
+              <a:defRPr sz="1200"/>
+            </a:lvl2pPr>
+            <a:lvl3pPr marL="914400" indent="0">
+              <a:buNone/>
+              <a:defRPr sz="1000"/>
+            </a:lvl3pPr>
+            <a:lvl4pPr marL="1371600" indent="0">
+              <a:buNone/>
+              <a:defRPr sz="900"/>
+            </a:lvl4pPr>
+            <a:lvl5pPr marL="1828800" indent="0">
+              <a:buNone/>
+              <a:defRPr sz="900"/>
+            </a:lvl5pPr>
+            <a:lvl6pPr marL="2286000" indent="0">
+              <a:buNone/>
+              <a:defRPr sz="900"/>
+            </a:lvl6pPr>
+            <a:lvl7pPr marL="2743200" indent="0">
+              <a:buNone/>
+              <a:defRPr sz="900"/>
+            </a:lvl7pPr>
+            <a:lvl8pPr marL="3200400" indent="0">
+              <a:buNone/>
+              <a:defRPr sz="900"/>
+            </a:lvl8pPr>
+            <a:lvl9pPr marL="3657600" indent="0">
+              <a:buNone/>
+              <a:defRPr sz="900"/>
+            </a:lvl9pPr>
+          </a:lstStyle>
+          <a:p>
+            <a:pPr lvl="0"/>
+            <a:r>
+              <a:rPr lang="en-US"/>
+              <a:t>Click to edit Master text styles</a:t>
+            </a:r>
+          </a:p>
+        </p:txBody>
+      </p:sp>
+      <p:sp>
+        <p:nvSpPr>
+          <p:cNvPr id="14" name="Text Placeholder 4"/>
+          <p:cNvSpPr>
+            <a:spLocks noGrp="1"/>
+          </p:cNvSpPr>
+          <p:nvPr>
+            <p:ph type="body" sz="quarter" idx="13"/>
+          </p:nvPr>
+        </p:nvSpPr>
+        <p:spPr>
+          <a:xfrm>
+            <a:off x="7124700" y="4250949"/>
+            <a:ext cx="2932113" cy="576262"/>
+          </a:xfrm>
+        </p:spPr>
+        <p:txBody>
+          <a:bodyPr anchor="b">
+            <a:noAutofit/>
+          </a:bodyPr>
+          <a:lstStyle>
+            <a:lvl1pPr marL="0" indent="0">
+              <a:buNone/>
+              <a:defRPr sz="2400" b="0">
+                <a:solidFill>
+                  <a:schemeClr val="bg2">
+                    <a:lumMod val="40000"/>
+                    <a:lumOff val="60000"/>
+                  </a:schemeClr>
+                </a:solidFill>
+              </a:defRPr>
+            </a:lvl1pPr>
+            <a:lvl2pPr marL="457200" indent="0">
+              <a:buNone/>
+              <a:defRPr sz="2000" b="1"/>
+            </a:lvl2pPr>
+            <a:lvl3pPr marL="914400" indent="0">
+              <a:buNone/>
+              <a:defRPr sz="1800" b="1"/>
+            </a:lvl3pPr>
+            <a:lvl4pPr marL="1371600" indent="0">
+              <a:buNone/>
+              <a:defRPr sz="1600" b="1"/>
+            </a:lvl4pPr>
+            <a:lvl5pPr marL="1828800" indent="0">
+              <a:buNone/>
+              <a:defRPr sz="1600" b="1"/>
+            </a:lvl5pPr>
+            <a:lvl6pPr marL="2286000" indent="0">
+              <a:buNone/>
+              <a:defRPr sz="1600" b="1"/>
+            </a:lvl6pPr>
+            <a:lvl7pPr marL="2743200" indent="0">
+              <a:buNone/>
+              <a:defRPr sz="1600" b="1"/>
+            </a:lvl7pPr>
+            <a:lvl8pPr marL="3200400" indent="0">
+              <a:buNone/>
+              <a:defRPr sz="1600" b="1"/>
+            </a:lvl8pPr>
+            <a:lvl9pPr marL="3657600" indent="0">
+              <a:buNone/>
+              <a:defRPr sz="1600" b="1"/>
+            </a:lvl9pPr>
+          </a:lstStyle>
+          <a:p>
+            <a:pPr lvl="0"/>
+            <a:r>
+              <a:rPr lang="en-US"/>
+              <a:t>Click to edit Master text styles</a:t>
+            </a:r>
+          </a:p>
+        </p:txBody>
+      </p:sp>
+      <p:sp>
+        <p:nvSpPr>
+          <p:cNvPr id="31" name="Picture Placeholder 2"/>
+          <p:cNvSpPr>
+            <a:spLocks noGrp="1" noChangeAspect="1"/>
+          </p:cNvSpPr>
+          <p:nvPr>
+            <p:ph type="pic" idx="22"/>
+          </p:nvPr>
+        </p:nvSpPr>
+        <p:spPr>
+          <a:xfrm>
+            <a:off x="7124699" y="2209800"/>
+            <a:ext cx="2932113" cy="1524000"/>
+          </a:xfrm>
+          <a:prstGeom prst="roundRect">
+            <a:avLst>
+              <a:gd name="adj" fmla="val 1858"/>
+            </a:avLst>
+          </a:prstGeom>
+          <a:effectLst>
+            <a:outerShdw blurRad="50800" dist="50800" dir="5400000" algn="tl" rotWithShape="0">
+              <a:srgbClr val="000000">
+                <a:alpha val="43000"/>
+              </a:srgbClr>
+            </a:outerShdw>
+          </a:effectLst>
+        </p:spPr>
+        <p:txBody>
+          <a:bodyPr anchor="t">
+            <a:normAutofit/>
+          </a:bodyPr>
+          <a:lstStyle>
+            <a:lvl1pPr marL="0" indent="0" algn="ctr">
+              <a:buNone/>
+              <a:defRPr sz="1600"/>
+            </a:lvl1pPr>
+            <a:lvl2pPr marL="457200" indent="0">
+              <a:buNone/>
+              <a:defRPr sz="1600"/>
+            </a:lvl2pPr>
+            <a:lvl3pPr marL="914400" indent="0">
+              <a:buNone/>
+              <a:defRPr sz="1600"/>
+            </a:lvl3pPr>
+            <a:lvl4pPr marL="1371600" indent="0">
+              <a:buNone/>
+              <a:defRPr sz="1600"/>
+            </a:lvl4pPr>
+            <a:lvl5pPr marL="1828800" indent="0">
+              <a:buNone/>
+              <a:defRPr sz="1600"/>
+            </a:lvl5pPr>
+            <a:lvl6pPr marL="2286000" indent="0">
+              <a:buNone/>
+              <a:defRPr sz="1600"/>
+            </a:lvl6pPr>
+            <a:lvl7pPr marL="2743200" indent="0">
+              <a:buNone/>
+              <a:defRPr sz="1600"/>
+            </a:lvl7pPr>
+            <a:lvl8pPr marL="3200400" indent="0">
+              <a:buNone/>
+              <a:defRPr sz="1600"/>
+            </a:lvl8pPr>
+            <a:lvl9pPr marL="3657600" indent="0">
+              <a:buNone/>
+              <a:defRPr sz="1600"/>
+            </a:lvl9pPr>
+          </a:lstStyle>
+          <a:p>
+            <a:r>
+              <a:rPr lang="en-US"/>
+              <a:t>Click icon to add picture</a:t>
+            </a:r>
+            <a:endParaRPr lang="en-US" dirty="0"/>
+          </a:p>
+        </p:txBody>
+      </p:sp>
+      <p:sp>
+        <p:nvSpPr>
+          <p:cNvPr id="24" name="Text Placeholder 3"/>
+          <p:cNvSpPr>
+            <a:spLocks noGrp="1"/>
+          </p:cNvSpPr>
+          <p:nvPr>
+            <p:ph type="body" sz="half" idx="20"/>
+          </p:nvPr>
+        </p:nvSpPr>
+        <p:spPr>
+          <a:xfrm>
+            <a:off x="7124575" y="4827208"/>
+            <a:ext cx="2935997" cy="659189"/>
+          </a:xfrm>
+        </p:spPr>
+        <p:txBody>
+          <a:bodyPr anchor="t">
+            <a:normAutofit/>
+          </a:bodyPr>
+          <a:lstStyle>
+            <a:lvl1pPr marL="0" indent="0">
+              <a:buNone/>
+              <a:defRPr sz="1400"/>
+            </a:lvl1pPr>
+            <a:lvl2pPr marL="457200" indent="0">
+              <a:buNone/>
+              <a:defRPr sz="1200"/>
+            </a:lvl2pPr>
+            <a:lvl3pPr marL="914400" indent="0">
+              <a:buNone/>
+              <a:defRPr sz="1000"/>
+            </a:lvl3pPr>
+            <a:lvl4pPr marL="1371600" indent="0">
+              <a:buNone/>
+              <a:defRPr sz="900"/>
+            </a:lvl4pPr>
+            <a:lvl5pPr marL="1828800" indent="0">
+              <a:buNone/>
+              <a:defRPr sz="900"/>
+            </a:lvl5pPr>
+            <a:lvl6pPr marL="2286000" indent="0">
+              <a:buNone/>
+              <a:defRPr sz="900"/>
+            </a:lvl6pPr>
+            <a:lvl7pPr marL="2743200" indent="0">
+              <a:buNone/>
+              <a:defRPr sz="900"/>
+            </a:lvl7pPr>
+            <a:lvl8pPr marL="3200400" indent="0">
+              <a:buNone/>
+              <a:defRPr sz="900"/>
+            </a:lvl8pPr>
+            <a:lvl9pPr marL="3657600" indent="0">
+              <a:buNone/>
+              <a:defRPr sz="900"/>
+            </a:lvl9pPr>
+          </a:lstStyle>
+          <a:p>
+            <a:pPr lvl="0"/>
+            <a:r>
+              <a:rPr lang="en-US"/>
+              <a:t>Click to edit Master text styles</a:t>
+            </a:r>
+          </a:p>
+        </p:txBody>
+      </p:sp>
+      <p:cxnSp>
+        <p:nvCxnSpPr>
+          <p:cNvPr id="19" name="Straight Connector 18"/>
+          <p:cNvCxnSpPr/>
+          <p:nvPr/>
+        </p:nvCxnSpPr>
+        <p:spPr>
+          <a:xfrm>
+            <a:off x="3726142" y="2133600"/>
+            <a:ext cx="0" cy="3962400"/>
+          </a:xfrm>
+          <a:prstGeom prst="line">
+            <a:avLst/>
+          </a:prstGeom>
+          <a:ln w="12700" cmpd="sng">
+            <a:solidFill>
+              <a:schemeClr val="bg2">
+                <a:lumMod val="40000"/>
+                <a:lumOff val="60000"/>
+                <a:alpha val="40000"/>
+              </a:schemeClr>
+            </a:solidFill>
+          </a:ln>
+        </p:spPr>
+        <p:style>
+          <a:lnRef idx="2">
+            <a:schemeClr val="accent1"/>
+          </a:lnRef>
+          <a:fillRef idx="0">
+            <a:schemeClr val="accent1"/>
+          </a:fillRef>
+          <a:effectRef idx="1">
+            <a:schemeClr val="accent1"/>
+          </a:effectRef>
+          <a:fontRef idx="minor">
+            <a:schemeClr val="tx1"/>
+          </a:fontRef>
+        </p:style>
+      </p:cxnSp>
+      <p:cxnSp>
+        <p:nvCxnSpPr>
+          <p:cNvPr id="20" name="Straight Connector 19"/>
+          <p:cNvCxnSpPr/>
+          <p:nvPr/>
+        </p:nvCxnSpPr>
+        <p:spPr>
+          <a:xfrm>
+            <a:off x="6962227" y="2133600"/>
+            <a:ext cx="0" cy="3966882"/>
+          </a:xfrm>
+          <a:prstGeom prst="line">
+            <a:avLst/>
+          </a:prstGeom>
+          <a:ln w="12700" cmpd="sng">
+            <a:solidFill>
+              <a:schemeClr val="bg2">
+                <a:lumMod val="40000"/>
+                <a:lumOff val="60000"/>
+                <a:alpha val="40000"/>
+              </a:schemeClr>
+            </a:solidFill>
+          </a:ln>
+        </p:spPr>
+        <p:style>
+          <a:lnRef idx="2">
+            <a:schemeClr val="accent1"/>
+          </a:lnRef>
+          <a:fillRef idx="0">
+            <a:schemeClr val="accent1"/>
+          </a:fillRef>
+          <a:effectRef idx="1">
+            <a:schemeClr val="accent1"/>
+          </a:effectRef>
+          <a:fontRef idx="minor">
+            <a:schemeClr val="tx1"/>
+          </a:fontRef>
+        </p:style>
+      </p:cxnSp>
+      <p:sp>
+        <p:nvSpPr>
+          <p:cNvPr id="7" name="Date Placeholder 3"/>
+          <p:cNvSpPr>
+            <a:spLocks noGrp="1"/>
+          </p:cNvSpPr>
+          <p:nvPr>
+            <p:ph type="dt" sz="half" idx="10"/>
+          </p:nvPr>
+        </p:nvSpPr>
+        <p:spPr/>
+        <p:txBody>
+          <a:bodyPr/>
+          <a:lstStyle/>
+          <a:p>
+            <a:fld id="{FDE934FF-F4E1-47C5-9CA5-30A81DDE2BE4}" type="datetimeFigureOut">
+              <a:rPr lang="en-US" smtClean="0"/>
+              <a:pPr/>
+              <a:t>5/29/2019</a:t>
+            </a:fld>
+            <a:endParaRPr lang="en-US"/>
+          </a:p>
+        </p:txBody>
+      </p:sp>
+      <p:sp>
+        <p:nvSpPr>
+          <p:cNvPr id="4" name="Footer Placeholder 4"/>
+          <p:cNvSpPr>
+            <a:spLocks noGrp="1"/>
+          </p:cNvSpPr>
+          <p:nvPr>
+            <p:ph type="ftr" sz="quarter" idx="11"/>
+          </p:nvPr>
+        </p:nvSpPr>
+        <p:spPr/>
+        <p:txBody>
+          <a:bodyPr/>
+          <a:lstStyle/>
+          <a:p>
+            <a:endParaRPr lang="en-US"/>
+          </a:p>
+        </p:txBody>
+      </p:sp>
+      <p:sp>
+        <p:nvSpPr>
+          <p:cNvPr id="6" name="Slide Number Placeholder 5"/>
+          <p:cNvSpPr>
+            <a:spLocks noGrp="1"/>
+          </p:cNvSpPr>
+          <p:nvPr>
+            <p:ph type="sldNum" sz="quarter" idx="12"/>
+          </p:nvPr>
+        </p:nvSpPr>
+        <p:spPr/>
+        <p:txBody>
+          <a:bodyPr/>
+          <a:lstStyle/>
+          <a:p>
+            <a:fld id="{B3561BA9-CDCF-4958-B8AB-66F3BF063E13}" type="slidenum">
+              <a:rPr lang="en-US" smtClean="0"/>
+              <a:pPr/>
+              <a:t>‹#›</a:t>
+            </a:fld>
+            <a:endParaRPr lang="en-US"/>
+          </a:p>
+        </p:txBody>
+      </p:sp>
+    </p:spTree>
+    <p:extLst>
+      <p:ext uri="{BB962C8B-B14F-4D97-AF65-F5344CB8AC3E}">
+        <p14:creationId xmlns:p14="http://schemas.microsoft.com/office/powerpoint/2010/main" val="2476851295"/>
+      </p:ext>
+    </p:extLst>
+  </p:cSld>
+  <p:clrMapOvr>
+    <a:masterClrMapping/>
+  </p:clrMapOvr>
+  <p:hf sldNum="0" hdr="0" ftr="0" dt="0"/>
+</p:sldLayout>
+</file>
+
+<file path=ppt/slideLayouts/slideLayout16.xml><?xml version="1.0" encoding="utf-8"?>
 <p:sldLayout xmlns:a="http://schemas.openxmlformats.org/drawingml/2006/main" xmlns:r="http://schemas.openxmlformats.org/officeDocument/2006/relationships" xmlns:p="http://schemas.openxmlformats.org/presentationml/2006/main" type="vertTx" preserve="1">
   <p:cSld name="Title and Vertical Text">
     <p:spTree>
@@ -922,6 +3434,7 @@
               <a:rPr lang="en-US"/>
               <a:t>Click to edit Master title style</a:t>
             </a:r>
+            <a:endParaRPr lang="en-US" dirty="0"/>
           </a:p>
         </p:txBody>
       </p:sp>
@@ -937,7 +3450,7 @@
         </p:nvSpPr>
         <p:spPr/>
         <p:txBody>
-          <a:bodyPr vert="eaVert"/>
+          <a:bodyPr vert="eaVert" anchor="t" anchorCtr="0"/>
           <a:lstStyle/>
           <a:p>
             <a:pPr lvl="0"/>
@@ -973,6 +3486,7 @@
               <a:rPr lang="en-US"/>
               <a:t>Fifth level</a:t>
             </a:r>
+            <a:endParaRPr lang="en-US" dirty="0"/>
           </a:p>
         </p:txBody>
       </p:sp>
@@ -1154,6 +3668,11 @@
         </p:txBody>
       </p:sp>
     </p:spTree>
+    <p:extLst>
+      <p:ext uri="{BB962C8B-B14F-4D97-AF65-F5344CB8AC3E}">
+        <p14:creationId xmlns:p14="http://schemas.microsoft.com/office/powerpoint/2010/main" val="1443007767"/>
+      </p:ext>
+    </p:extLst>
   </p:cSld>
   <p:clrMapOvr>
     <a:masterClrMapping/>
@@ -1162,7 +3681,7 @@
 </p:sldLayout>
 </file>
 
-<file path=ppt/slideLayouts/slideLayout11.xml><?xml version="1.0" encoding="utf-8"?>
+<file path=ppt/slideLayouts/slideLayout17.xml><?xml version="1.0" encoding="utf-8"?>
 <p:sldLayout xmlns:a="http://schemas.openxmlformats.org/drawingml/2006/main" xmlns:r="http://schemas.openxmlformats.org/officeDocument/2006/relationships" xmlns:p="http://schemas.openxmlformats.org/presentationml/2006/main" type="vertTitleAndTx" preserve="1">
   <p:cSld name="Vertical Title and Text">
     <p:spTree>
@@ -1191,41 +3710,42 @@
         </p:nvSpPr>
         <p:spPr>
           <a:xfrm>
-            <a:off x="8839200" y="190500"/>
-            <a:ext cx="2743200" cy="5937250"/>
+            <a:off x="8304212" y="430213"/>
+            <a:ext cx="1752601" cy="5826125"/>
           </a:xfrm>
         </p:spPr>
         <p:txBody>
+          <a:bodyPr vert="eaVert" anchor="b" anchorCtr="0"/>
+          <a:lstStyle/>
+          <a:p>
+            <a:r>
+              <a:rPr lang="en-US"/>
+              <a:t>Click to edit Master title style</a:t>
+            </a:r>
+            <a:endParaRPr lang="en-US" dirty="0"/>
+          </a:p>
+        </p:txBody>
+      </p:sp>
+      <p:sp>
+        <p:nvSpPr>
+          <p:cNvPr id="3" name="Vertical Text Placeholder 2"/>
+          <p:cNvSpPr>
+            <a:spLocks noGrp="1"/>
+          </p:cNvSpPr>
+          <p:nvPr>
+            <p:ph type="body" orient="vert" idx="1"/>
+          </p:nvPr>
+        </p:nvSpPr>
+        <p:spPr>
+          <a:xfrm>
+            <a:off x="652463" y="887414"/>
+            <a:ext cx="7423149" cy="5368924"/>
+          </a:xfrm>
+        </p:spPr>
+        <p:txBody>
           <a:bodyPr vert="eaVert"/>
           <a:lstStyle/>
           <a:p>
-            <a:r>
-              <a:rPr lang="en-US"/>
-              <a:t>Click to edit Master title style</a:t>
-            </a:r>
-          </a:p>
-        </p:txBody>
-      </p:sp>
-      <p:sp>
-        <p:nvSpPr>
-          <p:cNvPr id="3" name="Vertical Text Placeholder 2"/>
-          <p:cNvSpPr>
-            <a:spLocks noGrp="1"/>
-          </p:cNvSpPr>
-          <p:nvPr>
-            <p:ph type="body" orient="vert" idx="1"/>
-          </p:nvPr>
-        </p:nvSpPr>
-        <p:spPr>
-          <a:xfrm>
-            <a:off x="609600" y="190500"/>
-            <a:ext cx="8026400" cy="5937250"/>
-          </a:xfrm>
-        </p:spPr>
-        <p:txBody>
-          <a:bodyPr vert="eaVert"/>
-          <a:lstStyle/>
-          <a:p>
             <a:pPr lvl="0"/>
             <a:r>
               <a:rPr lang="en-US"/>
@@ -1259,6 +3779,7 @@
               <a:rPr lang="en-US"/>
               <a:t>Fifth level</a:t>
             </a:r>
+            <a:endParaRPr lang="en-US" dirty="0"/>
           </a:p>
         </p:txBody>
       </p:sp>
@@ -1280,7 +3801,7 @@
             <a:fld id="{FDE934FF-F4E1-47C5-9CA5-30A81DDE2BE4}" type="datetimeFigureOut">
               <a:rPr lang="en-US" smtClean="0"/>
               <a:pPr/>
-              <a:t>5/28/2019</a:t>
+              <a:t>5/29/2019</a:t>
             </a:fld>
             <a:endParaRPr lang="en-US"/>
           </a:p>
@@ -1330,6 +3851,11 @@
         </p:txBody>
       </p:sp>
     </p:spTree>
+    <p:extLst>
+      <p:ext uri="{BB962C8B-B14F-4D97-AF65-F5344CB8AC3E}">
+        <p14:creationId xmlns:p14="http://schemas.microsoft.com/office/powerpoint/2010/main" val="459195105"/>
+      </p:ext>
+    </p:extLst>
   </p:cSld>
   <p:clrMapOvr>
     <a:masterClrMapping/>
@@ -1374,6 +3900,7 @@
               <a:rPr lang="en-US"/>
               <a:t>Click to edit Master title style</a:t>
             </a:r>
+            <a:endParaRPr lang="en-US" dirty="0"/>
           </a:p>
         </p:txBody>
       </p:sp>
@@ -1425,12 +3952,13 @@
               <a:rPr lang="en-US"/>
               <a:t>Fifth level</a:t>
             </a:r>
-          </a:p>
-        </p:txBody>
-      </p:sp>
-      <p:sp>
-        <p:nvSpPr>
-          <p:cNvPr id="4" name="Date Placeholder 3"/>
+            <a:endParaRPr lang="en-US" dirty="0"/>
+          </a:p>
+        </p:txBody>
+      </p:sp>
+      <p:sp>
+        <p:nvSpPr>
+          <p:cNvPr id="7" name="Date Placeholder 3"/>
           <p:cNvSpPr>
             <a:spLocks noGrp="1"/>
           </p:cNvSpPr>
@@ -1446,7 +3974,7 @@
             <a:fld id="{FDE934FF-F4E1-47C5-9CA5-30A81DDE2BE4}" type="datetimeFigureOut">
               <a:rPr lang="en-US" smtClean="0"/>
               <a:pPr/>
-              <a:t>5/28/2019</a:t>
+              <a:t>5/29/2019</a:t>
             </a:fld>
             <a:endParaRPr lang="en-US"/>
           </a:p>
@@ -1496,6 +4024,11 @@
         </p:txBody>
       </p:sp>
     </p:spTree>
+    <p:extLst>
+      <p:ext uri="{BB962C8B-B14F-4D97-AF65-F5344CB8AC3E}">
+        <p14:creationId xmlns:p14="http://schemas.microsoft.com/office/powerpoint/2010/main" val="532130955"/>
+      </p:ext>
+    </p:extLst>
   </p:cSld>
   <p:clrMapOvr>
     <a:masterClrMapping/>
@@ -1533,15 +4066,15 @@
         </p:nvSpPr>
         <p:spPr>
           <a:xfrm>
-            <a:off x="831851" y="1709738"/>
-            <a:ext cx="10515600" cy="2852737"/>
+            <a:off x="1154956" y="2861733"/>
+            <a:ext cx="8825657" cy="1915647"/>
           </a:xfrm>
         </p:spPr>
         <p:txBody>
           <a:bodyPr anchor="b"/>
           <a:lstStyle>
-            <a:lvl1pPr>
-              <a:defRPr sz="6000"/>
+            <a:lvl1pPr algn="l">
+              <a:defRPr sz="4000" b="0" cap="none"/>
             </a:lvl1pPr>
           </a:lstStyle>
           <a:p>
@@ -1549,6 +4082,7 @@
               <a:rPr lang="en-US"/>
               <a:t>Click to edit Master title style</a:t>
             </a:r>
+            <a:endParaRPr lang="en-US" dirty="0"/>
           </a:p>
         </p:txBody>
       </p:sp>
@@ -1564,48 +4098,103 @@
         </p:nvSpPr>
         <p:spPr>
           <a:xfrm>
-            <a:off x="831851" y="4589463"/>
-            <a:ext cx="10515600" cy="1500187"/>
+            <a:off x="1154955" y="4777381"/>
+            <a:ext cx="8825658" cy="860400"/>
           </a:xfrm>
         </p:spPr>
         <p:txBody>
-          <a:bodyPr/>
+          <a:bodyPr anchor="t"/>
           <a:lstStyle>
-            <a:lvl1pPr marL="0" indent="0">
-              <a:buNone/>
-              <a:defRPr sz="2400"/>
+            <a:lvl1pPr marL="0" indent="0" algn="l">
+              <a:buNone/>
+              <a:defRPr sz="2000" cap="all">
+                <a:solidFill>
+                  <a:schemeClr val="bg2">
+                    <a:lumMod val="40000"/>
+                    <a:lumOff val="60000"/>
+                  </a:schemeClr>
+                </a:solidFill>
+              </a:defRPr>
             </a:lvl1pPr>
             <a:lvl2pPr marL="457200" indent="0">
               <a:buNone/>
-              <a:defRPr sz="2000"/>
+              <a:defRPr sz="1800">
+                <a:solidFill>
+                  <a:schemeClr val="tx1">
+                    <a:tint val="75000"/>
+                  </a:schemeClr>
+                </a:solidFill>
+              </a:defRPr>
             </a:lvl2pPr>
             <a:lvl3pPr marL="914400" indent="0">
               <a:buNone/>
-              <a:defRPr sz="1800"/>
+              <a:defRPr sz="1600">
+                <a:solidFill>
+                  <a:schemeClr val="tx1">
+                    <a:tint val="75000"/>
+                  </a:schemeClr>
+                </a:solidFill>
+              </a:defRPr>
             </a:lvl3pPr>
             <a:lvl4pPr marL="1371600" indent="0">
               <a:buNone/>
-              <a:defRPr sz="1600"/>
+              <a:defRPr sz="1400">
+                <a:solidFill>
+                  <a:schemeClr val="tx1">
+                    <a:tint val="75000"/>
+                  </a:schemeClr>
+                </a:solidFill>
+              </a:defRPr>
             </a:lvl4pPr>
             <a:lvl5pPr marL="1828800" indent="0">
               <a:buNone/>
-              <a:defRPr sz="1600"/>
+              <a:defRPr sz="1400">
+                <a:solidFill>
+                  <a:schemeClr val="tx1">
+                    <a:tint val="75000"/>
+                  </a:schemeClr>
+                </a:solidFill>
+              </a:defRPr>
             </a:lvl5pPr>
             <a:lvl6pPr marL="2286000" indent="0">
               <a:buNone/>
-              <a:defRPr sz="1600"/>
+              <a:defRPr sz="1400">
+                <a:solidFill>
+                  <a:schemeClr val="tx1">
+                    <a:tint val="75000"/>
+                  </a:schemeClr>
+                </a:solidFill>
+              </a:defRPr>
             </a:lvl6pPr>
             <a:lvl7pPr marL="2743200" indent="0">
               <a:buNone/>
-              <a:defRPr sz="1600"/>
+              <a:defRPr sz="1400">
+                <a:solidFill>
+                  <a:schemeClr val="tx1">
+                    <a:tint val="75000"/>
+                  </a:schemeClr>
+                </a:solidFill>
+              </a:defRPr>
             </a:lvl7pPr>
             <a:lvl8pPr marL="3200400" indent="0">
               <a:buNone/>
-              <a:defRPr sz="1600"/>
+              <a:defRPr sz="1400">
+                <a:solidFill>
+                  <a:schemeClr val="tx1">
+                    <a:tint val="75000"/>
+                  </a:schemeClr>
+                </a:solidFill>
+              </a:defRPr>
             </a:lvl8pPr>
             <a:lvl9pPr marL="3657600" indent="0">
               <a:buNone/>
-              <a:defRPr sz="1600"/>
+              <a:defRPr sz="1400">
+                <a:solidFill>
+                  <a:schemeClr val="tx1">
+                    <a:tint val="75000"/>
+                  </a:schemeClr>
+                </a:solidFill>
+              </a:defRPr>
             </a:lvl9pPr>
           </a:lstStyle>
           <a:p>
@@ -1635,7 +4224,7 @@
             <a:fld id="{FDE934FF-F4E1-47C5-9CA5-30A81DDE2BE4}" type="datetimeFigureOut">
               <a:rPr lang="en-US" smtClean="0"/>
               <a:pPr/>
-              <a:t>5/28/2019</a:t>
+              <a:t>5/29/2019</a:t>
             </a:fld>
             <a:endParaRPr lang="en-US"/>
           </a:p>
@@ -1685,6 +4274,11 @@
         </p:txBody>
       </p:sp>
     </p:spTree>
+    <p:extLst>
+      <p:ext uri="{BB962C8B-B14F-4D97-AF65-F5344CB8AC3E}">
+        <p14:creationId xmlns:p14="http://schemas.microsoft.com/office/powerpoint/2010/main" val="796291256"/>
+      </p:ext>
+    </p:extLst>
   </p:cSld>
   <p:clrMapOvr>
     <a:masterClrMapping/>
@@ -1729,6 +4323,7 @@
               <a:rPr lang="en-US"/>
               <a:t>Click to edit Master title style</a:t>
             </a:r>
+            <a:endParaRPr lang="en-US" dirty="0"/>
           </a:p>
         </p:txBody>
       </p:sp>
@@ -1744,13 +4339,43 @@
         </p:nvSpPr>
         <p:spPr>
           <a:xfrm>
-            <a:off x="609600" y="1174750"/>
-            <a:ext cx="5384800" cy="4953000"/>
+            <a:off x="1103312" y="2060575"/>
+            <a:ext cx="4396339" cy="4195763"/>
           </a:xfrm>
         </p:spPr>
         <p:txBody>
-          <a:bodyPr/>
-          <a:lstStyle/>
+          <a:bodyPr>
+            <a:normAutofit/>
+          </a:bodyPr>
+          <a:lstStyle>
+            <a:lvl1pPr>
+              <a:defRPr sz="1800"/>
+            </a:lvl1pPr>
+            <a:lvl2pPr>
+              <a:defRPr sz="1600"/>
+            </a:lvl2pPr>
+            <a:lvl3pPr>
+              <a:defRPr sz="1400"/>
+            </a:lvl3pPr>
+            <a:lvl4pPr>
+              <a:defRPr sz="1200"/>
+            </a:lvl4pPr>
+            <a:lvl5pPr>
+              <a:defRPr sz="1200"/>
+            </a:lvl5pPr>
+            <a:lvl6pPr>
+              <a:defRPr sz="1200"/>
+            </a:lvl6pPr>
+            <a:lvl7pPr>
+              <a:defRPr sz="1200"/>
+            </a:lvl7pPr>
+            <a:lvl8pPr>
+              <a:defRPr sz="1200"/>
+            </a:lvl8pPr>
+            <a:lvl9pPr>
+              <a:defRPr sz="1200"/>
+            </a:lvl9pPr>
+          </a:lstStyle>
           <a:p>
             <a:pPr lvl="0"/>
             <a:r>
@@ -1785,6 +4410,7 @@
               <a:rPr lang="en-US"/>
               <a:t>Fifth level</a:t>
             </a:r>
+            <a:endParaRPr lang="en-US" dirty="0"/>
           </a:p>
         </p:txBody>
       </p:sp>
@@ -1800,13 +4426,43 @@
         </p:nvSpPr>
         <p:spPr>
           <a:xfrm>
-            <a:off x="6197600" y="1174750"/>
-            <a:ext cx="5384800" cy="4953000"/>
+            <a:off x="5654493" y="2056092"/>
+            <a:ext cx="4396341" cy="4200245"/>
           </a:xfrm>
         </p:spPr>
         <p:txBody>
-          <a:bodyPr/>
-          <a:lstStyle/>
+          <a:bodyPr>
+            <a:normAutofit/>
+          </a:bodyPr>
+          <a:lstStyle>
+            <a:lvl1pPr>
+              <a:defRPr sz="1800"/>
+            </a:lvl1pPr>
+            <a:lvl2pPr>
+              <a:defRPr sz="1600"/>
+            </a:lvl2pPr>
+            <a:lvl3pPr>
+              <a:defRPr sz="1400"/>
+            </a:lvl3pPr>
+            <a:lvl4pPr>
+              <a:defRPr sz="1200"/>
+            </a:lvl4pPr>
+            <a:lvl5pPr>
+              <a:defRPr sz="1200"/>
+            </a:lvl5pPr>
+            <a:lvl6pPr>
+              <a:defRPr sz="1200"/>
+            </a:lvl6pPr>
+            <a:lvl7pPr>
+              <a:defRPr sz="1200"/>
+            </a:lvl7pPr>
+            <a:lvl8pPr>
+              <a:defRPr sz="1200"/>
+            </a:lvl8pPr>
+            <a:lvl9pPr>
+              <a:defRPr sz="1200"/>
+            </a:lvl9pPr>
+          </a:lstStyle>
           <a:p>
             <a:pPr lvl="0"/>
             <a:r>
@@ -1841,6 +4497,7 @@
               <a:rPr lang="en-US"/>
               <a:t>Fifth level</a:t>
             </a:r>
+            <a:endParaRPr lang="en-US" dirty="0"/>
           </a:p>
         </p:txBody>
       </p:sp>
@@ -1862,7 +4519,7 @@
             <a:fld id="{FDE934FF-F4E1-47C5-9CA5-30A81DDE2BE4}" type="datetimeFigureOut">
               <a:rPr lang="en-US" smtClean="0"/>
               <a:pPr/>
-              <a:t>5/28/2019</a:t>
+              <a:t>5/29/2019</a:t>
             </a:fld>
             <a:endParaRPr lang="en-US"/>
           </a:p>
@@ -1912,6 +4569,11 @@
         </p:txBody>
       </p:sp>
     </p:spTree>
+    <p:extLst>
+      <p:ext uri="{BB962C8B-B14F-4D97-AF65-F5344CB8AC3E}">
+        <p14:creationId xmlns:p14="http://schemas.microsoft.com/office/powerpoint/2010/main" val="2663763666"/>
+      </p:ext>
+    </p:extLst>
   </p:cSld>
   <p:clrMapOvr>
     <a:masterClrMapping/>
@@ -1947,45 +4609,54 @@
             <p:ph type="title"/>
           </p:nvPr>
         </p:nvSpPr>
+        <p:spPr/>
+        <p:txBody>
+          <a:bodyPr/>
+          <a:lstStyle>
+            <a:lvl1pPr>
+              <a:defRPr/>
+            </a:lvl1pPr>
+          </a:lstStyle>
+          <a:p>
+            <a:r>
+              <a:rPr lang="en-US"/>
+              <a:t>Click to edit Master title style</a:t>
+            </a:r>
+            <a:endParaRPr lang="en-US" dirty="0"/>
+          </a:p>
+        </p:txBody>
+      </p:sp>
+      <p:sp>
+        <p:nvSpPr>
+          <p:cNvPr id="3" name="Text Placeholder 2"/>
+          <p:cNvSpPr>
+            <a:spLocks noGrp="1"/>
+          </p:cNvSpPr>
+          <p:nvPr>
+            <p:ph type="body" idx="1"/>
+          </p:nvPr>
+        </p:nvSpPr>
         <p:spPr>
           <a:xfrm>
-            <a:off x="840317" y="365125"/>
-            <a:ext cx="10515600" cy="1325563"/>
+            <a:off x="1103313" y="1905000"/>
+            <a:ext cx="4396338" cy="576262"/>
           </a:xfrm>
         </p:spPr>
         <p:txBody>
-          <a:bodyPr/>
-          <a:lstStyle/>
-          <a:p>
-            <a:r>
-              <a:rPr lang="en-US"/>
-              <a:t>Click to edit Master title style</a:t>
-            </a:r>
-          </a:p>
-        </p:txBody>
-      </p:sp>
-      <p:sp>
-        <p:nvSpPr>
-          <p:cNvPr id="3" name="Text Placeholder 2"/>
-          <p:cNvSpPr>
-            <a:spLocks noGrp="1"/>
-          </p:cNvSpPr>
-          <p:nvPr>
-            <p:ph type="body" idx="1"/>
-          </p:nvPr>
-        </p:nvSpPr>
-        <p:spPr>
-          <a:xfrm>
-            <a:off x="840317" y="1681163"/>
-            <a:ext cx="5158316" cy="823912"/>
-          </a:xfrm>
-        </p:spPr>
-        <p:txBody>
-          <a:bodyPr anchor="b"/>
+          <a:bodyPr anchor="b">
+            <a:noAutofit/>
+          </a:bodyPr>
           <a:lstStyle>
             <a:lvl1pPr marL="0" indent="0">
               <a:buNone/>
-              <a:defRPr sz="2400" b="1"/>
+              <a:defRPr sz="2400" b="0">
+                <a:solidFill>
+                  <a:schemeClr val="bg2">
+                    <a:lumMod val="40000"/>
+                    <a:lumOff val="60000"/>
+                  </a:schemeClr>
+                </a:solidFill>
+              </a:defRPr>
             </a:lvl1pPr>
             <a:lvl2pPr marL="457200" indent="0">
               <a:buNone/>
@@ -2041,13 +4712,43 @@
         </p:nvSpPr>
         <p:spPr>
           <a:xfrm>
-            <a:off x="840317" y="2505075"/>
-            <a:ext cx="5158316" cy="3684588"/>
+            <a:off x="1103312" y="2514600"/>
+            <a:ext cx="4396339" cy="3741738"/>
           </a:xfrm>
         </p:spPr>
         <p:txBody>
-          <a:bodyPr/>
-          <a:lstStyle/>
+          <a:bodyPr>
+            <a:normAutofit/>
+          </a:bodyPr>
+          <a:lstStyle>
+            <a:lvl1pPr>
+              <a:defRPr sz="1800"/>
+            </a:lvl1pPr>
+            <a:lvl2pPr>
+              <a:defRPr sz="1600"/>
+            </a:lvl2pPr>
+            <a:lvl3pPr>
+              <a:defRPr sz="1400"/>
+            </a:lvl3pPr>
+            <a:lvl4pPr>
+              <a:defRPr sz="1200"/>
+            </a:lvl4pPr>
+            <a:lvl5pPr>
+              <a:defRPr sz="1200"/>
+            </a:lvl5pPr>
+            <a:lvl6pPr>
+              <a:defRPr sz="1200"/>
+            </a:lvl6pPr>
+            <a:lvl7pPr>
+              <a:defRPr sz="1200"/>
+            </a:lvl7pPr>
+            <a:lvl8pPr>
+              <a:defRPr sz="1200"/>
+            </a:lvl8pPr>
+            <a:lvl9pPr>
+              <a:defRPr sz="1200"/>
+            </a:lvl9pPr>
+          </a:lstStyle>
           <a:p>
             <a:pPr lvl="0"/>
             <a:r>
@@ -2082,6 +4783,7 @@
               <a:rPr lang="en-US"/>
               <a:t>Fifth level</a:t>
             </a:r>
+            <a:endParaRPr lang="en-US" dirty="0"/>
           </a:p>
         </p:txBody>
       </p:sp>
@@ -2097,16 +4799,25 @@
         </p:nvSpPr>
         <p:spPr>
           <a:xfrm>
-            <a:off x="6172200" y="1681163"/>
-            <a:ext cx="5183717" cy="823912"/>
+            <a:off x="5654495" y="1905000"/>
+            <a:ext cx="4396339" cy="576262"/>
           </a:xfrm>
         </p:spPr>
         <p:txBody>
-          <a:bodyPr anchor="b"/>
+          <a:bodyPr anchor="b">
+            <a:noAutofit/>
+          </a:bodyPr>
           <a:lstStyle>
             <a:lvl1pPr marL="0" indent="0">
               <a:buNone/>
-              <a:defRPr sz="2400" b="1"/>
+              <a:defRPr sz="2400" b="0">
+                <a:solidFill>
+                  <a:schemeClr val="bg2">
+                    <a:lumMod val="40000"/>
+                    <a:lumOff val="60000"/>
+                  </a:schemeClr>
+                </a:solidFill>
+              </a:defRPr>
             </a:lvl1pPr>
             <a:lvl2pPr marL="457200" indent="0">
               <a:buNone/>
@@ -2162,13 +4873,43 @@
         </p:nvSpPr>
         <p:spPr>
           <a:xfrm>
-            <a:off x="6172200" y="2505075"/>
-            <a:ext cx="5183717" cy="3684588"/>
+            <a:off x="5654495" y="2514600"/>
+            <a:ext cx="4396339" cy="3741738"/>
           </a:xfrm>
         </p:spPr>
         <p:txBody>
-          <a:bodyPr/>
-          <a:lstStyle/>
+          <a:bodyPr>
+            <a:normAutofit/>
+          </a:bodyPr>
+          <a:lstStyle>
+            <a:lvl1pPr>
+              <a:defRPr sz="1800"/>
+            </a:lvl1pPr>
+            <a:lvl2pPr>
+              <a:defRPr sz="1600"/>
+            </a:lvl2pPr>
+            <a:lvl3pPr>
+              <a:defRPr sz="1400"/>
+            </a:lvl3pPr>
+            <a:lvl4pPr>
+              <a:defRPr sz="1200"/>
+            </a:lvl4pPr>
+            <a:lvl5pPr>
+              <a:defRPr sz="1200"/>
+            </a:lvl5pPr>
+            <a:lvl6pPr>
+              <a:defRPr sz="1200"/>
+            </a:lvl6pPr>
+            <a:lvl7pPr>
+              <a:defRPr sz="1200"/>
+            </a:lvl7pPr>
+            <a:lvl8pPr>
+              <a:defRPr sz="1200"/>
+            </a:lvl8pPr>
+            <a:lvl9pPr>
+              <a:defRPr sz="1200"/>
+            </a:lvl9pPr>
+          </a:lstStyle>
           <a:p>
             <a:pPr lvl="0"/>
             <a:r>
@@ -2203,6 +4944,7 @@
               <a:rPr lang="en-US"/>
               <a:t>Fifth level</a:t>
             </a:r>
+            <a:endParaRPr lang="en-US" dirty="0"/>
           </a:p>
         </p:txBody>
       </p:sp>
@@ -2224,7 +4966,7 @@
             <a:fld id="{FDE934FF-F4E1-47C5-9CA5-30A81DDE2BE4}" type="datetimeFigureOut">
               <a:rPr lang="en-US" smtClean="0"/>
               <a:pPr/>
-              <a:t>5/28/2019</a:t>
+              <a:t>5/29/2019</a:t>
             </a:fld>
             <a:endParaRPr lang="en-US"/>
           </a:p>
@@ -2274,6 +5016,11 @@
         </p:txBody>
       </p:sp>
     </p:spTree>
+    <p:extLst>
+      <p:ext uri="{BB962C8B-B14F-4D97-AF65-F5344CB8AC3E}">
+        <p14:creationId xmlns:p14="http://schemas.microsoft.com/office/powerpoint/2010/main" val="637360749"/>
+      </p:ext>
+    </p:extLst>
   </p:cSld>
   <p:clrMapOvr>
     <a:masterClrMapping/>
@@ -2318,12 +5065,13 @@
               <a:rPr lang="en-US"/>
               <a:t>Click to edit Master title style</a:t>
             </a:r>
-          </a:p>
-        </p:txBody>
-      </p:sp>
-      <p:sp>
-        <p:nvSpPr>
-          <p:cNvPr id="3" name="Date Placeholder 2"/>
+            <a:endParaRPr lang="en-US" dirty="0"/>
+          </a:p>
+        </p:txBody>
+      </p:sp>
+      <p:sp>
+        <p:nvSpPr>
+          <p:cNvPr id="7" name="Date Placeholder 2"/>
           <p:cNvSpPr>
             <a:spLocks noGrp="1"/>
           </p:cNvSpPr>
@@ -2339,7 +5087,7 @@
             <a:fld id="{FDE934FF-F4E1-47C5-9CA5-30A81DDE2BE4}" type="datetimeFigureOut">
               <a:rPr lang="en-US" smtClean="0"/>
               <a:pPr/>
-              <a:t>5/28/2019</a:t>
+              <a:t>5/29/2019</a:t>
             </a:fld>
             <a:endParaRPr lang="en-US"/>
           </a:p>
@@ -2347,7 +5095,7 @@
       </p:sp>
       <p:sp>
         <p:nvSpPr>
-          <p:cNvPr id="4" name="Footer Placeholder 3"/>
+          <p:cNvPr id="5" name="Footer Placeholder 3"/>
           <p:cNvSpPr>
             <a:spLocks noGrp="1"/>
           </p:cNvSpPr>
@@ -2366,7 +5114,7 @@
       </p:sp>
       <p:sp>
         <p:nvSpPr>
-          <p:cNvPr id="5" name="Slide Number Placeholder 4"/>
+          <p:cNvPr id="6" name="Slide Number Placeholder 4"/>
           <p:cNvSpPr>
             <a:spLocks noGrp="1"/>
           </p:cNvSpPr>
@@ -2389,6 +5137,11 @@
         </p:txBody>
       </p:sp>
     </p:spTree>
+    <p:extLst>
+      <p:ext uri="{BB962C8B-B14F-4D97-AF65-F5344CB8AC3E}">
+        <p14:creationId xmlns:p14="http://schemas.microsoft.com/office/powerpoint/2010/main" val="3198842713"/>
+      </p:ext>
+    </p:extLst>
   </p:cSld>
   <p:clrMapOvr>
     <a:masterClrMapping/>
@@ -2416,7 +5169,7 @@
       </p:grpSpPr>
       <p:sp>
         <p:nvSpPr>
-          <p:cNvPr id="2" name="Date Placeholder 1"/>
+          <p:cNvPr id="7" name="Date Placeholder 1"/>
           <p:cNvSpPr>
             <a:spLocks noGrp="1"/>
           </p:cNvSpPr>
@@ -2432,7 +5185,7 @@
             <a:fld id="{FDE934FF-F4E1-47C5-9CA5-30A81DDE2BE4}" type="datetimeFigureOut">
               <a:rPr lang="en-US" smtClean="0"/>
               <a:pPr/>
-              <a:t>5/28/2019</a:t>
+              <a:t>5/29/2019</a:t>
             </a:fld>
             <a:endParaRPr lang="en-US"/>
           </a:p>
@@ -2440,7 +5193,7 @@
       </p:sp>
       <p:sp>
         <p:nvSpPr>
-          <p:cNvPr id="3" name="Footer Placeholder 2"/>
+          <p:cNvPr id="5" name="Footer Placeholder 2"/>
           <p:cNvSpPr>
             <a:spLocks noGrp="1"/>
           </p:cNvSpPr>
@@ -2459,7 +5212,7 @@
       </p:sp>
       <p:sp>
         <p:nvSpPr>
-          <p:cNvPr id="4" name="Slide Number Placeholder 3"/>
+          <p:cNvPr id="6" name="Slide Number Placeholder 3"/>
           <p:cNvSpPr>
             <a:spLocks noGrp="1"/>
           </p:cNvSpPr>
@@ -2482,6 +5235,11 @@
         </p:txBody>
       </p:sp>
     </p:spTree>
+    <p:extLst>
+      <p:ext uri="{BB962C8B-B14F-4D97-AF65-F5344CB8AC3E}">
+        <p14:creationId xmlns:p14="http://schemas.microsoft.com/office/powerpoint/2010/main" val="286073883"/>
+      </p:ext>
+    </p:extLst>
   </p:cSld>
   <p:clrMapOvr>
     <a:masterClrMapping/>
@@ -2519,15 +5277,15 @@
         </p:nvSpPr>
         <p:spPr>
           <a:xfrm>
-            <a:off x="840317" y="457200"/>
-            <a:ext cx="3932767" cy="1600200"/>
+            <a:off x="1154953" y="1447800"/>
+            <a:ext cx="3401064" cy="1447800"/>
           </a:xfrm>
         </p:spPr>
         <p:txBody>
           <a:bodyPr anchor="b"/>
           <a:lstStyle>
-            <a:lvl1pPr>
-              <a:defRPr sz="3200"/>
+            <a:lvl1pPr algn="l">
+              <a:defRPr sz="2400" b="0"/>
             </a:lvl1pPr>
           </a:lstStyle>
           <a:p>
@@ -2535,6 +5293,7 @@
               <a:rPr lang="en-US"/>
               <a:t>Click to edit Master title style</a:t>
             </a:r>
+            <a:endParaRPr lang="en-US" dirty="0"/>
           </a:p>
         </p:txBody>
       </p:sp>
@@ -2550,39 +5309,41 @@
         </p:nvSpPr>
         <p:spPr>
           <a:xfrm>
-            <a:off x="5183717" y="987425"/>
-            <a:ext cx="6172200" cy="4873625"/>
+            <a:off x="4784616" y="1447800"/>
+            <a:ext cx="5195997" cy="4572000"/>
           </a:xfrm>
         </p:spPr>
         <p:txBody>
-          <a:bodyPr/>
+          <a:bodyPr anchor="ctr">
+            <a:normAutofit/>
+          </a:bodyPr>
           <a:lstStyle>
             <a:lvl1pPr>
-              <a:defRPr sz="3200"/>
+              <a:defRPr sz="2000"/>
             </a:lvl1pPr>
             <a:lvl2pPr>
-              <a:defRPr sz="2800"/>
+              <a:defRPr sz="1800"/>
             </a:lvl2pPr>
             <a:lvl3pPr>
-              <a:defRPr sz="2400"/>
+              <a:defRPr sz="1600"/>
             </a:lvl3pPr>
             <a:lvl4pPr>
-              <a:defRPr sz="2000"/>
+              <a:defRPr sz="1400"/>
             </a:lvl4pPr>
             <a:lvl5pPr>
-              <a:defRPr sz="2000"/>
+              <a:defRPr sz="1400"/>
             </a:lvl5pPr>
             <a:lvl6pPr>
-              <a:defRPr sz="2000"/>
+              <a:defRPr sz="1400"/>
             </a:lvl6pPr>
             <a:lvl7pPr>
-              <a:defRPr sz="2000"/>
+              <a:defRPr sz="1400"/>
             </a:lvl7pPr>
             <a:lvl8pPr>
-              <a:defRPr sz="2000"/>
+              <a:defRPr sz="1400"/>
             </a:lvl8pPr>
             <a:lvl9pPr>
-              <a:defRPr sz="2000"/>
+              <a:defRPr sz="1400"/>
             </a:lvl9pPr>
           </a:lstStyle>
           <a:p>
@@ -2619,6 +5380,7 @@
               <a:rPr lang="en-US"/>
               <a:t>Fifth level</a:t>
             </a:r>
+            <a:endParaRPr lang="en-US" dirty="0"/>
           </a:p>
         </p:txBody>
       </p:sp>
@@ -2634,8 +5396,8 @@
         </p:nvSpPr>
         <p:spPr>
           <a:xfrm>
-            <a:off x="840317" y="2057400"/>
-            <a:ext cx="3932767" cy="3811588"/>
+            <a:off x="1154953" y="3129280"/>
+            <a:ext cx="3401063" cy="2895599"/>
           </a:xfrm>
         </p:spPr>
         <p:txBody>
@@ -2643,39 +5405,39 @@
           <a:lstStyle>
             <a:lvl1pPr marL="0" indent="0">
               <a:buNone/>
-              <a:defRPr sz="1600"/>
+              <a:defRPr sz="1400"/>
             </a:lvl1pPr>
             <a:lvl2pPr marL="457200" indent="0">
               <a:buNone/>
-              <a:defRPr sz="1400"/>
+              <a:defRPr sz="1200"/>
             </a:lvl2pPr>
             <a:lvl3pPr marL="914400" indent="0">
               <a:buNone/>
-              <a:defRPr sz="1200"/>
+              <a:defRPr sz="1000"/>
             </a:lvl3pPr>
             <a:lvl4pPr marL="1371600" indent="0">
               <a:buNone/>
-              <a:defRPr sz="1000"/>
+              <a:defRPr sz="900"/>
             </a:lvl4pPr>
             <a:lvl5pPr marL="1828800" indent="0">
               <a:buNone/>
-              <a:defRPr sz="1000"/>
+              <a:defRPr sz="900"/>
             </a:lvl5pPr>
             <a:lvl6pPr marL="2286000" indent="0">
               <a:buNone/>
-              <a:defRPr sz="1000"/>
+              <a:defRPr sz="900"/>
             </a:lvl6pPr>
             <a:lvl7pPr marL="2743200" indent="0">
               <a:buNone/>
-              <a:defRPr sz="1000"/>
+              <a:defRPr sz="900"/>
             </a:lvl7pPr>
             <a:lvl8pPr marL="3200400" indent="0">
               <a:buNone/>
-              <a:defRPr sz="1000"/>
+              <a:defRPr sz="900"/>
             </a:lvl8pPr>
             <a:lvl9pPr marL="3657600" indent="0">
               <a:buNone/>
-              <a:defRPr sz="1000"/>
+              <a:defRPr sz="900"/>
             </a:lvl9pPr>
           </a:lstStyle>
           <a:p>
@@ -2689,7 +5451,7 @@
       </p:sp>
       <p:sp>
         <p:nvSpPr>
-          <p:cNvPr id="5" name="Date Placeholder 4"/>
+          <p:cNvPr id="7" name="Date Placeholder 4"/>
           <p:cNvSpPr>
             <a:spLocks noGrp="1"/>
           </p:cNvSpPr>
@@ -2737,7 +5499,7 @@
       </p:sp>
       <p:sp>
         <p:nvSpPr>
-          <p:cNvPr id="6" name="Footer Placeholder 5"/>
+          <p:cNvPr id="5" name="Footer Placeholder 5"/>
           <p:cNvSpPr>
             <a:spLocks noGrp="1"/>
           </p:cNvSpPr>
@@ -2785,7 +5547,7 @@
       </p:sp>
       <p:sp>
         <p:nvSpPr>
-          <p:cNvPr id="7" name="Slide Number Placeholder 6"/>
+          <p:cNvPr id="6" name="Slide Number Placeholder 6"/>
           <p:cNvSpPr>
             <a:spLocks noGrp="1"/>
           </p:cNvSpPr>
@@ -2865,6 +5627,11 @@
         </p:txBody>
       </p:sp>
     </p:spTree>
+    <p:extLst>
+      <p:ext uri="{BB962C8B-B14F-4D97-AF65-F5344CB8AC3E}">
+        <p14:creationId xmlns:p14="http://schemas.microsoft.com/office/powerpoint/2010/main" val="1862286599"/>
+      </p:ext>
+    </p:extLst>
   </p:cSld>
   <p:clrMapOvr>
     <a:masterClrMapping/>
@@ -2902,15 +5669,17 @@
         </p:nvSpPr>
         <p:spPr>
           <a:xfrm>
-            <a:off x="840317" y="457200"/>
-            <a:ext cx="3932767" cy="1600200"/>
+            <a:off x="1153907" y="1854192"/>
+            <a:ext cx="5092906" cy="1574808"/>
           </a:xfrm>
         </p:spPr>
         <p:txBody>
-          <a:bodyPr anchor="b"/>
+          <a:bodyPr anchor="b">
+            <a:normAutofit/>
+          </a:bodyPr>
           <a:lstStyle>
-            <a:lvl1pPr>
-              <a:defRPr sz="3200"/>
+            <a:lvl1pPr algn="l">
+              <a:defRPr sz="3600" b="0"/>
             </a:lvl1pPr>
           </a:lstStyle>
           <a:p>
@@ -2918,6 +5687,7 @@
               <a:rPr lang="en-US"/>
               <a:t>Click to edit Master title style</a:t>
             </a:r>
+            <a:endParaRPr lang="en-US" dirty="0"/>
           </a:p>
         </p:txBody>
       </p:sp>
@@ -2925,7 +5695,7 @@
         <p:nvSpPr>
           <p:cNvPr id="3" name="Picture Placeholder 2"/>
           <p:cNvSpPr>
-            <a:spLocks noGrp="1"/>
+            <a:spLocks noGrp="1" noChangeAspect="1"/>
           </p:cNvSpPr>
           <p:nvPr>
             <p:ph type="pic" idx="1"/>
@@ -2933,138 +5703,129 @@
         </p:nvSpPr>
         <p:spPr>
           <a:xfrm>
-            <a:off x="5183717" y="987425"/>
-            <a:ext cx="6172200" cy="4873625"/>
+            <a:off x="6949546" y="1143000"/>
+            <a:ext cx="3200400" cy="4572000"/>
           </a:xfrm>
+          <a:prstGeom prst="roundRect">
+            <a:avLst>
+              <a:gd name="adj" fmla="val 1858"/>
+            </a:avLst>
+          </a:prstGeom>
+          <a:effectLst>
+            <a:outerShdw blurRad="50800" dist="50800" dir="5400000" algn="tl" rotWithShape="0">
+              <a:srgbClr val="000000">
+                <a:alpha val="43000"/>
+              </a:srgbClr>
+            </a:outerShdw>
+          </a:effectLst>
         </p:spPr>
         <p:txBody>
-          <a:bodyPr vert="horz" wrap="square" lIns="91440" tIns="45720" rIns="91440" bIns="45720" numCol="1" anchor="t" anchorCtr="0" compatLnSpc="1"/>
+          <a:bodyPr anchor="t">
+            <a:normAutofit/>
+          </a:bodyPr>
           <a:lstStyle>
-            <a:lvl1pPr marL="0" indent="0">
-              <a:buNone/>
-              <a:defRPr sz="3200"/>
-            </a:lvl1pPr>
-            <a:lvl2pPr marL="457200" indent="0">
-              <a:buNone/>
-              <a:defRPr sz="2800"/>
-            </a:lvl2pPr>
-            <a:lvl3pPr marL="914400" indent="0">
-              <a:buNone/>
-              <a:defRPr sz="2400"/>
-            </a:lvl3pPr>
-            <a:lvl4pPr marL="1371600" indent="0">
-              <a:buNone/>
-              <a:defRPr sz="2000"/>
-            </a:lvl4pPr>
-            <a:lvl5pPr marL="1828800" indent="0">
-              <a:buNone/>
-              <a:defRPr sz="2000"/>
-            </a:lvl5pPr>
-            <a:lvl6pPr marL="2286000" indent="0">
-              <a:buNone/>
-              <a:defRPr sz="2000"/>
-            </a:lvl6pPr>
-            <a:lvl7pPr marL="2743200" indent="0">
-              <a:buNone/>
-              <a:defRPr sz="2000"/>
-            </a:lvl7pPr>
-            <a:lvl8pPr marL="3200400" indent="0">
-              <a:buNone/>
-              <a:defRPr sz="2000"/>
-            </a:lvl8pPr>
-            <a:lvl9pPr marL="3657600" indent="0">
-              <a:buNone/>
-              <a:defRPr sz="2000"/>
-            </a:lvl9pPr>
-          </a:lstStyle>
-          <a:p>
-            <a:pPr marL="0" marR="0" lvl="0" indent="0" algn="l" defTabSz="914400" rtl="0" eaLnBrk="1" fontAlgn="base" latinLnBrk="0" hangingPunct="1">
-              <a:lnSpc>
-                <a:spcPct val="100000"/>
-              </a:lnSpc>
-              <a:spcBef>
-                <a:spcPct val="20000"/>
-              </a:spcBef>
-              <a:spcAft>
-                <a:spcPct val="0"/>
-              </a:spcAft>
-              <a:buClrTx/>
-              <a:buSzTx/>
-              <a:buFontTx/>
-              <a:buNone/>
-              <a:defRPr/>
-            </a:pPr>
-            <a:endParaRPr kumimoji="0" lang="en-US" sz="3200" b="0" i="0" u="none" strike="noStrike" kern="1200" cap="none" spc="0" normalizeH="0" baseline="0" noProof="0">
-              <a:ln>
-                <a:noFill/>
-              </a:ln>
-              <a:solidFill>
-                <a:schemeClr val="tx1"/>
-              </a:solidFill>
-              <a:effectLst/>
-              <a:uLnTx/>
-              <a:uFillTx/>
-              <a:latin typeface="+mn-lt"/>
-              <a:ea typeface="+mn-ea"/>
-              <a:cs typeface="+mn-cs"/>
-            </a:endParaRPr>
-          </a:p>
-        </p:txBody>
-      </p:sp>
-      <p:sp>
-        <p:nvSpPr>
-          <p:cNvPr id="4" name="Text Placeholder 3"/>
-          <p:cNvSpPr>
-            <a:spLocks noGrp="1"/>
-          </p:cNvSpPr>
-          <p:nvPr>
-            <p:ph type="body" sz="half" idx="2"/>
-          </p:nvPr>
-        </p:nvSpPr>
-        <p:spPr>
-          <a:xfrm>
-            <a:off x="840317" y="2057400"/>
-            <a:ext cx="3932767" cy="3811588"/>
-          </a:xfrm>
-        </p:spPr>
-        <p:txBody>
-          <a:bodyPr/>
-          <a:lstStyle>
-            <a:lvl1pPr marL="0" indent="0">
+            <a:lvl1pPr marL="0" indent="0" algn="ctr">
               <a:buNone/>
               <a:defRPr sz="1600"/>
             </a:lvl1pPr>
             <a:lvl2pPr marL="457200" indent="0">
               <a:buNone/>
-              <a:defRPr sz="1400"/>
+              <a:defRPr sz="1600"/>
             </a:lvl2pPr>
             <a:lvl3pPr marL="914400" indent="0">
               <a:buNone/>
-              <a:defRPr sz="1200"/>
+              <a:defRPr sz="1600"/>
             </a:lvl3pPr>
             <a:lvl4pPr marL="1371600" indent="0">
               <a:buNone/>
-              <a:defRPr sz="1000"/>
+              <a:defRPr sz="1600"/>
             </a:lvl4pPr>
             <a:lvl5pPr marL="1828800" indent="0">
               <a:buNone/>
-              <a:defRPr sz="1000"/>
+              <a:defRPr sz="1600"/>
             </a:lvl5pPr>
             <a:lvl6pPr marL="2286000" indent="0">
               <a:buNone/>
-              <a:defRPr sz="1000"/>
+              <a:defRPr sz="1600"/>
             </a:lvl6pPr>
             <a:lvl7pPr marL="2743200" indent="0">
               <a:buNone/>
-              <a:defRPr sz="1000"/>
+              <a:defRPr sz="1600"/>
             </a:lvl7pPr>
             <a:lvl8pPr marL="3200400" indent="0">
               <a:buNone/>
-              <a:defRPr sz="1000"/>
+              <a:defRPr sz="1600"/>
             </a:lvl8pPr>
             <a:lvl9pPr marL="3657600" indent="0">
               <a:buNone/>
+              <a:defRPr sz="1600"/>
+            </a:lvl9pPr>
+          </a:lstStyle>
+          <a:p>
+            <a:r>
+              <a:rPr lang="en-US"/>
+              <a:t>Click icon to add picture</a:t>
+            </a:r>
+            <a:endParaRPr lang="en-US" dirty="0"/>
+          </a:p>
+        </p:txBody>
+      </p:sp>
+      <p:sp>
+        <p:nvSpPr>
+          <p:cNvPr id="4" name="Text Placeholder 3"/>
+          <p:cNvSpPr>
+            <a:spLocks noGrp="1"/>
+          </p:cNvSpPr>
+          <p:nvPr>
+            <p:ph type="body" sz="half" idx="2"/>
+          </p:nvPr>
+        </p:nvSpPr>
+        <p:spPr>
+          <a:xfrm>
+            <a:off x="1154954" y="3657600"/>
+            <a:ext cx="5084979" cy="1371600"/>
+          </a:xfrm>
+        </p:spPr>
+        <p:txBody>
+          <a:bodyPr>
+            <a:normAutofit/>
+          </a:bodyPr>
+          <a:lstStyle>
+            <a:lvl1pPr marL="0" indent="0">
+              <a:buNone/>
+              <a:defRPr sz="1400"/>
+            </a:lvl1pPr>
+            <a:lvl2pPr marL="457200" indent="0">
+              <a:buNone/>
+              <a:defRPr sz="1200"/>
+            </a:lvl2pPr>
+            <a:lvl3pPr marL="914400" indent="0">
+              <a:buNone/>
               <a:defRPr sz="1000"/>
+            </a:lvl3pPr>
+            <a:lvl4pPr marL="1371600" indent="0">
+              <a:buNone/>
+              <a:defRPr sz="900"/>
+            </a:lvl4pPr>
+            <a:lvl5pPr marL="1828800" indent="0">
+              <a:buNone/>
+              <a:defRPr sz="900"/>
+            </a:lvl5pPr>
+            <a:lvl6pPr marL="2286000" indent="0">
+              <a:buNone/>
+              <a:defRPr sz="900"/>
+            </a:lvl6pPr>
+            <a:lvl7pPr marL="2743200" indent="0">
+              <a:buNone/>
+              <a:defRPr sz="900"/>
+            </a:lvl7pPr>
+            <a:lvl8pPr marL="3200400" indent="0">
+              <a:buNone/>
+              <a:defRPr sz="900"/>
+            </a:lvl8pPr>
+            <a:lvl9pPr marL="3657600" indent="0">
+              <a:buNone/>
+              <a:defRPr sz="900"/>
             </a:lvl9pPr>
           </a:lstStyle>
           <a:p>
@@ -3094,7 +5855,7 @@
             <a:fld id="{FDE934FF-F4E1-47C5-9CA5-30A81DDE2BE4}" type="datetimeFigureOut">
               <a:rPr lang="en-US" smtClean="0"/>
               <a:pPr/>
-              <a:t>5/28/2019</a:t>
+              <a:t>5/29/2019</a:t>
             </a:fld>
             <a:endParaRPr lang="en-US"/>
           </a:p>
@@ -3144,6 +5905,11 @@
         </p:txBody>
       </p:sp>
     </p:spTree>
+    <p:extLst>
+      <p:ext uri="{BB962C8B-B14F-4D97-AF65-F5344CB8AC3E}">
+        <p14:creationId xmlns:p14="http://schemas.microsoft.com/office/powerpoint/2010/main" val="2595968893"/>
+      </p:ext>
+    </p:extLst>
   </p:cSld>
   <p:clrMapOvr>
     <a:masterClrMapping/>
@@ -3156,12 +5922,9 @@
 <p:sldMaster xmlns:a="http://schemas.openxmlformats.org/drawingml/2006/main" xmlns:r="http://schemas.openxmlformats.org/officeDocument/2006/relationships" xmlns:p="http://schemas.openxmlformats.org/presentationml/2006/main">
   <p:cSld>
     <p:bg>
-      <p:bgPr>
-        <a:solidFill>
-          <a:schemeClr val="bg1"/>
-        </a:solidFill>
-        <a:effectLst/>
-      </p:bgPr>
+      <p:bgRef idx="1003">
+        <a:schemeClr val="bg2"/>
+      </p:bgRef>
     </p:bg>
     <p:spTree>
       <p:nvGrpSpPr>
@@ -3179,320 +5942,425 @@
       </p:grpSpPr>
       <p:pic>
         <p:nvPicPr>
-          <p:cNvPr id="1026" name="Picture 6"/>
+          <p:cNvPr id="8" name="Picture 7"/>
           <p:cNvPicPr>
             <a:picLocks noChangeAspect="1"/>
           </p:cNvPicPr>
           <p:nvPr/>
         </p:nvPicPr>
-        <p:blipFill>
-          <a:blip r:embed="rId13"/>
-          <a:stretch>
-            <a:fillRect/>
-          </a:stretch>
+        <p:blipFill rotWithShape="1">
+          <a:blip r:embed="rId19">
+            <a:extLst>
+              <a:ext uri="{28A0092B-C50C-407E-A947-70E740481C1C}">
+                <a14:useLocalDpi xmlns:a14="http://schemas.microsoft.com/office/drawing/2010/main" val="0"/>
+              </a:ext>
+            </a:extLst>
+          </a:blip>
+          <a:srcRect l="3613"/>
+          <a:stretch/>
         </p:blipFill>
         <p:spPr>
           <a:xfrm>
-            <a:off x="0" y="0"/>
-            <a:ext cx="12198351" cy="6861175"/>
+            <a:off x="0" y="2669685"/>
+            <a:ext cx="4037012" cy="4188315"/>
           </a:xfrm>
           <a:prstGeom prst="rect">
             <a:avLst/>
           </a:prstGeom>
-          <a:noFill/>
-          <a:ln w="9525">
-            <a:noFill/>
-          </a:ln>
         </p:spPr>
       </p:pic>
-      <p:sp>
-        <p:nvSpPr>
-          <p:cNvPr id="1027" name="Rectangle 3"/>
-          <p:cNvSpPr>
-            <a:spLocks noGrp="1"/>
-          </p:cNvSpPr>
-          <p:nvPr>
-            <p:ph type="title"/>
-          </p:nvPr>
-        </p:nvSpPr>
+      <p:pic>
+        <p:nvPicPr>
+          <p:cNvPr id="7" name="Picture 6"/>
+          <p:cNvPicPr>
+            <a:picLocks noChangeAspect="1"/>
+          </p:cNvPicPr>
+          <p:nvPr/>
+        </p:nvPicPr>
+        <p:blipFill rotWithShape="1">
+          <a:blip r:embed="rId20">
+            <a:extLst>
+              <a:ext uri="{28A0092B-C50C-407E-A947-70E740481C1C}">
+                <a14:useLocalDpi xmlns:a14="http://schemas.microsoft.com/office/drawing/2010/main" val="0"/>
+              </a:ext>
+            </a:extLst>
+          </a:blip>
+          <a:srcRect l="35640"/>
+          <a:stretch/>
+        </p:blipFill>
         <p:spPr>
           <a:xfrm>
-            <a:off x="609600" y="190500"/>
-            <a:ext cx="10972800" cy="582613"/>
+            <a:off x="0" y="2892347"/>
+            <a:ext cx="1522412" cy="2365453"/>
           </a:xfrm>
           <a:prstGeom prst="rect">
             <a:avLst/>
           </a:prstGeom>
-          <a:noFill/>
-          <a:ln w="9525">
+        </p:spPr>
+      </p:pic>
+      <p:sp>
+        <p:nvSpPr>
+          <p:cNvPr id="16" name="Oval 15"/>
+          <p:cNvSpPr/>
+          <p:nvPr/>
+        </p:nvSpPr>
+        <p:spPr>
+          <a:xfrm>
+            <a:off x="8609012" y="1676400"/>
+            <a:ext cx="2819400" cy="2819400"/>
+          </a:xfrm>
+          <a:prstGeom prst="ellipse">
+            <a:avLst/>
+          </a:prstGeom>
+          <a:gradFill flip="none" rotWithShape="1">
+            <a:gsLst>
+              <a:gs pos="0">
+                <a:schemeClr val="bg2">
+                  <a:lumMod val="60000"/>
+                  <a:lumOff val="40000"/>
+                  <a:alpha val="7000"/>
+                </a:schemeClr>
+              </a:gs>
+              <a:gs pos="69000">
+                <a:schemeClr val="bg2">
+                  <a:lumMod val="60000"/>
+                  <a:lumOff val="40000"/>
+                  <a:alpha val="0"/>
+                </a:schemeClr>
+              </a:gs>
+              <a:gs pos="36000">
+                <a:schemeClr val="bg2">
+                  <a:lumMod val="60000"/>
+                  <a:lumOff val="40000"/>
+                  <a:alpha val="6000"/>
+                </a:schemeClr>
+              </a:gs>
+            </a:gsLst>
+            <a:path path="circle">
+              <a:fillToRect l="50000" t="50000" r="50000" b="50000"/>
+            </a:path>
+            <a:tileRect/>
+          </a:gradFill>
+          <a:ln>
             <a:noFill/>
           </a:ln>
+          <a:effectLst/>
         </p:spPr>
-        <p:txBody>
-          <a:bodyPr anchor="ctr"/>
-          <a:lstStyle/>
-          <a:p>
-            <a:pPr lvl="0"/>
-            <a:r>
-              <a:rPr lang="en-US" altLang="zh-CN" dirty="0"/>
-              <a:t>Click to edit Master title style</a:t>
-            </a:r>
-          </a:p>
-        </p:txBody>
-      </p:sp>
-      <p:sp>
-        <p:nvSpPr>
-          <p:cNvPr id="1028" name="Rectangle 4"/>
-          <p:cNvSpPr>
-            <a:spLocks noGrp="1"/>
-          </p:cNvSpPr>
-          <p:nvPr>
-            <p:ph type="body" idx="1"/>
-          </p:nvPr>
-        </p:nvSpPr>
+        <p:style>
+          <a:lnRef idx="1">
+            <a:schemeClr val="accent1"/>
+          </a:lnRef>
+          <a:fillRef idx="3">
+            <a:schemeClr val="accent1"/>
+          </a:fillRef>
+          <a:effectRef idx="2">
+            <a:schemeClr val="accent1"/>
+          </a:effectRef>
+          <a:fontRef idx="minor">
+            <a:schemeClr val="lt1"/>
+          </a:fontRef>
+        </p:style>
+      </p:sp>
+      <p:pic>
+        <p:nvPicPr>
+          <p:cNvPr id="9" name="Picture 8"/>
+          <p:cNvPicPr>
+            <a:picLocks noChangeAspect="1"/>
+          </p:cNvPicPr>
+          <p:nvPr/>
+        </p:nvPicPr>
+        <p:blipFill rotWithShape="1">
+          <a:blip r:embed="rId21">
+            <a:extLst>
+              <a:ext uri="{28A0092B-C50C-407E-A947-70E740481C1C}">
+                <a14:useLocalDpi xmlns:a14="http://schemas.microsoft.com/office/drawing/2010/main" val="0"/>
+              </a:ext>
+            </a:extLst>
+          </a:blip>
+          <a:srcRect t="28813"/>
+          <a:stretch/>
+        </p:blipFill>
         <p:spPr>
           <a:xfrm>
-            <a:off x="609600" y="1174750"/>
-            <a:ext cx="10972800" cy="4953000"/>
+            <a:off x="7999412" y="0"/>
+            <a:ext cx="1603387" cy="1141407"/>
           </a:xfrm>
           <a:prstGeom prst="rect">
             <a:avLst/>
           </a:prstGeom>
-          <a:noFill/>
-          <a:ln w="9525">
-            <a:noFill/>
-          </a:ln>
         </p:spPr>
-        <p:txBody>
-          <a:bodyPr/>
-          <a:lstStyle/>
-          <a:p>
-            <a:pPr lvl="0"/>
-            <a:r>
-              <a:rPr lang="en-US" altLang="zh-CN" dirty="0"/>
-              <a:t>Click to edit Master text styles</a:t>
-            </a:r>
-          </a:p>
-          <a:p>
-            <a:pPr lvl="1"/>
-            <a:r>
-              <a:rPr lang="en-US" altLang="zh-CN" dirty="0"/>
-              <a:t>Second level</a:t>
-            </a:r>
-          </a:p>
-          <a:p>
-            <a:pPr lvl="2"/>
-            <a:r>
-              <a:rPr lang="en-US" altLang="zh-CN" dirty="0"/>
-              <a:t>Third level</a:t>
-            </a:r>
-          </a:p>
-          <a:p>
-            <a:pPr lvl="3"/>
-            <a:r>
-              <a:rPr lang="en-US" altLang="zh-CN" dirty="0"/>
-              <a:t>Fourth level</a:t>
-            </a:r>
-          </a:p>
-          <a:p>
-            <a:pPr lvl="4"/>
-            <a:r>
-              <a:rPr lang="en-US" altLang="zh-CN" dirty="0"/>
-              <a:t>Fifth level</a:t>
-            </a:r>
-          </a:p>
-        </p:txBody>
-      </p:sp>
-      <p:sp>
-        <p:nvSpPr>
-          <p:cNvPr id="1029" name="Rectangle 5"/>
-          <p:cNvSpPr>
-            <a:spLocks noGrp="1" noChangeArrowheads="1"/>
-          </p:cNvSpPr>
-          <p:nvPr>
-            <p:ph type="dt" sz="half" idx="2"/>
-          </p:nvPr>
-        </p:nvSpPr>
-        <p:spPr bwMode="auto">
+      </p:pic>
+      <p:pic>
+        <p:nvPicPr>
+          <p:cNvPr id="10" name="Picture 9"/>
+          <p:cNvPicPr>
+            <a:picLocks noChangeAspect="1"/>
+          </p:cNvPicPr>
+          <p:nvPr/>
+        </p:nvPicPr>
+        <p:blipFill rotWithShape="1">
+          <a:blip r:embed="rId22">
+            <a:extLst>
+              <a:ext uri="{28A0092B-C50C-407E-A947-70E740481C1C}">
+                <a14:useLocalDpi xmlns:a14="http://schemas.microsoft.com/office/drawing/2010/main" val="0"/>
+              </a:ext>
+            </a:extLst>
+          </a:blip>
+          <a:srcRect b="23320"/>
+          <a:stretch/>
+        </p:blipFill>
+        <p:spPr>
           <a:xfrm>
-            <a:off x="609600" y="6245225"/>
-            <a:ext cx="2844800" cy="476250"/>
+            <a:off x="8605878" y="6096000"/>
+            <a:ext cx="993734" cy="762000"/>
           </a:xfrm>
           <a:prstGeom prst="rect">
             <a:avLst/>
           </a:prstGeom>
-          <a:noFill/>
-          <a:ln>
-            <a:noFill/>
-          </a:ln>
-          <a:effectLst/>
-          <a:extLst>
-            <a:ext uri="{909E8E84-426E-40DD-AFC4-6F175D3DCCD1}">
-              <a14:hiddenFill xmlns:a14="http://schemas.microsoft.com/office/drawing/2010/main">
-                <a:solidFill>
-                  <a:schemeClr val="accent1"/>
-                </a:solidFill>
-              </a14:hiddenFill>
-            </a:ext>
-            <a:ext uri="{91240B29-F687-4F45-9708-019B960494DF}">
-              <a14:hiddenLine xmlns:a14="http://schemas.microsoft.com/office/drawing/2010/main" w="9525">
-                <a:solidFill>
-                  <a:srgbClr val="000000"/>
-                </a:solidFill>
-                <a:miter lim="800000"/>
-                <a:headEnd/>
-                <a:tailEnd/>
-              </a14:hiddenLine>
-            </a:ext>
-            <a:ext uri="{AF507438-7753-43E0-B8FC-AC1667EBCBE1}">
-              <a14:hiddenEffects xmlns:a14="http://schemas.microsoft.com/office/drawing/2010/main">
-                <a:effectLst>
-                  <a:outerShdw dist="35921" dir="2700000" algn="ctr" rotWithShape="0">
-                    <a:schemeClr val="bg2"/>
-                  </a:outerShdw>
-                </a:effectLst>
-              </a14:hiddenEffects>
-            </a:ext>
-          </a:extLst>
         </p:spPr>
-        <p:txBody>
-          <a:bodyPr vert="horz" wrap="square" lIns="91440" tIns="45720" rIns="91440" bIns="45720" numCol="1" anchor="t" anchorCtr="0" compatLnSpc="1"/>
-          <a:lstStyle>
-            <a:lvl1pPr>
-              <a:defRPr sz="1400"/>
-            </a:lvl1pPr>
-          </a:lstStyle>
-          <a:p>
-            <a:fld id="{FDE934FF-F4E1-47C5-9CA5-30A81DDE2BE4}" type="datetimeFigureOut">
-              <a:rPr lang="en-US" smtClean="0"/>
-              <a:pPr/>
-              <a:t>5/28/2019</a:t>
-            </a:fld>
-            <a:endParaRPr lang="en-US"/>
-          </a:p>
-        </p:txBody>
-      </p:sp>
-      <p:sp>
-        <p:nvSpPr>
-          <p:cNvPr id="1030" name="Rectangle 6"/>
-          <p:cNvSpPr>
-            <a:spLocks noGrp="1" noChangeArrowheads="1"/>
-          </p:cNvSpPr>
-          <p:nvPr>
-            <p:ph type="ftr" sz="quarter" idx="3"/>
-          </p:nvPr>
-        </p:nvSpPr>
-        <p:spPr bwMode="auto">
+      </p:pic>
+      <p:sp>
+        <p:nvSpPr>
+          <p:cNvPr id="14" name="Rectangle 13"/>
+          <p:cNvSpPr/>
+          <p:nvPr/>
+        </p:nvSpPr>
+        <p:spPr>
           <a:xfrm>
-            <a:off x="4165600" y="6245225"/>
-            <a:ext cx="3860800" cy="476250"/>
+            <a:off x="10437812" y="0"/>
+            <a:ext cx="685800" cy="1143000"/>
           </a:xfrm>
           <a:prstGeom prst="rect">
             <a:avLst/>
           </a:prstGeom>
-          <a:noFill/>
+          <a:solidFill>
+            <a:schemeClr val="accent1"/>
+          </a:solidFill>
           <a:ln>
             <a:noFill/>
           </a:ln>
-          <a:effectLst/>
-          <a:extLst>
-            <a:ext uri="{909E8E84-426E-40DD-AFC4-6F175D3DCCD1}">
-              <a14:hiddenFill xmlns:a14="http://schemas.microsoft.com/office/drawing/2010/main">
-                <a:solidFill>
-                  <a:schemeClr val="accent1"/>
-                </a:solidFill>
-              </a14:hiddenFill>
-            </a:ext>
-            <a:ext uri="{91240B29-F687-4F45-9708-019B960494DF}">
-              <a14:hiddenLine xmlns:a14="http://schemas.microsoft.com/office/drawing/2010/main" w="9525">
-                <a:solidFill>
-                  <a:srgbClr val="000000"/>
-                </a:solidFill>
-                <a:miter lim="800000"/>
-                <a:headEnd/>
-                <a:tailEnd/>
-              </a14:hiddenLine>
-            </a:ext>
-            <a:ext uri="{AF507438-7753-43E0-B8FC-AC1667EBCBE1}">
-              <a14:hiddenEffects xmlns:a14="http://schemas.microsoft.com/office/drawing/2010/main">
-                <a:effectLst>
-                  <a:outerShdw dist="35921" dir="2700000" algn="ctr" rotWithShape="0">
-                    <a:schemeClr val="bg2"/>
-                  </a:outerShdw>
-                </a:effectLst>
-              </a14:hiddenEffects>
-            </a:ext>
-          </a:extLst>
         </p:spPr>
-        <p:txBody>
-          <a:bodyPr vert="horz" wrap="square" lIns="91440" tIns="45720" rIns="91440" bIns="45720" numCol="1" anchor="t" anchorCtr="0" compatLnSpc="1"/>
-          <a:lstStyle>
-            <a:lvl1pPr algn="ctr">
-              <a:defRPr sz="1400"/>
-            </a:lvl1pPr>
-          </a:lstStyle>
-          <a:p>
-            <a:endParaRPr lang="en-US"/>
-          </a:p>
-        </p:txBody>
-      </p:sp>
-      <p:sp>
-        <p:nvSpPr>
-          <p:cNvPr id="1031" name="Rectangle 7"/>
-          <p:cNvSpPr>
-            <a:spLocks noGrp="1" noChangeArrowheads="1"/>
-          </p:cNvSpPr>
-          <p:nvPr>
-            <p:ph type="sldNum" sz="quarter" idx="4"/>
-          </p:nvPr>
-        </p:nvSpPr>
-        <p:spPr bwMode="auto">
+        <p:style>
+          <a:lnRef idx="1">
+            <a:schemeClr val="accent1"/>
+          </a:lnRef>
+          <a:fillRef idx="3">
+            <a:schemeClr val="accent1"/>
+          </a:fillRef>
+          <a:effectRef idx="2">
+            <a:schemeClr val="accent1"/>
+          </a:effectRef>
+          <a:fontRef idx="minor">
+            <a:schemeClr val="lt1"/>
+          </a:fontRef>
+        </p:style>
+      </p:sp>
+      <p:sp>
+        <p:nvSpPr>
+          <p:cNvPr id="2" name="Title Placeholder 1"/>
+          <p:cNvSpPr>
+            <a:spLocks noGrp="1"/>
+          </p:cNvSpPr>
+          <p:nvPr>
+            <p:ph type="title"/>
+          </p:nvPr>
+        </p:nvSpPr>
+        <p:spPr>
           <a:xfrm>
-            <a:off x="8737600" y="6245225"/>
-            <a:ext cx="2844800" cy="476250"/>
+            <a:off x="646111" y="452718"/>
+            <a:ext cx="9404723" cy="1400530"/>
           </a:xfrm>
           <a:prstGeom prst="rect">
             <a:avLst/>
           </a:prstGeom>
-          <a:noFill/>
-          <a:ln>
-            <a:noFill/>
-          </a:ln>
-          <a:effectLst/>
-          <a:extLst>
-            <a:ext uri="{909E8E84-426E-40DD-AFC4-6F175D3DCCD1}">
-              <a14:hiddenFill xmlns:a14="http://schemas.microsoft.com/office/drawing/2010/main">
+        </p:spPr>
+        <p:txBody>
+          <a:bodyPr vert="horz" lIns="91440" tIns="45720" rIns="91440" bIns="45720" rtlCol="0" anchor="t">
+            <a:noAutofit/>
+          </a:bodyPr>
+          <a:lstStyle/>
+          <a:p>
+            <a:r>
+              <a:rPr lang="en-US"/>
+              <a:t>Click to edit Master title style</a:t>
+            </a:r>
+            <a:endParaRPr lang="en-US" dirty="0"/>
+          </a:p>
+        </p:txBody>
+      </p:sp>
+      <p:sp>
+        <p:nvSpPr>
+          <p:cNvPr id="3" name="Text Placeholder 2"/>
+          <p:cNvSpPr>
+            <a:spLocks noGrp="1"/>
+          </p:cNvSpPr>
+          <p:nvPr>
+            <p:ph type="body" idx="1"/>
+          </p:nvPr>
+        </p:nvSpPr>
+        <p:spPr>
+          <a:xfrm>
+            <a:off x="1103312" y="2052918"/>
+            <a:ext cx="8946541" cy="4195481"/>
+          </a:xfrm>
+          <a:prstGeom prst="rect">
+            <a:avLst/>
+          </a:prstGeom>
+        </p:spPr>
+        <p:txBody>
+          <a:bodyPr vert="horz" lIns="91440" tIns="45720" rIns="91440" bIns="45720" rtlCol="0">
+            <a:normAutofit/>
+          </a:bodyPr>
+          <a:lstStyle/>
+          <a:p>
+            <a:pPr lvl="0"/>
+            <a:r>
+              <a:rPr lang="en-US"/>
+              <a:t>Click to edit Master text styles</a:t>
+            </a:r>
+          </a:p>
+          <a:p>
+            <a:pPr lvl="1"/>
+            <a:r>
+              <a:rPr lang="en-US"/>
+              <a:t>Second level</a:t>
+            </a:r>
+          </a:p>
+          <a:p>
+            <a:pPr lvl="2"/>
+            <a:r>
+              <a:rPr lang="en-US"/>
+              <a:t>Third level</a:t>
+            </a:r>
+          </a:p>
+          <a:p>
+            <a:pPr lvl="3"/>
+            <a:r>
+              <a:rPr lang="en-US"/>
+              <a:t>Fourth level</a:t>
+            </a:r>
+          </a:p>
+          <a:p>
+            <a:pPr lvl="4"/>
+            <a:r>
+              <a:rPr lang="en-US"/>
+              <a:t>Fifth level</a:t>
+            </a:r>
+            <a:endParaRPr lang="en-US" dirty="0"/>
+          </a:p>
+        </p:txBody>
+      </p:sp>
+      <p:sp>
+        <p:nvSpPr>
+          <p:cNvPr id="4" name="Date Placeholder 3"/>
+          <p:cNvSpPr>
+            <a:spLocks noGrp="1"/>
+          </p:cNvSpPr>
+          <p:nvPr>
+            <p:ph type="dt" sz="half" idx="2"/>
+          </p:nvPr>
+        </p:nvSpPr>
+        <p:spPr>
+          <a:xfrm rot="5400000">
+            <a:off x="10155639" y="1790701"/>
+            <a:ext cx="990599" cy="304799"/>
+          </a:xfrm>
+          <a:prstGeom prst="rect">
+            <a:avLst/>
+          </a:prstGeom>
+        </p:spPr>
+        <p:txBody>
+          <a:bodyPr vert="horz" lIns="91440" tIns="45720" rIns="91440" bIns="45720" rtlCol="0" anchor="t"/>
+          <a:lstStyle>
+            <a:lvl1pPr algn="l">
+              <a:defRPr sz="1100" b="0" i="0">
                 <a:solidFill>
-                  <a:schemeClr val="accent1"/>
+                  <a:schemeClr val="tx1">
+                    <a:tint val="75000"/>
+                    <a:alpha val="60000"/>
+                  </a:schemeClr>
                 </a:solidFill>
-              </a14:hiddenFill>
-            </a:ext>
-            <a:ext uri="{91240B29-F687-4F45-9708-019B960494DF}">
-              <a14:hiddenLine xmlns:a14="http://schemas.microsoft.com/office/drawing/2010/main" w="9525">
+              </a:defRPr>
+            </a:lvl1pPr>
+          </a:lstStyle>
+          <a:p>
+            <a:fld id="{FDE934FF-F4E1-47C5-9CA5-30A81DDE2BE4}" type="datetimeFigureOut">
+              <a:rPr lang="en-US" smtClean="0"/>
+              <a:pPr/>
+              <a:t>5/29/2019</a:t>
+            </a:fld>
+            <a:endParaRPr lang="en-US"/>
+          </a:p>
+        </p:txBody>
+      </p:sp>
+      <p:sp>
+        <p:nvSpPr>
+          <p:cNvPr id="5" name="Footer Placeholder 4"/>
+          <p:cNvSpPr>
+            <a:spLocks noGrp="1"/>
+          </p:cNvSpPr>
+          <p:nvPr>
+            <p:ph type="ftr" sz="quarter" idx="3"/>
+          </p:nvPr>
+        </p:nvSpPr>
+        <p:spPr>
+          <a:xfrm rot="5400000">
+            <a:off x="8951573" y="3225297"/>
+            <a:ext cx="3859795" cy="304801"/>
+          </a:xfrm>
+          <a:prstGeom prst="rect">
+            <a:avLst/>
+          </a:prstGeom>
+        </p:spPr>
+        <p:txBody>
+          <a:bodyPr vert="horz" lIns="91440" tIns="45720" rIns="91440" bIns="45720" rtlCol="0" anchor="b"/>
+          <a:lstStyle>
+            <a:lvl1pPr algn="l">
+              <a:defRPr sz="1100" b="0" i="0">
                 <a:solidFill>
-                  <a:srgbClr val="000000"/>
+                  <a:schemeClr val="tx1">
+                    <a:tint val="75000"/>
+                    <a:alpha val="60000"/>
+                  </a:schemeClr>
                 </a:solidFill>
-                <a:miter lim="800000"/>
-                <a:headEnd/>
-                <a:tailEnd/>
-              </a14:hiddenLine>
-            </a:ext>
-            <a:ext uri="{AF507438-7753-43E0-B8FC-AC1667EBCBE1}">
-              <a14:hiddenEffects xmlns:a14="http://schemas.microsoft.com/office/drawing/2010/main">
-                <a:effectLst>
-                  <a:outerShdw dist="35921" dir="2700000" algn="ctr" rotWithShape="0">
-                    <a:schemeClr val="bg2"/>
-                  </a:outerShdw>
-                </a:effectLst>
-              </a14:hiddenEffects>
-            </a:ext>
-          </a:extLst>
+              </a:defRPr>
+            </a:lvl1pPr>
+          </a:lstStyle>
+          <a:p>
+            <a:endParaRPr lang="en-US"/>
+          </a:p>
+        </p:txBody>
+      </p:sp>
+      <p:sp>
+        <p:nvSpPr>
+          <p:cNvPr id="6" name="Slide Number Placeholder 5"/>
+          <p:cNvSpPr>
+            <a:spLocks noGrp="1"/>
+          </p:cNvSpPr>
+          <p:nvPr>
+            <p:ph type="sldNum" sz="quarter" idx="4"/>
+          </p:nvPr>
+        </p:nvSpPr>
+        <p:spPr bwMode="gray">
+          <a:xfrm>
+            <a:off x="10352540" y="295729"/>
+            <a:ext cx="838199" cy="767687"/>
+          </a:xfrm>
+          <a:prstGeom prst="rect">
+            <a:avLst/>
+          </a:prstGeom>
         </p:spPr>
         <p:txBody>
-          <a:bodyPr vert="horz" wrap="square" lIns="91440" tIns="45720" rIns="91440" bIns="45720" numCol="1" anchor="t" anchorCtr="0" compatLnSpc="1"/>
+          <a:bodyPr vert="horz" lIns="91440" tIns="45720" rIns="91440" bIns="45720" rtlCol="0" anchor="b"/>
           <a:lstStyle>
-            <a:lvl1pPr algn="r">
-              <a:defRPr sz="1400"/>
+            <a:lvl1pPr algn="ctr">
+              <a:defRPr sz="2800" b="0" i="0">
+                <a:solidFill>
+                  <a:schemeClr val="tx1">
+                    <a:tint val="75000"/>
+                  </a:schemeClr>
+                </a:solidFill>
+              </a:defRPr>
             </a:lvl1pPr>
           </a:lstStyle>
           <a:p>
@@ -3506,171 +6374,339 @@
         </p:txBody>
       </p:sp>
     </p:spTree>
+    <p:extLst>
+      <p:ext uri="{BB962C8B-B14F-4D97-AF65-F5344CB8AC3E}">
+        <p14:creationId xmlns:p14="http://schemas.microsoft.com/office/powerpoint/2010/main" val="1189044692"/>
+      </p:ext>
+    </p:extLst>
   </p:cSld>
-  <p:clrMap bg1="lt1" tx1="dk1" bg2="lt2" tx2="dk2" accent1="accent1" accent2="accent2" accent3="accent3" accent4="accent4" accent5="accent5" accent6="accent6" hlink="hlink" folHlink="folHlink"/>
+  <p:clrMap bg1="dk1" tx1="lt1" bg2="dk2" tx2="lt2" accent1="accent1" accent2="accent2" accent3="accent3" accent4="accent4" accent5="accent5" accent6="accent6" hlink="hlink" folHlink="folHlink"/>
   <p:sldLayoutIdLst>
-    <p:sldLayoutId id="2147483649" r:id="rId1"/>
-    <p:sldLayoutId id="2147483650" r:id="rId2"/>
-    <p:sldLayoutId id="2147483651" r:id="rId3"/>
-    <p:sldLayoutId id="2147483652" r:id="rId4"/>
-    <p:sldLayoutId id="2147483653" r:id="rId5"/>
-    <p:sldLayoutId id="2147483654" r:id="rId6"/>
-    <p:sldLayoutId id="2147483655" r:id="rId7"/>
-    <p:sldLayoutId id="2147483656" r:id="rId8"/>
-    <p:sldLayoutId id="2147483657" r:id="rId9"/>
-    <p:sldLayoutId id="2147483658" r:id="rId10"/>
-    <p:sldLayoutId id="2147483659" r:id="rId11"/>
+    <p:sldLayoutId id="2147483661" r:id="rId1"/>
+    <p:sldLayoutId id="2147483662" r:id="rId2"/>
+    <p:sldLayoutId id="2147483663" r:id="rId3"/>
+    <p:sldLayoutId id="2147483664" r:id="rId4"/>
+    <p:sldLayoutId id="2147483665" r:id="rId5"/>
+    <p:sldLayoutId id="2147483666" r:id="rId6"/>
+    <p:sldLayoutId id="2147483667" r:id="rId7"/>
+    <p:sldLayoutId id="2147483668" r:id="rId8"/>
+    <p:sldLayoutId id="2147483669" r:id="rId9"/>
+    <p:sldLayoutId id="2147483670" r:id="rId10"/>
+    <p:sldLayoutId id="2147483671" r:id="rId11"/>
+    <p:sldLayoutId id="2147483672" r:id="rId12"/>
+    <p:sldLayoutId id="2147483673" r:id="rId13"/>
+    <p:sldLayoutId id="2147483674" r:id="rId14"/>
+    <p:sldLayoutId id="2147483675" r:id="rId15"/>
+    <p:sldLayoutId id="2147483676" r:id="rId16"/>
+    <p:sldLayoutId id="2147483677" r:id="rId17"/>
   </p:sldLayoutIdLst>
   <p:hf sldNum="0" hdr="0" ftr="0" dt="0"/>
   <p:txStyles>
     <p:titleStyle>
-      <a:lvl1pPr algn="l" rtl="0" fontAlgn="base">
+      <a:lvl1pPr algn="l" defTabSz="457200" rtl="0" eaLnBrk="1" latinLnBrk="0" hangingPunct="1">
         <a:spcBef>
           <a:spcPct val="0"/>
         </a:spcBef>
-        <a:spcAft>
-          <a:spcPct val="0"/>
-        </a:spcAft>
-        <a:defRPr sz="3600" kern="1200">
+        <a:buNone/>
+        <a:defRPr sz="4200" b="0" i="0" kern="1200">
           <a:solidFill>
-            <a:schemeClr val="bg1"/>
+            <a:schemeClr val="tx2"/>
           </a:solidFill>
           <a:latin typeface="+mj-lt"/>
           <a:ea typeface="+mj-ea"/>
           <a:cs typeface="+mj-cs"/>
         </a:defRPr>
       </a:lvl1pPr>
-      <a:lvl2pPr algn="l" rtl="0" fontAlgn="base">
-        <a:spcBef>
-          <a:spcPct val="0"/>
-        </a:spcBef>
-        <a:spcAft>
-          <a:spcPct val="0"/>
-        </a:spcAft>
-        <a:defRPr sz="3600">
+      <a:lvl2pPr eaLnBrk="1" hangingPunct="1">
+        <a:defRPr>
           <a:solidFill>
-            <a:schemeClr val="bg1"/>
+            <a:schemeClr val="tx2"/>
           </a:solidFill>
-          <a:latin typeface="Arial" panose="020B0604020202020204" pitchFamily="34" charset="0"/>
-          <a:ea typeface="SimSun" panose="02010600030101010101" pitchFamily="2" charset="-122"/>
         </a:defRPr>
       </a:lvl2pPr>
-      <a:lvl3pPr algn="l" rtl="0" fontAlgn="base">
-        <a:spcBef>
-          <a:spcPct val="0"/>
-        </a:spcBef>
-        <a:spcAft>
-          <a:spcPct val="0"/>
-        </a:spcAft>
-        <a:defRPr sz="3600">
+      <a:lvl3pPr eaLnBrk="1" hangingPunct="1">
+        <a:defRPr>
           <a:solidFill>
-            <a:schemeClr val="bg1"/>
+            <a:schemeClr val="tx2"/>
           </a:solidFill>
-          <a:latin typeface="Arial" panose="020B0604020202020204" pitchFamily="34" charset="0"/>
-          <a:ea typeface="SimSun" panose="02010600030101010101" pitchFamily="2" charset="-122"/>
         </a:defRPr>
       </a:lvl3pPr>
-      <a:lvl4pPr algn="l" rtl="0" fontAlgn="base">
-        <a:spcBef>
-          <a:spcPct val="0"/>
-        </a:spcBef>
-        <a:spcAft>
-          <a:spcPct val="0"/>
-        </a:spcAft>
-        <a:defRPr sz="3600">
+      <a:lvl4pPr eaLnBrk="1" hangingPunct="1">
+        <a:defRPr>
           <a:solidFill>
-            <a:schemeClr val="bg1"/>
+            <a:schemeClr val="tx2"/>
           </a:solidFill>
-          <a:latin typeface="Arial" panose="020B0604020202020204" pitchFamily="34" charset="0"/>
-          <a:ea typeface="SimSun" panose="02010600030101010101" pitchFamily="2" charset="-122"/>
         </a:defRPr>
       </a:lvl4pPr>
-      <a:lvl5pPr algn="l" rtl="0" fontAlgn="base">
-        <a:spcBef>
-          <a:spcPct val="0"/>
-        </a:spcBef>
-        <a:spcAft>
-          <a:spcPct val="0"/>
-        </a:spcAft>
-        <a:defRPr sz="3600">
+      <a:lvl5pPr eaLnBrk="1" hangingPunct="1">
+        <a:defRPr>
           <a:solidFill>
-            <a:schemeClr val="bg1"/>
+            <a:schemeClr val="tx2"/>
           </a:solidFill>
-          <a:latin typeface="Arial" panose="020B0604020202020204" pitchFamily="34" charset="0"/>
-          <a:ea typeface="SimSun" panose="02010600030101010101" pitchFamily="2" charset="-122"/>
         </a:defRPr>
       </a:lvl5pPr>
-      <a:lvl6pPr marL="457200" algn="l" rtl="0" fontAlgn="base">
-        <a:spcBef>
-          <a:spcPct val="0"/>
-        </a:spcBef>
-        <a:spcAft>
-          <a:spcPct val="0"/>
-        </a:spcAft>
-        <a:defRPr sz="3600">
+      <a:lvl6pPr eaLnBrk="1" hangingPunct="1">
+        <a:defRPr>
           <a:solidFill>
-            <a:schemeClr val="bg1"/>
+            <a:schemeClr val="tx2"/>
           </a:solidFill>
-          <a:latin typeface="Arial" panose="020B0604020202020204" pitchFamily="34" charset="0"/>
-          <a:ea typeface="SimSun" panose="02010600030101010101" pitchFamily="2" charset="-122"/>
         </a:defRPr>
       </a:lvl6pPr>
-      <a:lvl7pPr marL="914400" algn="l" rtl="0" fontAlgn="base">
-        <a:spcBef>
-          <a:spcPct val="0"/>
-        </a:spcBef>
-        <a:spcAft>
-          <a:spcPct val="0"/>
-        </a:spcAft>
-        <a:defRPr sz="3600">
+      <a:lvl7pPr eaLnBrk="1" hangingPunct="1">
+        <a:defRPr>
           <a:solidFill>
-            <a:schemeClr val="bg1"/>
+            <a:schemeClr val="tx2"/>
           </a:solidFill>
-          <a:latin typeface="Arial" panose="020B0604020202020204" pitchFamily="34" charset="0"/>
-          <a:ea typeface="SimSun" panose="02010600030101010101" pitchFamily="2" charset="-122"/>
         </a:defRPr>
       </a:lvl7pPr>
-      <a:lvl8pPr marL="1371600" algn="l" rtl="0" fontAlgn="base">
-        <a:spcBef>
-          <a:spcPct val="0"/>
-        </a:spcBef>
-        <a:spcAft>
-          <a:spcPct val="0"/>
-        </a:spcAft>
-        <a:defRPr sz="3600">
+      <a:lvl8pPr eaLnBrk="1" hangingPunct="1">
+        <a:defRPr>
           <a:solidFill>
-            <a:schemeClr val="bg1"/>
+            <a:schemeClr val="tx2"/>
           </a:solidFill>
-          <a:latin typeface="Arial" panose="020B0604020202020204" pitchFamily="34" charset="0"/>
-          <a:ea typeface="SimSun" panose="02010600030101010101" pitchFamily="2" charset="-122"/>
         </a:defRPr>
       </a:lvl8pPr>
-      <a:lvl9pPr marL="1828800" algn="l" rtl="0" fontAlgn="base">
-        <a:spcBef>
-          <a:spcPct val="0"/>
-        </a:spcBef>
-        <a:spcAft>
-          <a:spcPct val="0"/>
-        </a:spcAft>
-        <a:defRPr sz="3600">
+      <a:lvl9pPr eaLnBrk="1" hangingPunct="1">
+        <a:defRPr>
           <a:solidFill>
-            <a:schemeClr val="bg1"/>
+            <a:schemeClr val="tx2"/>
           </a:solidFill>
-          <a:latin typeface="Arial" panose="020B0604020202020204" pitchFamily="34" charset="0"/>
-          <a:ea typeface="SimSun" panose="02010600030101010101" pitchFamily="2" charset="-122"/>
         </a:defRPr>
       </a:lvl9pPr>
     </p:titleStyle>
     <p:bodyStyle>
-      <a:lvl1pPr marL="342900" indent="-342900" algn="l" rtl="0" fontAlgn="base">
+      <a:lvl1pPr marL="342900" indent="-342900" algn="l" defTabSz="457200" rtl="0" eaLnBrk="1" latinLnBrk="0" hangingPunct="1">
         <a:spcBef>
-          <a:spcPct val="20000"/>
+          <a:spcPts val="1000"/>
         </a:spcBef>
         <a:spcAft>
-          <a:spcPct val="0"/>
+          <a:spcPts val="0"/>
         </a:spcAft>
-        <a:buChar char="•"/>
-        <a:defRPr sz="3200" kern="1200">
+        <a:buClr>
+          <a:schemeClr val="bg2">
+            <a:lumMod val="40000"/>
+            <a:lumOff val="60000"/>
+          </a:schemeClr>
+        </a:buClr>
+        <a:buSzPct val="80000"/>
+        <a:buFont typeface="Wingdings 3" charset="2"/>
+        <a:buChar char=""/>
+        <a:defRPr sz="2000" b="0" i="0" kern="1200">
+          <a:solidFill>
+            <a:schemeClr val="tx1"/>
+          </a:solidFill>
+          <a:latin typeface="+mj-lt"/>
+          <a:ea typeface="+mj-ea"/>
+          <a:cs typeface="+mj-cs"/>
+        </a:defRPr>
+      </a:lvl1pPr>
+      <a:lvl2pPr marL="742950" indent="-285750" algn="l" defTabSz="457200" rtl="0" eaLnBrk="1" latinLnBrk="0" hangingPunct="1">
+        <a:spcBef>
+          <a:spcPts val="1000"/>
+        </a:spcBef>
+        <a:spcAft>
+          <a:spcPts val="0"/>
+        </a:spcAft>
+        <a:buClr>
+          <a:schemeClr val="bg2">
+            <a:lumMod val="40000"/>
+            <a:lumOff val="60000"/>
+          </a:schemeClr>
+        </a:buClr>
+        <a:buSzPct val="80000"/>
+        <a:buFont typeface="Wingdings 3" charset="2"/>
+        <a:buChar char=""/>
+        <a:defRPr sz="1800" b="0" i="0" kern="1200">
+          <a:solidFill>
+            <a:schemeClr val="tx1"/>
+          </a:solidFill>
+          <a:latin typeface="+mj-lt"/>
+          <a:ea typeface="+mj-ea"/>
+          <a:cs typeface="+mj-cs"/>
+        </a:defRPr>
+      </a:lvl2pPr>
+      <a:lvl3pPr marL="1143000" indent="-228600" algn="l" defTabSz="457200" rtl="0" eaLnBrk="1" latinLnBrk="0" hangingPunct="1">
+        <a:spcBef>
+          <a:spcPts val="1000"/>
+        </a:spcBef>
+        <a:spcAft>
+          <a:spcPts val="0"/>
+        </a:spcAft>
+        <a:buClr>
+          <a:schemeClr val="bg2">
+            <a:lumMod val="40000"/>
+            <a:lumOff val="60000"/>
+          </a:schemeClr>
+        </a:buClr>
+        <a:buSzPct val="80000"/>
+        <a:buFont typeface="Wingdings 3" charset="2"/>
+        <a:buChar char=""/>
+        <a:defRPr sz="1600" b="0" i="0" kern="1200">
+          <a:solidFill>
+            <a:schemeClr val="tx1"/>
+          </a:solidFill>
+          <a:latin typeface="+mj-lt"/>
+          <a:ea typeface="+mj-ea"/>
+          <a:cs typeface="+mj-cs"/>
+        </a:defRPr>
+      </a:lvl3pPr>
+      <a:lvl4pPr marL="1600200" indent="-228600" algn="l" defTabSz="457200" rtl="0" eaLnBrk="1" latinLnBrk="0" hangingPunct="1">
+        <a:spcBef>
+          <a:spcPts val="1000"/>
+        </a:spcBef>
+        <a:spcAft>
+          <a:spcPts val="0"/>
+        </a:spcAft>
+        <a:buClr>
+          <a:schemeClr val="bg2">
+            <a:lumMod val="40000"/>
+            <a:lumOff val="60000"/>
+          </a:schemeClr>
+        </a:buClr>
+        <a:buSzPct val="80000"/>
+        <a:buFont typeface="Wingdings 3" charset="2"/>
+        <a:buChar char=""/>
+        <a:defRPr sz="1400" b="0" i="0" kern="1200">
+          <a:solidFill>
+            <a:schemeClr val="tx1"/>
+          </a:solidFill>
+          <a:latin typeface="+mj-lt"/>
+          <a:ea typeface="+mj-ea"/>
+          <a:cs typeface="+mj-cs"/>
+        </a:defRPr>
+      </a:lvl4pPr>
+      <a:lvl5pPr marL="2057400" indent="-228600" algn="l" defTabSz="457200" rtl="0" eaLnBrk="1" latinLnBrk="0" hangingPunct="1">
+        <a:spcBef>
+          <a:spcPts val="1000"/>
+        </a:spcBef>
+        <a:spcAft>
+          <a:spcPts val="0"/>
+        </a:spcAft>
+        <a:buClr>
+          <a:schemeClr val="bg2">
+            <a:lumMod val="40000"/>
+            <a:lumOff val="60000"/>
+          </a:schemeClr>
+        </a:buClr>
+        <a:buSzPct val="80000"/>
+        <a:buFont typeface="Wingdings 3" charset="2"/>
+        <a:buChar char=""/>
+        <a:defRPr sz="1400" b="0" i="0" kern="1200">
+          <a:solidFill>
+            <a:schemeClr val="tx1"/>
+          </a:solidFill>
+          <a:latin typeface="+mj-lt"/>
+          <a:ea typeface="+mj-ea"/>
+          <a:cs typeface="+mj-cs"/>
+        </a:defRPr>
+      </a:lvl5pPr>
+      <a:lvl6pPr marL="2506000" indent="-228600" algn="l" defTabSz="457200" rtl="0" eaLnBrk="1" latinLnBrk="0" hangingPunct="1">
+        <a:spcBef>
+          <a:spcPts val="1000"/>
+        </a:spcBef>
+        <a:spcAft>
+          <a:spcPts val="0"/>
+        </a:spcAft>
+        <a:buClr>
+          <a:schemeClr val="bg2">
+            <a:lumMod val="40000"/>
+            <a:lumOff val="60000"/>
+          </a:schemeClr>
+        </a:buClr>
+        <a:buSzPct val="80000"/>
+        <a:buFont typeface="Wingdings 3" charset="2"/>
+        <a:buChar char=""/>
+        <a:defRPr sz="1400" b="0" i="0" kern="1200">
+          <a:solidFill>
+            <a:schemeClr val="tx1"/>
+          </a:solidFill>
+          <a:latin typeface="+mj-lt"/>
+          <a:ea typeface="+mj-ea"/>
+          <a:cs typeface="+mj-cs"/>
+        </a:defRPr>
+      </a:lvl6pPr>
+      <a:lvl7pPr marL="2971800" indent="-228600" algn="l" defTabSz="457200" rtl="0" eaLnBrk="1" latinLnBrk="0" hangingPunct="1">
+        <a:spcBef>
+          <a:spcPts val="1000"/>
+        </a:spcBef>
+        <a:spcAft>
+          <a:spcPts val="0"/>
+        </a:spcAft>
+        <a:buClr>
+          <a:schemeClr val="bg2">
+            <a:lumMod val="40000"/>
+            <a:lumOff val="60000"/>
+          </a:schemeClr>
+        </a:buClr>
+        <a:buSzPct val="80000"/>
+        <a:buFont typeface="Wingdings 3" charset="2"/>
+        <a:buChar char=""/>
+        <a:defRPr sz="1400" b="0" i="0" kern="1200">
+          <a:solidFill>
+            <a:schemeClr val="tx1"/>
+          </a:solidFill>
+          <a:latin typeface="+mj-lt"/>
+          <a:ea typeface="+mj-ea"/>
+          <a:cs typeface="+mj-cs"/>
+        </a:defRPr>
+      </a:lvl7pPr>
+      <a:lvl8pPr marL="3429000" indent="-228600" algn="l" defTabSz="457200" rtl="0" eaLnBrk="1" latinLnBrk="0" hangingPunct="1">
+        <a:spcBef>
+          <a:spcPts val="1000"/>
+        </a:spcBef>
+        <a:spcAft>
+          <a:spcPts val="0"/>
+        </a:spcAft>
+        <a:buClr>
+          <a:schemeClr val="bg2">
+            <a:lumMod val="40000"/>
+            <a:lumOff val="60000"/>
+          </a:schemeClr>
+        </a:buClr>
+        <a:buSzPct val="80000"/>
+        <a:buFont typeface="Wingdings 3" charset="2"/>
+        <a:buChar char=""/>
+        <a:defRPr sz="1400" b="0" i="0" kern="1200">
+          <a:solidFill>
+            <a:schemeClr val="tx1"/>
+          </a:solidFill>
+          <a:latin typeface="+mj-lt"/>
+          <a:ea typeface="+mj-ea"/>
+          <a:cs typeface="+mj-cs"/>
+        </a:defRPr>
+      </a:lvl8pPr>
+      <a:lvl9pPr marL="3886200" indent="-228600" algn="l" defTabSz="457200" rtl="0" eaLnBrk="1" latinLnBrk="0" hangingPunct="1">
+        <a:spcBef>
+          <a:spcPts val="1000"/>
+        </a:spcBef>
+        <a:spcAft>
+          <a:spcPts val="0"/>
+        </a:spcAft>
+        <a:buClr>
+          <a:schemeClr val="bg2">
+            <a:lumMod val="40000"/>
+            <a:lumOff val="60000"/>
+          </a:schemeClr>
+        </a:buClr>
+        <a:buSzPct val="80000"/>
+        <a:buFont typeface="Wingdings 3" charset="2"/>
+        <a:buChar char=""/>
+        <a:defRPr sz="1400" b="0" i="0" kern="1200">
+          <a:solidFill>
+            <a:schemeClr val="tx1"/>
+          </a:solidFill>
+          <a:latin typeface="+mj-lt"/>
+          <a:ea typeface="+mj-ea"/>
+          <a:cs typeface="+mj-cs"/>
+        </a:defRPr>
+      </a:lvl9pPr>
+    </p:bodyStyle>
+    <p:otherStyle>
+      <a:defPPr>
+        <a:defRPr lang="en-US"/>
+      </a:defPPr>
+      <a:lvl1pPr marL="0" algn="l" defTabSz="457200" rtl="0" eaLnBrk="1" latinLnBrk="0" hangingPunct="1">
+        <a:defRPr sz="1800" kern="1200">
           <a:solidFill>
             <a:schemeClr val="tx1"/>
           </a:solidFill>
@@ -3679,15 +6715,8 @@
           <a:cs typeface="+mn-cs"/>
         </a:defRPr>
       </a:lvl1pPr>
-      <a:lvl2pPr marL="742950" indent="-285750" algn="l" rtl="0" fontAlgn="base">
-        <a:spcBef>
-          <a:spcPct val="20000"/>
-        </a:spcBef>
-        <a:spcAft>
-          <a:spcPct val="0"/>
-        </a:spcAft>
-        <a:buChar char="–"/>
-        <a:defRPr sz="2800" kern="1200">
+      <a:lvl2pPr marL="457200" algn="l" defTabSz="457200" rtl="0" eaLnBrk="1" latinLnBrk="0" hangingPunct="1">
+        <a:defRPr sz="1800" kern="1200">
           <a:solidFill>
             <a:schemeClr val="tx1"/>
           </a:solidFill>
@@ -3696,15 +6725,8 @@
           <a:cs typeface="+mn-cs"/>
         </a:defRPr>
       </a:lvl2pPr>
-      <a:lvl3pPr marL="1143000" indent="-228600" algn="l" rtl="0" fontAlgn="base">
-        <a:spcBef>
-          <a:spcPct val="20000"/>
-        </a:spcBef>
-        <a:spcAft>
-          <a:spcPct val="0"/>
-        </a:spcAft>
-        <a:buChar char="•"/>
-        <a:defRPr sz="2400" kern="1200">
+      <a:lvl3pPr marL="914400" algn="l" defTabSz="457200" rtl="0" eaLnBrk="1" latinLnBrk="0" hangingPunct="1">
+        <a:defRPr sz="1800" kern="1200">
           <a:solidFill>
             <a:schemeClr val="tx1"/>
           </a:solidFill>
@@ -3713,15 +6735,8 @@
           <a:cs typeface="+mn-cs"/>
         </a:defRPr>
       </a:lvl3pPr>
-      <a:lvl4pPr marL="1600200" indent="-228600" algn="l" rtl="0" fontAlgn="base">
-        <a:spcBef>
-          <a:spcPct val="20000"/>
-        </a:spcBef>
-        <a:spcAft>
-          <a:spcPct val="0"/>
-        </a:spcAft>
-        <a:buChar char="–"/>
-        <a:defRPr sz="2000" kern="1200">
+      <a:lvl4pPr marL="1371600" algn="l" defTabSz="457200" rtl="0" eaLnBrk="1" latinLnBrk="0" hangingPunct="1">
+        <a:defRPr sz="1800" kern="1200">
           <a:solidFill>
             <a:schemeClr val="tx1"/>
           </a:solidFill>
@@ -3730,15 +6745,8 @@
           <a:cs typeface="+mn-cs"/>
         </a:defRPr>
       </a:lvl4pPr>
-      <a:lvl5pPr marL="2057400" indent="-228600" algn="l" rtl="0" fontAlgn="base">
-        <a:spcBef>
-          <a:spcPct val="20000"/>
-        </a:spcBef>
-        <a:spcAft>
-          <a:spcPct val="0"/>
-        </a:spcAft>
-        <a:buChar char="»"/>
-        <a:defRPr sz="2000" kern="1200">
+      <a:lvl5pPr marL="1828800" algn="l" defTabSz="457200" rtl="0" eaLnBrk="1" latinLnBrk="0" hangingPunct="1">
+        <a:defRPr sz="1800" kern="1200">
           <a:solidFill>
             <a:schemeClr val="tx1"/>
           </a:solidFill>
@@ -3747,15 +6755,7 @@
           <a:cs typeface="+mn-cs"/>
         </a:defRPr>
       </a:lvl5pPr>
-      <a:lvl6pPr marL="2514600" indent="-228600" algn="l" defTabSz="914400" rtl="0" eaLnBrk="1" latinLnBrk="0" hangingPunct="1">
-        <a:lnSpc>
-          <a:spcPct val="90000"/>
-        </a:lnSpc>
-        <a:spcBef>
-          <a:spcPts val="500"/>
-        </a:spcBef>
-        <a:buFont typeface="Arial" panose="020B0604020202020204" pitchFamily="34" charset="0"/>
-        <a:buChar char="•"/>
+      <a:lvl6pPr marL="2286000" algn="l" defTabSz="457200" rtl="0" eaLnBrk="1" latinLnBrk="0" hangingPunct="1">
         <a:defRPr sz="1800" kern="1200">
           <a:solidFill>
             <a:schemeClr val="tx1"/>
@@ -3765,15 +6765,7 @@
           <a:cs typeface="+mn-cs"/>
         </a:defRPr>
       </a:lvl6pPr>
-      <a:lvl7pPr marL="2971800" indent="-228600" algn="l" defTabSz="914400" rtl="0" eaLnBrk="1" latinLnBrk="0" hangingPunct="1">
-        <a:lnSpc>
-          <a:spcPct val="90000"/>
-        </a:lnSpc>
-        <a:spcBef>
-          <a:spcPts val="500"/>
-        </a:spcBef>
-        <a:buFont typeface="Arial" panose="020B0604020202020204" pitchFamily="34" charset="0"/>
-        <a:buChar char="•"/>
+      <a:lvl7pPr marL="2743200" algn="l" defTabSz="457200" rtl="0" eaLnBrk="1" latinLnBrk="0" hangingPunct="1">
         <a:defRPr sz="1800" kern="1200">
           <a:solidFill>
             <a:schemeClr val="tx1"/>
@@ -3783,15 +6775,7 @@
           <a:cs typeface="+mn-cs"/>
         </a:defRPr>
       </a:lvl7pPr>
-      <a:lvl8pPr marL="3429000" indent="-228600" algn="l" defTabSz="914400" rtl="0" eaLnBrk="1" latinLnBrk="0" hangingPunct="1">
-        <a:lnSpc>
-          <a:spcPct val="90000"/>
-        </a:lnSpc>
-        <a:spcBef>
-          <a:spcPts val="500"/>
-        </a:spcBef>
-        <a:buFont typeface="Arial" panose="020B0604020202020204" pitchFamily="34" charset="0"/>
-        <a:buChar char="•"/>
+      <a:lvl8pPr marL="3200400" algn="l" defTabSz="457200" rtl="0" eaLnBrk="1" latinLnBrk="0" hangingPunct="1">
         <a:defRPr sz="1800" kern="1200">
           <a:solidFill>
             <a:schemeClr val="tx1"/>
@@ -3801,110 +6785,7 @@
           <a:cs typeface="+mn-cs"/>
         </a:defRPr>
       </a:lvl8pPr>
-      <a:lvl9pPr marL="3886200" indent="-228600" algn="l" defTabSz="914400" rtl="0" eaLnBrk="1" latinLnBrk="0" hangingPunct="1">
-        <a:lnSpc>
-          <a:spcPct val="90000"/>
-        </a:lnSpc>
-        <a:spcBef>
-          <a:spcPts val="500"/>
-        </a:spcBef>
-        <a:buFont typeface="Arial" panose="020B0604020202020204" pitchFamily="34" charset="0"/>
-        <a:buChar char="•"/>
-        <a:defRPr sz="1800" kern="1200">
-          <a:solidFill>
-            <a:schemeClr val="tx1"/>
-          </a:solidFill>
-          <a:latin typeface="+mn-lt"/>
-          <a:ea typeface="+mn-ea"/>
-          <a:cs typeface="+mn-cs"/>
-        </a:defRPr>
-      </a:lvl9pPr>
-    </p:bodyStyle>
-    <p:otherStyle>
-      <a:defPPr>
-        <a:defRPr lang="en-US"/>
-      </a:defPPr>
-      <a:lvl1pPr marL="0" algn="l" defTabSz="914400" rtl="0" eaLnBrk="1" latinLnBrk="0" hangingPunct="1">
-        <a:defRPr sz="1800" kern="1200">
-          <a:solidFill>
-            <a:schemeClr val="tx1"/>
-          </a:solidFill>
-          <a:latin typeface="+mn-lt"/>
-          <a:ea typeface="+mn-ea"/>
-          <a:cs typeface="+mn-cs"/>
-        </a:defRPr>
-      </a:lvl1pPr>
-      <a:lvl2pPr marL="457200" algn="l" defTabSz="914400" rtl="0" eaLnBrk="1" latinLnBrk="0" hangingPunct="1">
-        <a:defRPr sz="1800" kern="1200">
-          <a:solidFill>
-            <a:schemeClr val="tx1"/>
-          </a:solidFill>
-          <a:latin typeface="+mn-lt"/>
-          <a:ea typeface="+mn-ea"/>
-          <a:cs typeface="+mn-cs"/>
-        </a:defRPr>
-      </a:lvl2pPr>
-      <a:lvl3pPr marL="914400" algn="l" defTabSz="914400" rtl="0" eaLnBrk="1" latinLnBrk="0" hangingPunct="1">
-        <a:defRPr sz="1800" kern="1200">
-          <a:solidFill>
-            <a:schemeClr val="tx1"/>
-          </a:solidFill>
-          <a:latin typeface="+mn-lt"/>
-          <a:ea typeface="+mn-ea"/>
-          <a:cs typeface="+mn-cs"/>
-        </a:defRPr>
-      </a:lvl3pPr>
-      <a:lvl4pPr marL="1371600" algn="l" defTabSz="914400" rtl="0" eaLnBrk="1" latinLnBrk="0" hangingPunct="1">
-        <a:defRPr sz="1800" kern="1200">
-          <a:solidFill>
-            <a:schemeClr val="tx1"/>
-          </a:solidFill>
-          <a:latin typeface="+mn-lt"/>
-          <a:ea typeface="+mn-ea"/>
-          <a:cs typeface="+mn-cs"/>
-        </a:defRPr>
-      </a:lvl4pPr>
-      <a:lvl5pPr marL="1828800" algn="l" defTabSz="914400" rtl="0" eaLnBrk="1" latinLnBrk="0" hangingPunct="1">
-        <a:defRPr sz="1800" kern="1200">
-          <a:solidFill>
-            <a:schemeClr val="tx1"/>
-          </a:solidFill>
-          <a:latin typeface="+mn-lt"/>
-          <a:ea typeface="+mn-ea"/>
-          <a:cs typeface="+mn-cs"/>
-        </a:defRPr>
-      </a:lvl5pPr>
-      <a:lvl6pPr marL="2286000" algn="l" defTabSz="914400" rtl="0" eaLnBrk="1" latinLnBrk="0" hangingPunct="1">
-        <a:defRPr sz="1800" kern="1200">
-          <a:solidFill>
-            <a:schemeClr val="tx1"/>
-          </a:solidFill>
-          <a:latin typeface="+mn-lt"/>
-          <a:ea typeface="+mn-ea"/>
-          <a:cs typeface="+mn-cs"/>
-        </a:defRPr>
-      </a:lvl6pPr>
-      <a:lvl7pPr marL="2743200" algn="l" defTabSz="914400" rtl="0" eaLnBrk="1" latinLnBrk="0" hangingPunct="1">
-        <a:defRPr sz="1800" kern="1200">
-          <a:solidFill>
-            <a:schemeClr val="tx1"/>
-          </a:solidFill>
-          <a:latin typeface="+mn-lt"/>
-          <a:ea typeface="+mn-ea"/>
-          <a:cs typeface="+mn-cs"/>
-        </a:defRPr>
-      </a:lvl7pPr>
-      <a:lvl8pPr marL="3200400" algn="l" defTabSz="914400" rtl="0" eaLnBrk="1" latinLnBrk="0" hangingPunct="1">
-        <a:defRPr sz="1800" kern="1200">
-          <a:solidFill>
-            <a:schemeClr val="tx1"/>
-          </a:solidFill>
-          <a:latin typeface="+mn-lt"/>
-          <a:ea typeface="+mn-ea"/>
-          <a:cs typeface="+mn-cs"/>
-        </a:defRPr>
-      </a:lvl8pPr>
-      <a:lvl9pPr marL="3657600" algn="l" defTabSz="914400" rtl="0" eaLnBrk="1" latinLnBrk="0" hangingPunct="1">
+      <a:lvl9pPr marL="3657600" algn="l" defTabSz="457200" rtl="0" eaLnBrk="1" latinLnBrk="0" hangingPunct="1">
         <a:defRPr sz="1800" kern="1200">
           <a:solidFill>
             <a:schemeClr val="tx1"/>
@@ -3946,13 +6827,18 @@
             <p:ph type="ctrTitle"/>
           </p:nvPr>
         </p:nvSpPr>
-        <p:spPr/>
+        <p:spPr>
+          <a:xfrm>
+            <a:off x="1154955" y="448464"/>
+            <a:ext cx="8825658" cy="3329581"/>
+          </a:xfrm>
+        </p:spPr>
         <p:txBody>
           <a:bodyPr/>
           <a:lstStyle/>
           <a:p>
             <a:r>
-              <a:rPr lang="en-US" dirty="0"/>
+              <a:rPr lang="en-US" sz="9100" dirty="0"/>
               <a:t>Web Traffic Prediction with </a:t>
             </a:r>
           </a:p>
@@ -3968,25 +6854,32 @@
             <p:ph type="subTitle" idx="1"/>
           </p:nvPr>
         </p:nvSpPr>
-        <p:spPr/>
-        <p:txBody>
-          <a:bodyPr/>
+        <p:spPr>
+          <a:xfrm>
+            <a:off x="1154955" y="3778045"/>
+            <a:ext cx="8825658" cy="861420"/>
+          </a:xfrm>
+        </p:spPr>
+        <p:txBody>
+          <a:bodyPr>
+            <a:noAutofit/>
+          </a:bodyPr>
           <a:lstStyle/>
           <a:p>
             <a:r>
-              <a:rPr lang="en-US" dirty="0"/>
+              <a:rPr lang="en-US" sz="4000" dirty="0"/>
               <a:t>Machine Learning</a:t>
             </a:r>
           </a:p>
           <a:p>
             <a:r>
-              <a:rPr lang="en-US" dirty="0"/>
+              <a:rPr lang="en-US" sz="4000" dirty="0"/>
               <a:t>using</a:t>
             </a:r>
           </a:p>
           <a:p>
             <a:r>
-              <a:rPr lang="en-US" dirty="0"/>
+              <a:rPr lang="en-US" sz="4000" dirty="0"/>
               <a:t>Python</a:t>
             </a:r>
           </a:p>
@@ -4119,12 +7012,7 @@
             <p:ph type="title"/>
           </p:nvPr>
         </p:nvSpPr>
-        <p:spPr>
-          <a:xfrm>
-            <a:off x="609600" y="190500"/>
-            <a:ext cx="10972800" cy="582613"/>
-          </a:xfrm>
-        </p:spPr>
+        <p:spPr/>
         <p:txBody>
           <a:bodyPr/>
           <a:lstStyle/>
@@ -4165,8 +7053,8 @@
         </p:blipFill>
         <p:spPr>
           <a:xfrm>
-            <a:off x="2249869" y="1159770"/>
-            <a:ext cx="7692262" cy="5241030"/>
+            <a:off x="2249869" y="1636214"/>
+            <a:ext cx="6992985" cy="4764586"/>
           </a:xfrm>
           <a:prstGeom prst="rect">
             <a:avLst/>
@@ -4259,8 +7147,8 @@
         </p:blipFill>
         <p:spPr>
           <a:xfrm>
-            <a:off x="1904618" y="1229705"/>
-            <a:ext cx="7224593" cy="4896109"/>
+            <a:off x="1941689" y="1643903"/>
+            <a:ext cx="6868679" cy="4654906"/>
           </a:xfrm>
           <a:prstGeom prst="rect">
             <a:avLst/>
@@ -4442,12 +7330,7 @@
             <p:ph type="title"/>
           </p:nvPr>
         </p:nvSpPr>
-        <p:spPr>
-          <a:xfrm>
-            <a:off x="609600" y="190500"/>
-            <a:ext cx="10972800" cy="582613"/>
-          </a:xfrm>
-        </p:spPr>
+        <p:spPr/>
         <p:txBody>
           <a:bodyPr/>
           <a:lstStyle/>
@@ -4488,8 +7371,8 @@
         </p:blipFill>
         <p:spPr>
           <a:xfrm>
-            <a:off x="2124415" y="1048429"/>
-            <a:ext cx="7316867" cy="5487650"/>
+            <a:off x="2124415" y="1512347"/>
+            <a:ext cx="6698309" cy="5023732"/>
           </a:xfrm>
           <a:prstGeom prst="rect">
             <a:avLst/>
@@ -4708,7 +7591,7 @@
         </p:blipFill>
         <p:spPr>
           <a:xfrm>
-            <a:off x="609600" y="1273817"/>
+            <a:off x="646111" y="1582736"/>
             <a:ext cx="10755226" cy="4515480"/>
           </a:xfrm>
           <a:prstGeom prst="rect">
@@ -4792,7 +7675,7 @@
         </p:nvSpPr>
         <p:spPr>
           <a:xfrm>
-            <a:off x="609600" y="1300010"/>
+            <a:off x="573089" y="2189697"/>
             <a:ext cx="10972800" cy="4953000"/>
           </a:xfrm>
         </p:spPr>
@@ -4883,74 +7766,6 @@
           </a:p>
         </p:txBody>
       </p:sp>
-      <p:sp>
-        <p:nvSpPr>
-          <p:cNvPr id="6" name="TextBox 5">
-            <a:extLst>
-              <a:ext uri="{FF2B5EF4-FFF2-40B4-BE49-F238E27FC236}">
-                <a16:creationId xmlns:a16="http://schemas.microsoft.com/office/drawing/2014/main" id="{9DF50C46-E8E7-4E5E-91E5-9D44F29DD666}"/>
-              </a:ext>
-            </a:extLst>
-          </p:cNvPr>
-          <p:cNvSpPr txBox="1"/>
-          <p:nvPr/>
-        </p:nvSpPr>
-        <p:spPr>
-          <a:xfrm>
-            <a:off x="1166888" y="3429000"/>
-            <a:ext cx="10169165" cy="3046988"/>
-          </a:xfrm>
-          <a:prstGeom prst="rect">
-            <a:avLst/>
-          </a:prstGeom>
-          <a:noFill/>
-        </p:spPr>
-        <p:txBody>
-          <a:bodyPr wrap="square" rtlCol="0">
-            <a:spAutoFit/>
-          </a:bodyPr>
-          <a:lstStyle/>
-          <a:p>
-            <a:endParaRPr lang="en-US" sz="2400" dirty="0"/>
-          </a:p>
-          <a:p>
-            <a:r>
-              <a:rPr lang="en-US" sz="2400" dirty="0"/>
-              <a:t>Using the scipy.describe() function we can analyze our data as shown above:- </a:t>
-            </a:r>
-          </a:p>
-          <a:p>
-            <a:r>
-              <a:rPr lang="en-US" sz="2400" dirty="0"/>
-              <a:t>Minimum value = 382</a:t>
-            </a:r>
-          </a:p>
-          <a:p>
-            <a:r>
-              <a:rPr lang="en-US" sz="2400" dirty="0"/>
-              <a:t>Maximum value = 2801</a:t>
-            </a:r>
-          </a:p>
-          <a:p>
-            <a:r>
-              <a:rPr lang="en-US" sz="2400" dirty="0"/>
-              <a:t>Mean = 963.331</a:t>
-            </a:r>
-          </a:p>
-          <a:p>
-            <a:r>
-              <a:rPr lang="en-US" sz="2400" dirty="0"/>
-              <a:t>Variance = 153580.782</a:t>
-            </a:r>
-          </a:p>
-          <a:p>
-            <a:r>
-              <a:rPr lang="en-US" sz="2400" dirty="0"/>
-              <a:t>Standard Deviation = 391.893 (Square root of Variance)</a:t>
-            </a:r>
-          </a:p>
-        </p:txBody>
-      </p:sp>
       <p:pic>
         <p:nvPicPr>
           <p:cNvPr id="18" name="Content Placeholder 17">
@@ -4986,6 +7801,74 @@
           </a:xfrm>
         </p:spPr>
       </p:pic>
+      <p:sp>
+        <p:nvSpPr>
+          <p:cNvPr id="6" name="TextBox 5">
+            <a:extLst>
+              <a:ext uri="{FF2B5EF4-FFF2-40B4-BE49-F238E27FC236}">
+                <a16:creationId xmlns:a16="http://schemas.microsoft.com/office/drawing/2014/main" id="{9DF50C46-E8E7-4E5E-91E5-9D44F29DD666}"/>
+              </a:ext>
+            </a:extLst>
+          </p:cNvPr>
+          <p:cNvSpPr txBox="1"/>
+          <p:nvPr/>
+        </p:nvSpPr>
+        <p:spPr>
+          <a:xfrm>
+            <a:off x="1166888" y="3429000"/>
+            <a:ext cx="10169165" cy="3046988"/>
+          </a:xfrm>
+          <a:prstGeom prst="rect">
+            <a:avLst/>
+          </a:prstGeom>
+          <a:noFill/>
+        </p:spPr>
+        <p:txBody>
+          <a:bodyPr wrap="square" rtlCol="0">
+            <a:spAutoFit/>
+          </a:bodyPr>
+          <a:lstStyle/>
+          <a:p>
+            <a:endParaRPr lang="en-US" sz="2400" dirty="0"/>
+          </a:p>
+          <a:p>
+            <a:r>
+              <a:rPr lang="en-US" sz="2400" dirty="0"/>
+              <a:t>Using the scipy.describe() function we can analyze our data as shown above:- </a:t>
+            </a:r>
+          </a:p>
+          <a:p>
+            <a:r>
+              <a:rPr lang="en-US" sz="2400" dirty="0"/>
+              <a:t>Minimum value = 382</a:t>
+            </a:r>
+          </a:p>
+          <a:p>
+            <a:r>
+              <a:rPr lang="en-US" sz="2400" dirty="0"/>
+              <a:t>Maximum value = 2801</a:t>
+            </a:r>
+          </a:p>
+          <a:p>
+            <a:r>
+              <a:rPr lang="en-US" sz="2400" dirty="0"/>
+              <a:t>Mean = 963.331</a:t>
+            </a:r>
+          </a:p>
+          <a:p>
+            <a:r>
+              <a:rPr lang="en-US" sz="2400" dirty="0"/>
+              <a:t>Variance = 153580.782</a:t>
+            </a:r>
+          </a:p>
+          <a:p>
+            <a:r>
+              <a:rPr lang="en-US" sz="2400" dirty="0"/>
+              <a:t>Standard Deviation = 391.893 (Square root of Variance)</a:t>
+            </a:r>
+          </a:p>
+        </p:txBody>
+      </p:sp>
     </p:spTree>
     <p:extLst>
       <p:ext uri="{BB962C8B-B14F-4D97-AF65-F5344CB8AC3E}">
@@ -5032,7 +7915,12 @@
             <p:ph type="title"/>
           </p:nvPr>
         </p:nvSpPr>
-        <p:spPr/>
+        <p:spPr>
+          <a:xfrm>
+            <a:off x="571971" y="539216"/>
+            <a:ext cx="10474970" cy="1400530"/>
+          </a:xfrm>
+        </p:spPr>
         <p:txBody>
           <a:bodyPr/>
           <a:lstStyle/>
@@ -5074,7 +7962,7 @@
         </p:blipFill>
         <p:spPr>
           <a:xfrm>
-            <a:off x="2054269" y="1766692"/>
+            <a:off x="2029556" y="2273319"/>
             <a:ext cx="7240043" cy="3613259"/>
           </a:xfrm>
         </p:spPr>
@@ -5125,14 +8013,19 @@
             <p:ph type="title"/>
           </p:nvPr>
         </p:nvSpPr>
-        <p:spPr/>
+        <p:spPr>
+          <a:xfrm>
+            <a:off x="396020" y="539215"/>
+            <a:ext cx="10304932" cy="1400530"/>
+          </a:xfrm>
+        </p:spPr>
         <p:txBody>
           <a:bodyPr/>
           <a:lstStyle/>
           <a:p>
             <a:r>
               <a:rPr lang="en-US" dirty="0"/>
-              <a:t>Plotting data after Outlier Treatment :</a:t>
+              <a:t>Plotting data after Outliers Treatment :</a:t>
             </a:r>
           </a:p>
         </p:txBody>
@@ -5167,8 +8060,8 @@
         </p:blipFill>
         <p:spPr>
           <a:xfrm>
-            <a:off x="2518428" y="1300010"/>
-            <a:ext cx="6604000" cy="4953000"/>
+            <a:off x="2901487" y="2177509"/>
+            <a:ext cx="5637031" cy="4227773"/>
           </a:xfrm>
         </p:spPr>
       </p:pic>
@@ -5204,6 +8097,34 @@
       </p:grpSpPr>
       <p:sp>
         <p:nvSpPr>
+          <p:cNvPr id="6" name="Title 3">
+            <a:extLst>
+              <a:ext uri="{FF2B5EF4-FFF2-40B4-BE49-F238E27FC236}">
+                <a16:creationId xmlns:a16="http://schemas.microsoft.com/office/drawing/2014/main" id="{6F0DD2D3-65AA-44A5-A30E-3B2A4B489210}"/>
+              </a:ext>
+            </a:extLst>
+          </p:cNvPr>
+          <p:cNvSpPr>
+            <a:spLocks noGrp="1"/>
+          </p:cNvSpPr>
+          <p:nvPr>
+            <p:ph type="title"/>
+          </p:nvPr>
+        </p:nvSpPr>
+        <p:spPr/>
+        <p:txBody>
+          <a:bodyPr/>
+          <a:lstStyle/>
+          <a:p>
+            <a:r>
+              <a:rPr lang="en-US" sz="5000" dirty="0"/>
+              <a:t>Project Objective :</a:t>
+            </a:r>
+          </a:p>
+        </p:txBody>
+      </p:sp>
+      <p:sp>
+        <p:nvSpPr>
           <p:cNvPr id="3" name="Content Placeholder 2">
             <a:extLst>
               <a:ext uri="{FF2B5EF4-FFF2-40B4-BE49-F238E27FC236}">
@@ -5225,68 +8146,37 @@
           </a:xfrm>
         </p:spPr>
         <p:txBody>
-          <a:bodyPr/>
+          <a:bodyPr>
+            <a:normAutofit/>
+          </a:bodyPr>
           <a:lstStyle/>
           <a:p>
             <a:pPr marL="0" indent="0" algn="ctr">
               <a:buNone/>
             </a:pPr>
             <a:r>
-              <a:rPr lang="en-IN" dirty="0"/>
+              <a:rPr lang="en-IN" sz="2500" dirty="0"/>
               <a:t>To determine the no. of servers required by any particular website on a day in the future by predicting the web traffic in the future using the past web traffic data.</a:t>
             </a:r>
-            <a:endParaRPr lang="en-US" dirty="0"/>
+            <a:endParaRPr lang="en-US" sz="2500" dirty="0"/>
           </a:p>
           <a:p>
             <a:pPr marL="0" indent="0" algn="ctr">
               <a:buNone/>
             </a:pPr>
-            <a:endParaRPr lang="en-US" dirty="0"/>
+            <a:endParaRPr lang="en-US" sz="2500" dirty="0"/>
           </a:p>
           <a:p>
             <a:pPr marL="0" indent="0" algn="ctr">
               <a:buNone/>
             </a:pPr>
-            <a:endParaRPr lang="en-US" dirty="0"/>
+            <a:endParaRPr lang="en-US" sz="2500" dirty="0"/>
           </a:p>
           <a:p>
             <a:pPr marL="0" indent="0" algn="ctr">
               <a:buNone/>
             </a:pPr>
-            <a:endParaRPr lang="en-US" dirty="0"/>
-          </a:p>
-        </p:txBody>
-      </p:sp>
-      <p:sp>
-        <p:nvSpPr>
-          <p:cNvPr id="6" name="Title 3">
-            <a:extLst>
-              <a:ext uri="{FF2B5EF4-FFF2-40B4-BE49-F238E27FC236}">
-                <a16:creationId xmlns:a16="http://schemas.microsoft.com/office/drawing/2014/main" id="{6F0DD2D3-65AA-44A5-A30E-3B2A4B489210}"/>
-              </a:ext>
-            </a:extLst>
-          </p:cNvPr>
-          <p:cNvSpPr>
-            <a:spLocks noGrp="1"/>
-          </p:cNvSpPr>
-          <p:nvPr>
-            <p:ph type="title"/>
-          </p:nvPr>
-        </p:nvSpPr>
-        <p:spPr>
-          <a:xfrm>
-            <a:off x="609600" y="190500"/>
-            <a:ext cx="10972800" cy="582613"/>
-          </a:xfrm>
-        </p:spPr>
-        <p:txBody>
-          <a:bodyPr/>
-          <a:lstStyle/>
-          <a:p>
-            <a:r>
-              <a:rPr lang="en-US" dirty="0"/>
-              <a:t>Project Objective :</a:t>
-            </a:r>
+            <a:endParaRPr lang="en-US" sz="2500" dirty="0"/>
           </a:p>
         </p:txBody>
       </p:sp>
@@ -5505,15 +8395,7 @@
             </a:pPr>
             <a:r>
               <a:rPr lang="en-US" dirty="0"/>
-              <a:t>In linear regression, the model targets to get the best-fit regression line to predict the value of y based on the given input value (x). While training the model, the model calculates the cost function which measures the Root Mean Squared error between the predicted value (</a:t>
-            </a:r>
-            <a:r>
-              <a:rPr lang="en-US" dirty="0" err="1"/>
-              <a:t>pred</a:t>
-            </a:r>
-            <a:r>
-              <a:rPr lang="en-US" dirty="0"/>
-              <a:t>) and true value (y). The model targets to minimize the cost function.</a:t>
+              <a:t>In linear regression, the model targets to get the best-fit regression line to predict the value of y based on the given input value (x). While training the model, the model calculates the cost function which measures the Root Mean Squared error between the predicted value and true value (y). The model targets to minimize the cost function.</a:t>
             </a:r>
           </a:p>
           <a:p>
@@ -5731,7 +8613,13 @@
           </a:lstStyle>
           <a:p>
             <a:r>
-              <a:rPr lang="en-US" dirty="0"/>
+              <a:rPr lang="en-US" dirty="0">
+                <a:solidFill>
+                  <a:schemeClr val="tx1">
+                    <a:lumMod val="85000"/>
+                  </a:schemeClr>
+                </a:solidFill>
+              </a:rPr>
               <a:t>Working of Gradient Descent:</a:t>
             </a:r>
           </a:p>
@@ -6004,7 +8892,13 @@
           </a:lstStyle>
           <a:p>
             <a:r>
-              <a:rPr lang="en-US" dirty="0"/>
+              <a:rPr lang="en-US" dirty="0">
+                <a:solidFill>
+                  <a:schemeClr val="tx1">
+                    <a:lumMod val="85000"/>
+                  </a:schemeClr>
+                </a:solidFill>
+              </a:rPr>
               <a:t>Gradient Descent Formulae:</a:t>
             </a:r>
           </a:p>
@@ -6205,7 +9099,13 @@
           </a:lstStyle>
           <a:p>
             <a:r>
-              <a:rPr lang="en-US" dirty="0"/>
+              <a:rPr lang="en-US" dirty="0">
+                <a:solidFill>
+                  <a:schemeClr val="tx1">
+                    <a:lumMod val="85000"/>
+                  </a:schemeClr>
+                </a:solidFill>
+              </a:rPr>
               <a:t>Gradient Descent V/S Loss:</a:t>
             </a:r>
           </a:p>
@@ -6323,20 +9223,22 @@
         </p:nvSpPr>
         <p:spPr/>
         <p:txBody>
-          <a:bodyPr/>
+          <a:bodyPr>
+            <a:normAutofit/>
+          </a:bodyPr>
           <a:lstStyle/>
           <a:p>
             <a:pPr marL="0" indent="0">
               <a:buNone/>
             </a:pPr>
-            <a:endParaRPr lang="en-US" dirty="0"/>
+            <a:endParaRPr lang="en-US" sz="3000" dirty="0"/>
           </a:p>
           <a:p>
             <a:pPr marL="0" indent="0">
               <a:buNone/>
             </a:pPr>
             <a:r>
-              <a:rPr lang="en-US" dirty="0"/>
+              <a:rPr lang="en-US" sz="3000" dirty="0"/>
               <a:t>Using the Mean Squared Error or the L2 loss function </a:t>
             </a:r>
           </a:p>
@@ -6344,14 +9246,14 @@
             <a:pPr marL="0" indent="0">
               <a:buNone/>
             </a:pPr>
-            <a:endParaRPr lang="en-US" dirty="0"/>
+            <a:endParaRPr lang="en-US" sz="3000" dirty="0"/>
           </a:p>
           <a:p>
             <a:pPr marL="0" indent="0">
               <a:buNone/>
             </a:pPr>
             <a:r>
-              <a:rPr lang="en-US" dirty="0"/>
+              <a:rPr lang="en-US" sz="3000" dirty="0"/>
               <a:t>def error(f, x, y):</a:t>
             </a:r>
           </a:p>
@@ -6360,7 +9262,7 @@
               <a:buNone/>
             </a:pPr>
             <a:r>
-              <a:rPr lang="en-US" dirty="0"/>
+              <a:rPr lang="en-US" sz="3000" dirty="0"/>
               <a:t>	return sp.sum((f(x)-y)**2)</a:t>
             </a:r>
           </a:p>
@@ -6368,13 +9270,13 @@
             <a:pPr marL="0" indent="0">
               <a:buNone/>
             </a:pPr>
-            <a:endParaRPr lang="en-US" dirty="0"/>
+            <a:endParaRPr lang="en-US" sz="3000" dirty="0"/>
           </a:p>
           <a:p>
             <a:pPr marL="0" indent="0">
               <a:buNone/>
             </a:pPr>
-            <a:endParaRPr lang="en-US" dirty="0"/>
+            <a:endParaRPr lang="en-US" sz="3000" dirty="0"/>
           </a:p>
         </p:txBody>
       </p:sp>
@@ -6426,8 +9328,8 @@
         </p:nvSpPr>
         <p:spPr>
           <a:xfrm>
-            <a:off x="609600" y="190500"/>
-            <a:ext cx="10972800" cy="582613"/>
+            <a:off x="300122" y="448634"/>
+            <a:ext cx="10697392" cy="1400530"/>
           </a:xfrm>
         </p:spPr>
         <p:txBody>
@@ -6436,7 +9338,7 @@
           <a:p>
             <a:r>
               <a:rPr lang="en-US" dirty="0"/>
-              <a:t>Applying Linear Regression on the data:</a:t>
+              <a:t>Applying Linear Regression on data:</a:t>
             </a:r>
           </a:p>
         </p:txBody>
@@ -6471,8 +9373,8 @@
         </p:blipFill>
         <p:spPr>
           <a:xfrm>
-            <a:off x="2493376" y="1027209"/>
-            <a:ext cx="6095304" cy="4571478"/>
+            <a:off x="2688178" y="1277916"/>
+            <a:ext cx="5736224" cy="4302168"/>
           </a:xfrm>
         </p:spPr>
       </p:pic>
@@ -6536,8 +9438,8 @@
         </p:blipFill>
         <p:spPr>
           <a:xfrm>
-            <a:off x="2821931" y="5483451"/>
-            <a:ext cx="5766749" cy="921563"/>
+            <a:off x="2688179" y="5487803"/>
+            <a:ext cx="5736224" cy="921563"/>
           </a:xfrm>
           <a:prstGeom prst="rect">
             <a:avLst/>
@@ -6590,14 +9492,19 @@
             <p:ph type="title"/>
           </p:nvPr>
         </p:nvSpPr>
-        <p:spPr/>
+        <p:spPr>
+          <a:xfrm>
+            <a:off x="707895" y="308013"/>
+            <a:ext cx="9404723" cy="1400530"/>
+          </a:xfrm>
+        </p:spPr>
         <p:txBody>
           <a:bodyPr/>
           <a:lstStyle/>
           <a:p>
             <a:r>
               <a:rPr lang="en-US" dirty="0"/>
-              <a:t>Fitting 2 degree Model</a:t>
+              <a:t>Fitting 2 Degree Model</a:t>
             </a:r>
           </a:p>
         </p:txBody>
@@ -6632,7 +9539,7 @@
         </p:blipFill>
         <p:spPr>
           <a:xfrm>
-            <a:off x="2693791" y="1080630"/>
+            <a:off x="2693791" y="1152983"/>
             <a:ext cx="6262318" cy="4696739"/>
           </a:xfrm>
         </p:spPr>
@@ -6665,8 +9572,8 @@
         </p:blipFill>
         <p:spPr>
           <a:xfrm>
-            <a:off x="1869082" y="5636141"/>
-            <a:ext cx="8754460" cy="897490"/>
+            <a:off x="2693791" y="5705017"/>
+            <a:ext cx="6262318" cy="897490"/>
           </a:xfrm>
           <a:prstGeom prst="rect">
             <a:avLst/>
@@ -6726,7 +9633,7 @@
           <a:p>
             <a:r>
               <a:rPr lang="en-US" dirty="0"/>
-              <a:t>Fitting 3 Degree Model</a:t>
+              <a:t>Fitting 3 Degree Model:</a:t>
             </a:r>
           </a:p>
         </p:txBody>
@@ -6761,7 +9668,7 @@
         </p:blipFill>
         <p:spPr>
           <a:xfrm>
-            <a:off x="2640360" y="1075933"/>
+            <a:off x="2640360" y="1453039"/>
             <a:ext cx="6274844" cy="4706133"/>
           </a:xfrm>
         </p:spPr>
@@ -6794,8 +9701,8 @@
         </p:blipFill>
         <p:spPr>
           <a:xfrm>
-            <a:off x="1957447" y="5720893"/>
-            <a:ext cx="7640669" cy="876559"/>
+            <a:off x="2640360" y="5856818"/>
+            <a:ext cx="6274844" cy="876559"/>
           </a:xfrm>
           <a:prstGeom prst="rect">
             <a:avLst/>
@@ -6848,14 +9755,19 @@
             <p:ph type="title"/>
           </p:nvPr>
         </p:nvSpPr>
-        <p:spPr/>
+        <p:spPr>
+          <a:xfrm>
+            <a:off x="633754" y="193615"/>
+            <a:ext cx="9404723" cy="1400530"/>
+          </a:xfrm>
+        </p:spPr>
         <p:txBody>
           <a:bodyPr/>
           <a:lstStyle/>
           <a:p>
             <a:r>
               <a:rPr lang="en-US" dirty="0"/>
-              <a:t>Fitting 4 Degree Model</a:t>
+              <a:t>Fitting 4 Degree Model:</a:t>
             </a:r>
           </a:p>
         </p:txBody>
@@ -6890,7 +9802,7 @@
         </p:blipFill>
         <p:spPr>
           <a:xfrm>
-            <a:off x="2563660" y="999386"/>
+            <a:off x="2563658" y="1139868"/>
             <a:ext cx="6104351" cy="4578263"/>
           </a:xfrm>
         </p:spPr>
@@ -6923,7 +9835,7 @@
         </p:blipFill>
         <p:spPr>
           <a:xfrm>
-            <a:off x="1495201" y="5414167"/>
+            <a:off x="1390602" y="5584250"/>
             <a:ext cx="8450465" cy="1080134"/>
           </a:xfrm>
           <a:prstGeom prst="rect">
@@ -7085,7 +9997,12 @@
             <p:ph type="title"/>
           </p:nvPr>
         </p:nvSpPr>
-        <p:spPr/>
+        <p:spPr>
+          <a:xfrm>
+            <a:off x="646111" y="230089"/>
+            <a:ext cx="9404723" cy="1400530"/>
+          </a:xfrm>
+        </p:spPr>
         <p:txBody>
           <a:bodyPr/>
           <a:lstStyle/>
@@ -7161,8 +10078,8 @@
         </p:blipFill>
         <p:spPr>
           <a:xfrm>
-            <a:off x="2774647" y="5568921"/>
-            <a:ext cx="6156412" cy="1031932"/>
+            <a:off x="2075935" y="5568921"/>
+            <a:ext cx="7871254" cy="1031932"/>
           </a:xfrm>
           <a:prstGeom prst="rect">
             <a:avLst/>
@@ -7215,14 +10132,19 @@
             <p:ph type="title"/>
           </p:nvPr>
         </p:nvSpPr>
-        <p:spPr/>
+        <p:spPr>
+          <a:xfrm>
+            <a:off x="687080" y="267367"/>
+            <a:ext cx="9404723" cy="1400530"/>
+          </a:xfrm>
+        </p:spPr>
         <p:txBody>
           <a:bodyPr/>
           <a:lstStyle/>
           <a:p>
             <a:r>
               <a:rPr lang="en-US" dirty="0"/>
-              <a:t>Trying to fit 100 Degree Model</a:t>
+              <a:t>Trying to fit 100 Degree Model:</a:t>
             </a:r>
           </a:p>
         </p:txBody>
@@ -7291,7 +10213,7 @@
         </p:blipFill>
         <p:spPr>
           <a:xfrm>
-            <a:off x="2563200" y="5865313"/>
+            <a:off x="2100197" y="5601899"/>
             <a:ext cx="7991606" cy="802187"/>
           </a:xfrm>
           <a:prstGeom prst="rect">
@@ -7372,7 +10294,7 @@
         </p:nvSpPr>
         <p:spPr>
           <a:xfrm>
-            <a:off x="939451" y="1390389"/>
+            <a:off x="1050661" y="2045297"/>
             <a:ext cx="9457151" cy="3970318"/>
           </a:xfrm>
           <a:prstGeom prst="rect">
@@ -7391,11 +10313,18 @@
             </a:r>
           </a:p>
           <a:p>
-            <a:endParaRPr lang="en-US" sz="2800" dirty="0"/>
+            <a:endParaRPr lang="en-US" sz="2800" dirty="0">
+              <a:solidFill>
+                <a:srgbClr val="FFC000"/>
+              </a:solidFill>
+            </a:endParaRPr>
           </a:p>
           <a:p>
             <a:r>
               <a:rPr lang="en-US" sz="2800" dirty="0">
+                <a:solidFill>
+                  <a:srgbClr val="FFC000"/>
+                </a:solidFill>
                 <a:latin typeface="Arial Rounded MT Bold" panose="020F0704030504030204" pitchFamily="34" charset="0"/>
               </a:rPr>
               <a:t>RankWarning: Polyfit may be poorly conditioned </a:t>
@@ -7489,7 +10418,7 @@
         </p:nvSpPr>
         <p:spPr>
           <a:xfrm>
-            <a:off x="609600" y="1512952"/>
+            <a:off x="573089" y="1905000"/>
             <a:ext cx="10972800" cy="4953000"/>
           </a:xfrm>
         </p:spPr>
@@ -7812,8 +10741,8 @@
         </p:blipFill>
         <p:spPr>
           <a:xfrm>
-            <a:off x="2442062" y="1053240"/>
-            <a:ext cx="7307875" cy="5480906"/>
+            <a:off x="2607275" y="1669213"/>
+            <a:ext cx="6314759" cy="4736069"/>
           </a:xfrm>
           <a:prstGeom prst="rect">
             <a:avLst/>
@@ -7907,7 +10836,7 @@
         </p:blipFill>
         <p:spPr>
           <a:xfrm>
-            <a:off x="2404034" y="1104701"/>
+            <a:off x="2391677" y="1424164"/>
             <a:ext cx="6641491" cy="4981118"/>
           </a:xfrm>
           <a:prstGeom prst="rect">
@@ -8004,7 +10933,7 @@
         </p:blipFill>
         <p:spPr>
           <a:xfrm>
-            <a:off x="3113638" y="1165436"/>
+            <a:off x="3022608" y="1647350"/>
             <a:ext cx="4651728" cy="2263564"/>
           </a:xfrm>
         </p:spPr>
@@ -8240,7 +11169,13 @@
           </a:lstStyle>
           <a:p>
             <a:r>
-              <a:rPr lang="en-US" dirty="0"/>
+              <a:rPr lang="en-US" dirty="0">
+                <a:solidFill>
+                  <a:schemeClr val="tx1">
+                    <a:lumMod val="85000"/>
+                  </a:schemeClr>
+                </a:solidFill>
+              </a:rPr>
               <a:t>Uses:</a:t>
             </a:r>
           </a:p>
@@ -8275,7 +11210,11 @@
           <a:lstStyle/>
           <a:p>
             <a:r>
-              <a:rPr lang="en-US" sz="3200" dirty="0"/>
+              <a:rPr lang="en-US" sz="3200" dirty="0">
+                <a:solidFill>
+                  <a:srgbClr val="FFC000"/>
+                </a:solidFill>
+              </a:rPr>
               <a:t>Optimized  Server Cost :- </a:t>
             </a:r>
           </a:p>
@@ -8290,7 +11229,11 @@
           </a:p>
           <a:p>
             <a:r>
-              <a:rPr lang="en-US" sz="3200" dirty="0"/>
+              <a:rPr lang="en-US" sz="3200" dirty="0">
+                <a:solidFill>
+                  <a:srgbClr val="FFC000"/>
+                </a:solidFill>
+              </a:rPr>
               <a:t>Preventing Server Overload :-</a:t>
             </a:r>
           </a:p>
@@ -8348,7 +11291,7 @@
           <a:lstStyle/>
           <a:p>
             <a:r>
-              <a:rPr lang="en-US"/>
+              <a:rPr lang="en-US" dirty="0"/>
               <a:t>Machine Learning : </a:t>
             </a:r>
           </a:p>
@@ -8364,25 +11307,32 @@
             <p:ph idx="1"/>
           </p:nvPr>
         </p:nvSpPr>
-        <p:spPr/>
-        <p:txBody>
-          <a:bodyPr/>
+        <p:spPr>
+          <a:xfrm>
+            <a:off x="1104293" y="1853248"/>
+            <a:ext cx="8946541" cy="4195481"/>
+          </a:xfrm>
+        </p:spPr>
+        <p:txBody>
+          <a:bodyPr>
+            <a:noAutofit/>
+          </a:bodyPr>
           <a:lstStyle/>
           <a:p>
             <a:r>
-              <a:rPr lang="en-US" dirty="0"/>
+              <a:rPr lang="en-US" sz="2500" dirty="0"/>
               <a:t>Machine learning is an application of Artificial Intelligence(AI) that provides systems the ability to automatically learn and improve from experience without being explicitly programmed.</a:t>
             </a:r>
           </a:p>
           <a:p>
             <a:r>
-              <a:rPr lang="en-US" dirty="0"/>
+              <a:rPr lang="en-US" sz="2500" dirty="0"/>
               <a:t>The goal of machine learning is to allow the computers to learn automatically without any human intervention or assistance and take actions accordingly.</a:t>
             </a:r>
           </a:p>
           <a:p>
             <a:r>
-              <a:rPr lang="en-US" dirty="0"/>
+              <a:rPr lang="en-US" sz="2500" dirty="0"/>
               <a:t>It begins with observations or data to look for patterns in the data and make better decisions in the future.</a:t>
             </a:r>
           </a:p>
@@ -8578,8 +11528,18 @@
           </a:lstStyle>
           <a:p>
             <a:r>
+              <a:rPr lang="en-US" dirty="0">
+                <a:solidFill>
+                  <a:schemeClr val="tx1">
+                    <a:lumMod val="85000"/>
+                  </a:schemeClr>
+                </a:solidFill>
+              </a:rPr>
+              <a:t>References</a:t>
+            </a:r>
+            <a:r>
               <a:rPr lang="en-US" dirty="0"/>
-              <a:t>References:</a:t>
+              <a:t>:</a:t>
             </a:r>
           </a:p>
         </p:txBody>
@@ -9069,7 +12029,7 @@
           <a:lstStyle/>
           <a:p>
             <a:r>
-              <a:rPr lang="en-US"/>
+              <a:rPr lang="en-US" dirty="0"/>
               <a:t>Python Libraries :</a:t>
             </a:r>
           </a:p>
@@ -9087,12 +12047,22 @@
         </p:nvSpPr>
         <p:spPr/>
         <p:txBody>
-          <a:bodyPr/>
+          <a:bodyPr>
+            <a:normAutofit lnSpcReduction="10000"/>
+          </a:bodyPr>
           <a:lstStyle/>
           <a:p>
             <a:r>
+              <a:rPr lang="en-US" sz="2500" dirty="0">
+                <a:solidFill>
+                  <a:srgbClr val="FFC000"/>
+                </a:solidFill>
+              </a:rPr>
+              <a:t>Numpy</a:t>
+            </a:r>
+            <a:r>
               <a:rPr lang="en-US" dirty="0"/>
-              <a:t>Numpy - </a:t>
+              <a:t> - </a:t>
             </a:r>
             <a:r>
               <a:rPr lang="en-IN" sz="2400" dirty="0"/>
@@ -9104,8 +12074,16 @@
           </a:p>
           <a:p>
             <a:r>
+              <a:rPr lang="en-US" sz="2500" dirty="0">
+                <a:solidFill>
+                  <a:srgbClr val="FFC000"/>
+                </a:solidFill>
+              </a:rPr>
+              <a:t>Pandas</a:t>
+            </a:r>
+            <a:r>
               <a:rPr lang="en-US" dirty="0"/>
-              <a:t>Pandas - </a:t>
+              <a:t> - </a:t>
             </a:r>
             <a:r>
               <a:rPr lang="en-IN" sz="2400" dirty="0"/>
@@ -9193,12 +12171,22 @@
         </p:nvSpPr>
         <p:spPr/>
         <p:txBody>
-          <a:bodyPr/>
+          <a:bodyPr>
+            <a:normAutofit lnSpcReduction="10000"/>
+          </a:bodyPr>
           <a:lstStyle/>
           <a:p>
             <a:r>
+              <a:rPr lang="en-US" sz="2500" dirty="0">
+                <a:solidFill>
+                  <a:srgbClr val="FFC000"/>
+                </a:solidFill>
+              </a:rPr>
+              <a:t>Matplotlib</a:t>
+            </a:r>
+            <a:r>
               <a:rPr lang="en-US" dirty="0"/>
-              <a:t>Matplotlib - </a:t>
+              <a:t> - </a:t>
             </a:r>
             <a:r>
               <a:rPr lang="en-IN" sz="2400" dirty="0"/>
@@ -9213,8 +12201,16 @@
           </a:p>
           <a:p>
             <a:r>
+              <a:rPr lang="en-US" sz="2500" dirty="0">
+                <a:solidFill>
+                  <a:srgbClr val="FFC000"/>
+                </a:solidFill>
+              </a:rPr>
+              <a:t>Scikit-learn</a:t>
+            </a:r>
+            <a:r>
               <a:rPr lang="en-US" dirty="0"/>
-              <a:t>Scikit-learn -</a:t>
+              <a:t> -</a:t>
             </a:r>
             <a:r>
               <a:rPr lang="en-IN" dirty="0"/>
@@ -9501,59 +12497,119 @@
 </file>
 
 <file path=ppt/theme/theme1.xml><?xml version="1.0" encoding="utf-8"?>
-<a:theme xmlns:a="http://schemas.openxmlformats.org/drawingml/2006/main" name="Data Pie Charts">
+<a:theme xmlns:a="http://schemas.openxmlformats.org/drawingml/2006/main" name="Ion">
   <a:themeElements>
-    <a:clrScheme name="Data Pie Charts 13">
+    <a:clrScheme name="Ion">
       <a:dk1>
-        <a:srgbClr val="000000"/>
+        <a:sysClr val="windowText" lastClr="000000"/>
       </a:dk1>
       <a:lt1>
-        <a:srgbClr val="FFFFFF"/>
+        <a:sysClr val="window" lastClr="FFFFFF"/>
       </a:lt1>
       <a:dk2>
-        <a:srgbClr val="000000"/>
+        <a:srgbClr val="1E5155"/>
       </a:dk2>
       <a:lt2>
-        <a:srgbClr val="969696"/>
+        <a:srgbClr val="EBEBEB"/>
       </a:lt2>
       <a:accent1>
-        <a:srgbClr val="009900"/>
+        <a:srgbClr val="B01513"/>
       </a:accent1>
       <a:accent2>
-        <a:srgbClr val="99CC00"/>
+        <a:srgbClr val="EA6312"/>
       </a:accent2>
       <a:accent3>
-        <a:srgbClr val="FFFFFF"/>
+        <a:srgbClr val="E6B729"/>
       </a:accent3>
       <a:accent4>
-        <a:srgbClr val="000000"/>
+        <a:srgbClr val="6AAC90"/>
       </a:accent4>
       <a:accent5>
-        <a:srgbClr val="AACAAA"/>
+        <a:srgbClr val="54849A"/>
       </a:accent5>
       <a:accent6>
-        <a:srgbClr val="8AB900"/>
+        <a:srgbClr val="9E5E9B"/>
       </a:accent6>
       <a:hlink>
-        <a:srgbClr val="CC3300"/>
+        <a:srgbClr val="58C1BA"/>
       </a:hlink>
       <a:folHlink>
-        <a:srgbClr val="996600"/>
+        <a:srgbClr val="9DFFCB"/>
       </a:folHlink>
     </a:clrScheme>
-    <a:fontScheme name="Data Pie Charts">
+    <a:fontScheme name="Ion">
       <a:majorFont>
-        <a:latin typeface="Arial"/>
-        <a:ea typeface="SimSun"/>
+        <a:latin typeface="Century Gothic" panose="020B0502020202020204"/>
+        <a:ea typeface=""/>
         <a:cs typeface=""/>
+        <a:font script="Jpan" typeface="メイリオ"/>
+        <a:font script="Hang" typeface="맑은 고딕"/>
+        <a:font script="Hans" typeface="宋体"/>
+        <a:font script="Hant" typeface="新細明體"/>
+        <a:font script="Arab" typeface="Times New Roman"/>
+        <a:font script="Hebr" typeface="Times New Roman"/>
+        <a:font script="Thai" typeface="Angsana New"/>
+        <a:font script="Ethi" typeface="Nyala"/>
+        <a:font script="Beng" typeface="Vrinda"/>
+        <a:font script="Gujr" typeface="Shruti"/>
+        <a:font script="Khmr" typeface="MoolBoran"/>
+        <a:font script="Knda" typeface="Tunga"/>
+        <a:font script="Guru" typeface="Raavi"/>
+        <a:font script="Cans" typeface="Euphemia"/>
+        <a:font script="Cher" typeface="Plantagenet Cherokee"/>
+        <a:font script="Yiii" typeface="Microsoft Yi Baiti"/>
+        <a:font script="Tibt" typeface="Microsoft Himalaya"/>
+        <a:font script="Thaa" typeface="MV Boli"/>
+        <a:font script="Deva" typeface="Mangal"/>
+        <a:font script="Telu" typeface="Gautami"/>
+        <a:font script="Taml" typeface="Latha"/>
+        <a:font script="Syrc" typeface="Estrangelo Edessa"/>
+        <a:font script="Orya" typeface="Kalinga"/>
+        <a:font script="Mlym" typeface="Kartika"/>
+        <a:font script="Laoo" typeface="DokChampa"/>
+        <a:font script="Sinh" typeface="Iskoola Pota"/>
+        <a:font script="Mong" typeface="Mongolian Baiti"/>
+        <a:font script="Viet" typeface="Times New Roman"/>
+        <a:font script="Uigh" typeface="Microsoft Uighur"/>
+        <a:font script="Geor" typeface="Sylfaen"/>
       </a:majorFont>
       <a:minorFont>
-        <a:latin typeface="Arial"/>
-        <a:ea typeface="SimSun"/>
+        <a:latin typeface="Century Gothic" panose="020B0502020202020204"/>
+        <a:ea typeface=""/>
         <a:cs typeface=""/>
+        <a:font script="Jpan" typeface="メイリオ"/>
+        <a:font script="Hang" typeface="맑은 고딕"/>
+        <a:font script="Hans" typeface="宋体"/>
+        <a:font script="Hant" typeface="新細明體"/>
+        <a:font script="Arab" typeface="Arial"/>
+        <a:font script="Hebr" typeface="Arial"/>
+        <a:font script="Thai" typeface="Cordia New"/>
+        <a:font script="Ethi" typeface="Nyala"/>
+        <a:font script="Beng" typeface="Vrinda"/>
+        <a:font script="Gujr" typeface="Shruti"/>
+        <a:font script="Khmr" typeface="DaunPenh"/>
+        <a:font script="Knda" typeface="Tunga"/>
+        <a:font script="Guru" typeface="Raavi"/>
+        <a:font script="Cans" typeface="Euphemia"/>
+        <a:font script="Cher" typeface="Plantagenet Cherokee"/>
+        <a:font script="Yiii" typeface="Microsoft Yi Baiti"/>
+        <a:font script="Tibt" typeface="Microsoft Himalaya"/>
+        <a:font script="Thaa" typeface="MV Boli"/>
+        <a:font script="Deva" typeface="Mangal"/>
+        <a:font script="Telu" typeface="Gautami"/>
+        <a:font script="Taml" typeface="Latha"/>
+        <a:font script="Syrc" typeface="Estrangelo Edessa"/>
+        <a:font script="Orya" typeface="Kalinga"/>
+        <a:font script="Mlym" typeface="Kartika"/>
+        <a:font script="Laoo" typeface="DokChampa"/>
+        <a:font script="Sinh" typeface="Iskoola Pota"/>
+        <a:font script="Mong" typeface="Mongolian Baiti"/>
+        <a:font script="Viet" typeface="Arial"/>
+        <a:font script="Uigh" typeface="Microsoft Uighur"/>
+        <a:font script="Geor" typeface="Sylfaen"/>
       </a:minorFont>
     </a:fontScheme>
-    <a:fmtScheme name="Office">
+    <a:fmtScheme name="Ion">
       <a:fillStyleLst>
         <a:solidFill>
           <a:schemeClr val="phClr"/>
@@ -9562,23 +12618,15 @@
           <a:gsLst>
             <a:gs pos="0">
               <a:schemeClr val="phClr">
-                <a:lumMod val="110000"/>
-                <a:satMod val="105000"/>
-                <a:tint val="67000"/>
-              </a:schemeClr>
-            </a:gs>
-            <a:gs pos="50000">
-              <a:schemeClr val="phClr">
-                <a:lumMod val="105000"/>
-                <a:satMod val="103000"/>
-                <a:tint val="73000"/>
+                <a:tint val="64000"/>
+                <a:lumMod val="118000"/>
               </a:schemeClr>
             </a:gs>
             <a:gs pos="100000">
               <a:schemeClr val="phClr">
-                <a:lumMod val="105000"/>
-                <a:satMod val="109000"/>
-                <a:tint val="81000"/>
+                <a:tint val="92000"/>
+                <a:alpha val="100000"/>
+                <a:lumMod val="110000"/>
               </a:schemeClr>
             </a:gs>
           </a:gsLst>
@@ -9588,23 +12636,14 @@
           <a:gsLst>
             <a:gs pos="0">
               <a:schemeClr val="phClr">
-                <a:satMod val="103000"/>
-                <a:lumMod val="102000"/>
-                <a:tint val="94000"/>
-              </a:schemeClr>
-            </a:gs>
-            <a:gs pos="50000">
-              <a:schemeClr val="phClr">
-                <a:satMod val="110000"/>
-                <a:lumMod val="100000"/>
-                <a:shade val="100000"/>
+                <a:tint val="98000"/>
+                <a:lumMod val="114000"/>
               </a:schemeClr>
             </a:gs>
             <a:gs pos="100000">
               <a:schemeClr val="phClr">
-                <a:lumMod val="99000"/>
-                <a:satMod val="120000"/>
-                <a:shade val="78000"/>
+                <a:shade val="90000"/>
+                <a:lumMod val="84000"/>
               </a:schemeClr>
             </a:gs>
           </a:gsLst>
@@ -9612,26 +12651,23 @@
         </a:gradFill>
       </a:fillStyleLst>
       <a:lnStyleLst>
-        <a:ln w="6350" cap="flat" cmpd="sng" algn="ctr">
+        <a:ln w="9525" cap="rnd" cmpd="sng" algn="ctr">
           <a:solidFill>
             <a:schemeClr val="phClr"/>
           </a:solidFill>
           <a:prstDash val="solid"/>
-          <a:miter lim="800000"/>
         </a:ln>
-        <a:ln w="12700" cap="flat" cmpd="sng" algn="ctr">
+        <a:ln w="19050" cap="rnd" cmpd="sng" algn="ctr">
           <a:solidFill>
             <a:schemeClr val="phClr"/>
           </a:solidFill>
           <a:prstDash val="solid"/>
-          <a:miter lim="800000"/>
         </a:ln>
-        <a:ln w="19050" cap="flat" cmpd="sng" algn="ctr">
+        <a:ln w="28575" cap="rnd" cmpd="sng" algn="ctr">
           <a:solidFill>
             <a:schemeClr val="phClr"/>
           </a:solidFill>
           <a:prstDash val="solid"/>
-          <a:miter lim="800000"/>
         </a:ln>
       </a:lnStyleLst>
       <a:effectStyleLst>
@@ -9639,728 +12675,88 @@
           <a:effectLst/>
         </a:effectStyle>
         <a:effectStyle>
-          <a:effectLst/>
+          <a:effectLst>
+            <a:outerShdw blurRad="38100" dist="25400" dir="5400000" rotWithShape="0">
+              <a:srgbClr val="000000">
+                <a:alpha val="45000"/>
+              </a:srgbClr>
+            </a:outerShdw>
+          </a:effectLst>
         </a:effectStyle>
         <a:effectStyle>
           <a:effectLst>
-            <a:outerShdw blurRad="57150" dist="19050" dir="5400000" algn="ctr" rotWithShape="0">
+            <a:outerShdw blurRad="63500" dist="38100" dir="5400000" rotWithShape="0">
               <a:srgbClr val="000000">
-                <a:alpha val="63000"/>
+                <a:alpha val="60000"/>
               </a:srgbClr>
             </a:outerShdw>
           </a:effectLst>
+          <a:scene3d>
+            <a:camera prst="orthographicFront">
+              <a:rot lat="0" lon="0" rev="0"/>
+            </a:camera>
+            <a:lightRig rig="threePt" dir="tl"/>
+          </a:scene3d>
+          <a:sp3d prstMaterial="plastic">
+            <a:bevelT w="0" h="0"/>
+          </a:sp3d>
         </a:effectStyle>
       </a:effectStyleLst>
       <a:bgFillStyleLst>
         <a:solidFill>
           <a:schemeClr val="phClr"/>
         </a:solidFill>
-        <a:solidFill>
-          <a:schemeClr val="phClr">
-            <a:tint val="95000"/>
-            <a:satMod val="170000"/>
-          </a:schemeClr>
-        </a:solidFill>
         <a:gradFill rotWithShape="1">
           <a:gsLst>
             <a:gs pos="0">
               <a:schemeClr val="phClr">
-                <a:tint val="93000"/>
-                <a:satMod val="150000"/>
-                <a:shade val="98000"/>
-                <a:lumMod val="102000"/>
-              </a:schemeClr>
-            </a:gs>
-            <a:gs pos="50000">
-              <a:schemeClr val="phClr">
-                <a:tint val="98000"/>
+                <a:tint val="97000"/>
+                <a:hueMod val="88000"/>
                 <a:satMod val="130000"/>
-                <a:shade val="90000"/>
-                <a:lumMod val="103000"/>
+                <a:lumMod val="124000"/>
               </a:schemeClr>
             </a:gs>
             <a:gs pos="100000">
               <a:schemeClr val="phClr">
-                <a:shade val="63000"/>
-                <a:satMod val="120000"/>
+                <a:tint val="96000"/>
+                <a:shade val="88000"/>
+                <a:hueMod val="108000"/>
+                <a:satMod val="164000"/>
+                <a:lumMod val="76000"/>
               </a:schemeClr>
             </a:gs>
           </a:gsLst>
-          <a:lin ang="5400000" scaled="0"/>
+          <a:path path="circle">
+            <a:fillToRect l="45000" t="65000" r="125000" b="100000"/>
+          </a:path>
         </a:gradFill>
+        <a:blipFill rotWithShape="1">
+          <a:blip xmlns:r="http://schemas.openxmlformats.org/officeDocument/2006/relationships" r:embed="rId1">
+            <a:duotone>
+              <a:schemeClr val="phClr">
+                <a:shade val="69000"/>
+                <a:hueMod val="108000"/>
+                <a:satMod val="164000"/>
+                <a:lumMod val="74000"/>
+              </a:schemeClr>
+              <a:schemeClr val="phClr">
+                <a:tint val="96000"/>
+                <a:hueMod val="88000"/>
+                <a:satMod val="140000"/>
+                <a:lumMod val="132000"/>
+              </a:schemeClr>
+            </a:duotone>
+          </a:blip>
+          <a:stretch/>
+        </a:blipFill>
       </a:bgFillStyleLst>
     </a:fmtScheme>
   </a:themeElements>
-  <a:objectDefaults>
-    <a:spDef>
-      <a:spPr bwMode="auto">
-        <a:xfrm>
-          <a:off x="0" y="0"/>
-          <a:ext cx="1" cy="1"/>
-        </a:xfrm>
-        <a:custGeom>
-          <a:avLst/>
-          <a:gdLst/>
-          <a:ahLst/>
-          <a:cxnLst/>
-          <a:rect l="0" t="0" r="0" b="0"/>
-          <a:pathLst/>
-        </a:custGeom>
-        <a:gradFill rotWithShape="0">
-          <a:gsLst>
-            <a:gs pos="0">
-              <a:schemeClr val="accent1"/>
-            </a:gs>
-            <a:gs pos="100000">
-              <a:schemeClr val="accent2"/>
-            </a:gs>
-          </a:gsLst>
-          <a:lin ang="5400000" scaled="1"/>
-        </a:gradFill>
-        <a:ln w="9525" cap="flat" cmpd="sng" algn="ctr">
-          <a:solidFill>
-            <a:schemeClr val="accent1"/>
-          </a:solidFill>
-          <a:prstDash val="solid"/>
-          <a:round/>
-          <a:headEnd type="none" w="med" len="med"/>
-          <a:tailEnd type="none" w="med" len="med"/>
-        </a:ln>
-      </a:spPr>
-      <a:bodyPr vert="horz" wrap="none" lIns="91440" tIns="45720" rIns="91440" bIns="45720" numCol="1" anchor="ctr" anchorCtr="0" compatLnSpc="1"/>
-      <a:lstStyle>
-        <a:defPPr marL="0" marR="0" indent="0" algn="l" defTabSz="914400" rtl="0" eaLnBrk="1" fontAlgn="base" latinLnBrk="0" hangingPunct="1">
-          <a:lnSpc>
-            <a:spcPct val="100000"/>
-          </a:lnSpc>
-          <a:spcBef>
-            <a:spcPct val="0"/>
-          </a:spcBef>
-          <a:spcAft>
-            <a:spcPct val="0"/>
-          </a:spcAft>
-          <a:buClrTx/>
-          <a:buSzTx/>
-          <a:buFontTx/>
-          <a:buNone/>
-          <a:defRPr kumimoji="0" lang="zh-CN" altLang="en-US" sz="1800" b="0" i="0" u="none" strike="noStrike" cap="none" normalizeH="0" baseline="0" smtClean="0">
-            <a:ln>
-              <a:noFill/>
-            </a:ln>
-            <a:solidFill>
-              <a:schemeClr val="tx1"/>
-            </a:solidFill>
-            <a:effectLst/>
-            <a:latin typeface="Arial" panose="020B0604020202020204" pitchFamily="34" charset="0"/>
-            <a:ea typeface="SimSun" panose="02010600030101010101" pitchFamily="2" charset="-122"/>
-          </a:defRPr>
-        </a:defPPr>
-      </a:lstStyle>
-    </a:spDef>
-    <a:lnDef>
-      <a:spPr bwMode="auto">
-        <a:xfrm>
-          <a:off x="0" y="0"/>
-          <a:ext cx="1" cy="1"/>
-        </a:xfrm>
-        <a:custGeom>
-          <a:avLst/>
-          <a:gdLst/>
-          <a:ahLst/>
-          <a:cxnLst/>
-          <a:rect l="0" t="0" r="0" b="0"/>
-          <a:pathLst/>
-        </a:custGeom>
-        <a:gradFill rotWithShape="0">
-          <a:gsLst>
-            <a:gs pos="0">
-              <a:schemeClr val="accent1"/>
-            </a:gs>
-            <a:gs pos="100000">
-              <a:schemeClr val="accent2"/>
-            </a:gs>
-          </a:gsLst>
-          <a:lin ang="5400000" scaled="1"/>
-        </a:gradFill>
-        <a:ln w="9525" cap="flat" cmpd="sng" algn="ctr">
-          <a:solidFill>
-            <a:schemeClr val="accent1"/>
-          </a:solidFill>
-          <a:prstDash val="solid"/>
-          <a:round/>
-          <a:headEnd type="none" w="med" len="med"/>
-          <a:tailEnd type="none" w="med" len="med"/>
-        </a:ln>
-      </a:spPr>
-      <a:bodyPr vert="horz" wrap="none" lIns="91440" tIns="45720" rIns="91440" bIns="45720" numCol="1" anchor="ctr" anchorCtr="0" compatLnSpc="1"/>
-      <a:lstStyle>
-        <a:defPPr marL="0" marR="0" indent="0" algn="l" defTabSz="914400" rtl="0" eaLnBrk="1" fontAlgn="base" latinLnBrk="0" hangingPunct="1">
-          <a:lnSpc>
-            <a:spcPct val="100000"/>
-          </a:lnSpc>
-          <a:spcBef>
-            <a:spcPct val="0"/>
-          </a:spcBef>
-          <a:spcAft>
-            <a:spcPct val="0"/>
-          </a:spcAft>
-          <a:buClrTx/>
-          <a:buSzTx/>
-          <a:buFontTx/>
-          <a:buNone/>
-          <a:defRPr kumimoji="0" lang="zh-CN" altLang="en-US" sz="1800" b="0" i="0" u="none" strike="noStrike" cap="none" normalizeH="0" baseline="0" smtClean="0">
-            <a:ln>
-              <a:noFill/>
-            </a:ln>
-            <a:solidFill>
-              <a:schemeClr val="tx1"/>
-            </a:solidFill>
-            <a:effectLst/>
-            <a:latin typeface="Arial" panose="020B0604020202020204" pitchFamily="34" charset="0"/>
-            <a:ea typeface="SimSun" panose="02010600030101010101" pitchFamily="2" charset="-122"/>
-          </a:defRPr>
-        </a:defPPr>
-      </a:lstStyle>
-    </a:lnDef>
-  </a:objectDefaults>
-  <a:extraClrSchemeLst>
-    <a:extraClrScheme>
-      <a:clrScheme name="Data Pie Charts 1">
-        <a:dk1>
-          <a:srgbClr val="000000"/>
-        </a:dk1>
-        <a:lt1>
-          <a:srgbClr val="FFFFFF"/>
-        </a:lt1>
-        <a:dk2>
-          <a:srgbClr val="000000"/>
-        </a:dk2>
-        <a:lt2>
-          <a:srgbClr val="808080"/>
-        </a:lt2>
-        <a:accent1>
-          <a:srgbClr val="BBE0E3"/>
-        </a:accent1>
-        <a:accent2>
-          <a:srgbClr val="333399"/>
-        </a:accent2>
-        <a:accent3>
-          <a:srgbClr val="FFFFFF"/>
-        </a:accent3>
-        <a:accent4>
-          <a:srgbClr val="000000"/>
-        </a:accent4>
-        <a:accent5>
-          <a:srgbClr val="DAEDEF"/>
-        </a:accent5>
-        <a:accent6>
-          <a:srgbClr val="2D2D8A"/>
-        </a:accent6>
-        <a:hlink>
-          <a:srgbClr val="009999"/>
-        </a:hlink>
-        <a:folHlink>
-          <a:srgbClr val="99CC00"/>
-        </a:folHlink>
-      </a:clrScheme>
-      <a:clrMap bg1="lt1" tx1="dk1" bg2="lt2" tx2="dk2" accent1="accent1" accent2="accent2" accent3="accent3" accent4="accent4" accent5="accent5" accent6="accent6" hlink="hlink" folHlink="folHlink"/>
-    </a:extraClrScheme>
-    <a:extraClrScheme>
-      <a:clrScheme name="Data Pie Charts 2">
-        <a:dk1>
-          <a:srgbClr val="000000"/>
-        </a:dk1>
-        <a:lt1>
-          <a:srgbClr val="FFFFFF"/>
-        </a:lt1>
-        <a:dk2>
-          <a:srgbClr val="000000"/>
-        </a:dk2>
-        <a:lt2>
-          <a:srgbClr val="969696"/>
-        </a:lt2>
-        <a:accent1>
-          <a:srgbClr val="FBDF53"/>
-        </a:accent1>
-        <a:accent2>
-          <a:srgbClr val="FF9966"/>
-        </a:accent2>
-        <a:accent3>
-          <a:srgbClr val="FFFFFF"/>
-        </a:accent3>
-        <a:accent4>
-          <a:srgbClr val="000000"/>
-        </a:accent4>
-        <a:accent5>
-          <a:srgbClr val="FDECB3"/>
-        </a:accent5>
-        <a:accent6>
-          <a:srgbClr val="E78A5C"/>
-        </a:accent6>
-        <a:hlink>
-          <a:srgbClr val="CC3300"/>
-        </a:hlink>
-        <a:folHlink>
-          <a:srgbClr val="996600"/>
-        </a:folHlink>
-      </a:clrScheme>
-      <a:clrMap bg1="lt1" tx1="dk1" bg2="lt2" tx2="dk2" accent1="accent1" accent2="accent2" accent3="accent3" accent4="accent4" accent5="accent5" accent6="accent6" hlink="hlink" folHlink="folHlink"/>
-    </a:extraClrScheme>
-    <a:extraClrScheme>
-      <a:clrScheme name="Data Pie Charts 3">
-        <a:dk1>
-          <a:srgbClr val="000000"/>
-        </a:dk1>
-        <a:lt1>
-          <a:srgbClr val="FFFFFF"/>
-        </a:lt1>
-        <a:dk2>
-          <a:srgbClr val="000000"/>
-        </a:dk2>
-        <a:lt2>
-          <a:srgbClr val="808080"/>
-        </a:lt2>
-        <a:accent1>
-          <a:srgbClr val="99CCFF"/>
-        </a:accent1>
-        <a:accent2>
-          <a:srgbClr val="CCCCFF"/>
-        </a:accent2>
-        <a:accent3>
-          <a:srgbClr val="FFFFFF"/>
-        </a:accent3>
-        <a:accent4>
-          <a:srgbClr val="000000"/>
-        </a:accent4>
-        <a:accent5>
-          <a:srgbClr val="CAE2FF"/>
-        </a:accent5>
-        <a:accent6>
-          <a:srgbClr val="B9B9E7"/>
-        </a:accent6>
-        <a:hlink>
-          <a:srgbClr val="3333CC"/>
-        </a:hlink>
-        <a:folHlink>
-          <a:srgbClr val="AF67FF"/>
-        </a:folHlink>
-      </a:clrScheme>
-      <a:clrMap bg1="lt1" tx1="dk1" bg2="lt2" tx2="dk2" accent1="accent1" accent2="accent2" accent3="accent3" accent4="accent4" accent5="accent5" accent6="accent6" hlink="hlink" folHlink="folHlink"/>
-    </a:extraClrScheme>
-    <a:extraClrScheme>
-      <a:clrScheme name="Data Pie Charts 4">
-        <a:dk1>
-          <a:srgbClr val="000000"/>
-        </a:dk1>
-        <a:lt1>
-          <a:srgbClr val="DEF6F1"/>
-        </a:lt1>
-        <a:dk2>
-          <a:srgbClr val="000000"/>
-        </a:dk2>
-        <a:lt2>
-          <a:srgbClr val="969696"/>
-        </a:lt2>
-        <a:accent1>
-          <a:srgbClr val="FFFFFF"/>
-        </a:accent1>
-        <a:accent2>
-          <a:srgbClr val="8DC6FF"/>
-        </a:accent2>
-        <a:accent3>
-          <a:srgbClr val="ECFAF7"/>
-        </a:accent3>
-        <a:accent4>
-          <a:srgbClr val="000000"/>
-        </a:accent4>
-        <a:accent5>
-          <a:srgbClr val="FFFFFF"/>
-        </a:accent5>
-        <a:accent6>
-          <a:srgbClr val="7FB3E7"/>
-        </a:accent6>
-        <a:hlink>
-          <a:srgbClr val="0066CC"/>
-        </a:hlink>
-        <a:folHlink>
-          <a:srgbClr val="00A800"/>
-        </a:folHlink>
-      </a:clrScheme>
-      <a:clrMap bg1="lt1" tx1="dk1" bg2="lt2" tx2="dk2" accent1="accent1" accent2="accent2" accent3="accent3" accent4="accent4" accent5="accent5" accent6="accent6" hlink="hlink" folHlink="folHlink"/>
-    </a:extraClrScheme>
-    <a:extraClrScheme>
-      <a:clrScheme name="Data Pie Charts 5">
-        <a:dk1>
-          <a:srgbClr val="000000"/>
-        </a:dk1>
-        <a:lt1>
-          <a:srgbClr val="FFFFD9"/>
-        </a:lt1>
-        <a:dk2>
-          <a:srgbClr val="000000"/>
-        </a:dk2>
-        <a:lt2>
-          <a:srgbClr val="777777"/>
-        </a:lt2>
-        <a:accent1>
-          <a:srgbClr val="FFFFF7"/>
-        </a:accent1>
-        <a:accent2>
-          <a:srgbClr val="33CCCC"/>
-        </a:accent2>
-        <a:accent3>
-          <a:srgbClr val="FFFFE9"/>
-        </a:accent3>
-        <a:accent4>
-          <a:srgbClr val="000000"/>
-        </a:accent4>
-        <a:accent5>
-          <a:srgbClr val="FFFFFA"/>
-        </a:accent5>
-        <a:accent6>
-          <a:srgbClr val="2DB9B9"/>
-        </a:accent6>
-        <a:hlink>
-          <a:srgbClr val="FF5050"/>
-        </a:hlink>
-        <a:folHlink>
-          <a:srgbClr val="FF9900"/>
-        </a:folHlink>
-      </a:clrScheme>
-      <a:clrMap bg1="lt1" tx1="dk1" bg2="lt2" tx2="dk2" accent1="accent1" accent2="accent2" accent3="accent3" accent4="accent4" accent5="accent5" accent6="accent6" hlink="hlink" folHlink="folHlink"/>
-    </a:extraClrScheme>
-    <a:extraClrScheme>
-      <a:clrScheme name="Data Pie Charts 6">
-        <a:dk1>
-          <a:srgbClr val="005A58"/>
-        </a:dk1>
-        <a:lt1>
-          <a:srgbClr val="FFFFFF"/>
-        </a:lt1>
-        <a:dk2>
-          <a:srgbClr val="008080"/>
-        </a:dk2>
-        <a:lt2>
-          <a:srgbClr val="FFFF99"/>
-        </a:lt2>
-        <a:accent1>
-          <a:srgbClr val="006462"/>
-        </a:accent1>
-        <a:accent2>
-          <a:srgbClr val="6D6FC7"/>
-        </a:accent2>
-        <a:accent3>
-          <a:srgbClr val="AAC0C0"/>
-        </a:accent3>
-        <a:accent4>
-          <a:srgbClr val="DADADA"/>
-        </a:accent4>
-        <a:accent5>
-          <a:srgbClr val="AAB8B7"/>
-        </a:accent5>
-        <a:accent6>
-          <a:srgbClr val="6264B4"/>
-        </a:accent6>
-        <a:hlink>
-          <a:srgbClr val="00FFFF"/>
-        </a:hlink>
-        <a:folHlink>
-          <a:srgbClr val="00FF00"/>
-        </a:folHlink>
-      </a:clrScheme>
-      <a:clrMap bg1="dk2" tx1="lt1" bg2="dk1" tx2="lt2" accent1="accent1" accent2="accent2" accent3="accent3" accent4="accent4" accent5="accent5" accent6="accent6" hlink="hlink" folHlink="folHlink"/>
-    </a:extraClrScheme>
-    <a:extraClrScheme>
-      <a:clrScheme name="Data Pie Charts 7">
-        <a:dk1>
-          <a:srgbClr val="5C1F00"/>
-        </a:dk1>
-        <a:lt1>
-          <a:srgbClr val="FFFFFF"/>
-        </a:lt1>
-        <a:dk2>
-          <a:srgbClr val="800000"/>
-        </a:dk2>
-        <a:lt2>
-          <a:srgbClr val="DFD293"/>
-        </a:lt2>
-        <a:accent1>
-          <a:srgbClr val="CC3300"/>
-        </a:accent1>
-        <a:accent2>
-          <a:srgbClr val="BE7960"/>
-        </a:accent2>
-        <a:accent3>
-          <a:srgbClr val="C0AAAA"/>
-        </a:accent3>
-        <a:accent4>
-          <a:srgbClr val="DADADA"/>
-        </a:accent4>
-        <a:accent5>
-          <a:srgbClr val="E2ADAA"/>
-        </a:accent5>
-        <a:accent6>
-          <a:srgbClr val="AC6D56"/>
-        </a:accent6>
-        <a:hlink>
-          <a:srgbClr val="FFFF99"/>
-        </a:hlink>
-        <a:folHlink>
-          <a:srgbClr val="D3A219"/>
-        </a:folHlink>
-      </a:clrScheme>
-      <a:clrMap bg1="dk2" tx1="lt1" bg2="dk1" tx2="lt2" accent1="accent1" accent2="accent2" accent3="accent3" accent4="accent4" accent5="accent5" accent6="accent6" hlink="hlink" folHlink="folHlink"/>
-    </a:extraClrScheme>
-    <a:extraClrScheme>
-      <a:clrScheme name="Data Pie Charts 8">
-        <a:dk1>
-          <a:srgbClr val="003366"/>
-        </a:dk1>
-        <a:lt1>
-          <a:srgbClr val="FFFFFF"/>
-        </a:lt1>
-        <a:dk2>
-          <a:srgbClr val="000099"/>
-        </a:dk2>
-        <a:lt2>
-          <a:srgbClr val="CCFFFF"/>
-        </a:lt2>
-        <a:accent1>
-          <a:srgbClr val="3366CC"/>
-        </a:accent1>
-        <a:accent2>
-          <a:srgbClr val="00B000"/>
-        </a:accent2>
-        <a:accent3>
-          <a:srgbClr val="AAAACA"/>
-        </a:accent3>
-        <a:accent4>
-          <a:srgbClr val="DADADA"/>
-        </a:accent4>
-        <a:accent5>
-          <a:srgbClr val="ADB8E2"/>
-        </a:accent5>
-        <a:accent6>
-          <a:srgbClr val="009F00"/>
-        </a:accent6>
-        <a:hlink>
-          <a:srgbClr val="66CCFF"/>
-        </a:hlink>
-        <a:folHlink>
-          <a:srgbClr val="FFE701"/>
-        </a:folHlink>
-      </a:clrScheme>
-      <a:clrMap bg1="dk2" tx1="lt1" bg2="dk1" tx2="lt2" accent1="accent1" accent2="accent2" accent3="accent3" accent4="accent4" accent5="accent5" accent6="accent6" hlink="hlink" folHlink="folHlink"/>
-    </a:extraClrScheme>
-    <a:extraClrScheme>
-      <a:clrScheme name="Data Pie Charts 9">
-        <a:dk1>
-          <a:srgbClr val="336699"/>
-        </a:dk1>
-        <a:lt1>
-          <a:srgbClr val="FFFFFF"/>
-        </a:lt1>
-        <a:dk2>
-          <a:srgbClr val="000000"/>
-        </a:dk2>
-        <a:lt2>
-          <a:srgbClr val="E3EBF1"/>
-        </a:lt2>
-        <a:accent1>
-          <a:srgbClr val="003399"/>
-        </a:accent1>
-        <a:accent2>
-          <a:srgbClr val="468A4B"/>
-        </a:accent2>
-        <a:accent3>
-          <a:srgbClr val="AAAAAA"/>
-        </a:accent3>
-        <a:accent4>
-          <a:srgbClr val="DADADA"/>
-        </a:accent4>
-        <a:accent5>
-          <a:srgbClr val="AAADCA"/>
-        </a:accent5>
-        <a:accent6>
-          <a:srgbClr val="3F7D43"/>
-        </a:accent6>
-        <a:hlink>
-          <a:srgbClr val="66CCFF"/>
-        </a:hlink>
-        <a:folHlink>
-          <a:srgbClr val="F0E500"/>
-        </a:folHlink>
-      </a:clrScheme>
-      <a:clrMap bg1="dk2" tx1="lt1" bg2="dk1" tx2="lt2" accent1="accent1" accent2="accent2" accent3="accent3" accent4="accent4" accent5="accent5" accent6="accent6" hlink="hlink" folHlink="folHlink"/>
-    </a:extraClrScheme>
-    <a:extraClrScheme>
-      <a:clrScheme name="Data Pie Charts 10">
-        <a:dk1>
-          <a:srgbClr val="777777"/>
-        </a:dk1>
-        <a:lt1>
-          <a:srgbClr val="FFFFFF"/>
-        </a:lt1>
-        <a:dk2>
-          <a:srgbClr val="686B5D"/>
-        </a:dk2>
-        <a:lt2>
-          <a:srgbClr val="D1D1CB"/>
-        </a:lt2>
-        <a:accent1>
-          <a:srgbClr val="909082"/>
-        </a:accent1>
-        <a:accent2>
-          <a:srgbClr val="809EA8"/>
-        </a:accent2>
-        <a:accent3>
-          <a:srgbClr val="B9BAB6"/>
-        </a:accent3>
-        <a:accent4>
-          <a:srgbClr val="DADADA"/>
-        </a:accent4>
-        <a:accent5>
-          <a:srgbClr val="C6C6C1"/>
-        </a:accent5>
-        <a:accent6>
-          <a:srgbClr val="738F98"/>
-        </a:accent6>
-        <a:hlink>
-          <a:srgbClr val="FFCC66"/>
-        </a:hlink>
-        <a:folHlink>
-          <a:srgbClr val="E9DCB9"/>
-        </a:folHlink>
-      </a:clrScheme>
-      <a:clrMap bg1="dk2" tx1="lt1" bg2="dk1" tx2="lt2" accent1="accent1" accent2="accent2" accent3="accent3" accent4="accent4" accent5="accent5" accent6="accent6" hlink="hlink" folHlink="folHlink"/>
-    </a:extraClrScheme>
-    <a:extraClrScheme>
-      <a:clrScheme name="Data Pie Charts 11">
-        <a:dk1>
-          <a:srgbClr val="3E3E5C"/>
-        </a:dk1>
-        <a:lt1>
-          <a:srgbClr val="FFFFFF"/>
-        </a:lt1>
-        <a:dk2>
-          <a:srgbClr val="666699"/>
-        </a:dk2>
-        <a:lt2>
-          <a:srgbClr val="FFFFFF"/>
-        </a:lt2>
-        <a:accent1>
-          <a:srgbClr val="60597B"/>
-        </a:accent1>
-        <a:accent2>
-          <a:srgbClr val="6666FF"/>
-        </a:accent2>
-        <a:accent3>
-          <a:srgbClr val="B8B8CA"/>
-        </a:accent3>
-        <a:accent4>
-          <a:srgbClr val="DADADA"/>
-        </a:accent4>
-        <a:accent5>
-          <a:srgbClr val="B6B5BF"/>
-        </a:accent5>
-        <a:accent6>
-          <a:srgbClr val="5C5CE7"/>
-        </a:accent6>
-        <a:hlink>
-          <a:srgbClr val="99CCFF"/>
-        </a:hlink>
-        <a:folHlink>
-          <a:srgbClr val="FFFF99"/>
-        </a:folHlink>
-      </a:clrScheme>
-      <a:clrMap bg1="dk2" tx1="lt1" bg2="dk1" tx2="lt2" accent1="accent1" accent2="accent2" accent3="accent3" accent4="accent4" accent5="accent5" accent6="accent6" hlink="hlink" folHlink="folHlink"/>
-    </a:extraClrScheme>
-    <a:extraClrScheme>
-      <a:clrScheme name="Data Pie Charts 12">
-        <a:dk1>
-          <a:srgbClr val="2D2015"/>
-        </a:dk1>
-        <a:lt1>
-          <a:srgbClr val="FFFFFF"/>
-        </a:lt1>
-        <a:dk2>
-          <a:srgbClr val="523E26"/>
-        </a:dk2>
-        <a:lt2>
-          <a:srgbClr val="DFC08D"/>
-        </a:lt2>
-        <a:accent1>
-          <a:srgbClr val="8C7B70"/>
-        </a:accent1>
-        <a:accent2>
-          <a:srgbClr val="8F5F2F"/>
-        </a:accent2>
-        <a:accent3>
-          <a:srgbClr val="B3AFAC"/>
-        </a:accent3>
-        <a:accent4>
-          <a:srgbClr val="DADADA"/>
-        </a:accent4>
-        <a:accent5>
-          <a:srgbClr val="C5BFBB"/>
-        </a:accent5>
-        <a:accent6>
-          <a:srgbClr val="81552A"/>
-        </a:accent6>
-        <a:hlink>
-          <a:srgbClr val="CCB400"/>
-        </a:hlink>
-        <a:folHlink>
-          <a:srgbClr val="8C9EA0"/>
-        </a:folHlink>
-      </a:clrScheme>
-      <a:clrMap bg1="dk2" tx1="lt1" bg2="dk1" tx2="lt2" accent1="accent1" accent2="accent2" accent3="accent3" accent4="accent4" accent5="accent5" accent6="accent6" hlink="hlink" folHlink="folHlink"/>
-    </a:extraClrScheme>
-    <a:extraClrScheme>
-      <a:clrScheme name="Data Pie Charts 13">
-        <a:dk1>
-          <a:srgbClr val="000000"/>
-        </a:dk1>
-        <a:lt1>
-          <a:srgbClr val="FFFFFF"/>
-        </a:lt1>
-        <a:dk2>
-          <a:srgbClr val="000000"/>
-        </a:dk2>
-        <a:lt2>
-          <a:srgbClr val="969696"/>
-        </a:lt2>
-        <a:accent1>
-          <a:srgbClr val="009900"/>
-        </a:accent1>
-        <a:accent2>
-          <a:srgbClr val="99CC00"/>
-        </a:accent2>
-        <a:accent3>
-          <a:srgbClr val="FFFFFF"/>
-        </a:accent3>
-        <a:accent4>
-          <a:srgbClr val="000000"/>
-        </a:accent4>
-        <a:accent5>
-          <a:srgbClr val="AACAAA"/>
-        </a:accent5>
-        <a:accent6>
-          <a:srgbClr val="8AB900"/>
-        </a:accent6>
-        <a:hlink>
-          <a:srgbClr val="CC3300"/>
-        </a:hlink>
-        <a:folHlink>
-          <a:srgbClr val="996600"/>
-        </a:folHlink>
-      </a:clrScheme>
-      <a:clrMap bg1="lt1" tx1="dk1" bg2="lt2" tx2="dk2" accent1="accent1" accent2="accent2" accent3="accent3" accent4="accent4" accent5="accent5" accent6="accent6" hlink="hlink" folHlink="folHlink"/>
-    </a:extraClrScheme>
-  </a:extraClrSchemeLst>
+  <a:objectDefaults/>
+  <a:extraClrSchemeLst/>
   <a:extLst>
     <a:ext uri="{05A4C25C-085E-4340-85A3-A5531E510DB2}">
-      <thm15:themeFamily xmlns:thm15="http://schemas.microsoft.com/office/thememl/2012/main" name="Office Theme" id="{62F939B6-93AF-4DB8-9C6B-D6C7DFDC589F}" vid="{4A3C46E8-61CC-4603-A589-7422A47A8E4A}"/>
+      <thm15:themeFamily xmlns:thm15="http://schemas.microsoft.com/office/thememl/2012/main" name="Ion" id="{B8441ADB-2E43-4AF7-B97A-BD870242C6A8}" vid="{292E63A9-BB86-4E3D-B92A-7223C6510D2E}"/>
     </a:ext>
   </a:extLst>
 </a:theme>

--- a/Minor Project.pptx
+++ b/Minor Project.pptx
@@ -303,7 +303,7 @@
             <a:fld id="{3EFD42F7-718C-4B98-AAEC-167E6DDD60A7}" type="datetimeFigureOut">
               <a:rPr lang="en-US" smtClean="0"/>
               <a:pPr/>
-              <a:t>5/29/2019</a:t>
+              <a:t>5/30/2019</a:t>
             </a:fld>
             <a:endParaRPr lang="en-US"/>
           </a:p>
@@ -753,7 +753,7 @@
             <a:fld id="{FDE934FF-F4E1-47C5-9CA5-30A81DDE2BE4}" type="datetimeFigureOut">
               <a:rPr lang="en-US" smtClean="0"/>
               <a:pPr/>
-              <a:t>5/29/2019</a:t>
+              <a:t>5/30/2019</a:t>
             </a:fld>
             <a:endParaRPr lang="en-US"/>
           </a:p>
@@ -1031,7 +1031,7 @@
             <a:fld id="{FDE934FF-F4E1-47C5-9CA5-30A81DDE2BE4}" type="datetimeFigureOut">
               <a:rPr lang="en-US" smtClean="0"/>
               <a:pPr/>
-              <a:t>5/29/2019</a:t>
+              <a:t>5/30/2019</a:t>
             </a:fld>
             <a:endParaRPr lang="en-US"/>
           </a:p>
@@ -1228,7 +1228,7 @@
             <a:fld id="{FDE934FF-F4E1-47C5-9CA5-30A81DDE2BE4}" type="datetimeFigureOut">
               <a:rPr lang="en-US" smtClean="0"/>
               <a:pPr/>
-              <a:t>5/29/2019</a:t>
+              <a:t>5/30/2019</a:t>
             </a:fld>
             <a:endParaRPr lang="en-US"/>
           </a:p>
@@ -1504,7 +1504,7 @@
             <a:fld id="{FDE934FF-F4E1-47C5-9CA5-30A81DDE2BE4}" type="datetimeFigureOut">
               <a:rPr lang="en-US" smtClean="0"/>
               <a:pPr/>
-              <a:t>5/29/2019</a:t>
+              <a:t>5/30/2019</a:t>
             </a:fld>
             <a:endParaRPr lang="en-US"/>
           </a:p>
@@ -1848,7 +1848,7 @@
             <a:fld id="{FDE934FF-F4E1-47C5-9CA5-30A81DDE2BE4}" type="datetimeFigureOut">
               <a:rPr lang="en-US" smtClean="0"/>
               <a:pPr/>
-              <a:t>5/29/2019</a:t>
+              <a:t>5/30/2019</a:t>
             </a:fld>
             <a:endParaRPr lang="en-US"/>
           </a:p>
@@ -2474,7 +2474,7 @@
             <a:fld id="{FDE934FF-F4E1-47C5-9CA5-30A81DDE2BE4}" type="datetimeFigureOut">
               <a:rPr lang="en-US" smtClean="0"/>
               <a:pPr/>
-              <a:t>5/29/2019</a:t>
+              <a:t>5/30/2019</a:t>
             </a:fld>
             <a:endParaRPr lang="en-US"/>
           </a:p>
@@ -3337,7 +3337,7 @@
             <a:fld id="{FDE934FF-F4E1-47C5-9CA5-30A81DDE2BE4}" type="datetimeFigureOut">
               <a:rPr lang="en-US" smtClean="0"/>
               <a:pPr/>
-              <a:t>5/29/2019</a:t>
+              <a:t>5/30/2019</a:t>
             </a:fld>
             <a:endParaRPr lang="en-US"/>
           </a:p>
@@ -3803,7 +3803,7 @@
             <a:fld id="{FDE934FF-F4E1-47C5-9CA5-30A81DDE2BE4}" type="datetimeFigureOut">
               <a:rPr lang="en-US" smtClean="0"/>
               <a:pPr/>
-              <a:t>5/29/2019</a:t>
+              <a:t>5/30/2019</a:t>
             </a:fld>
             <a:endParaRPr lang="en-US"/>
           </a:p>
@@ -3976,7 +3976,7 @@
             <a:fld id="{FDE934FF-F4E1-47C5-9CA5-30A81DDE2BE4}" type="datetimeFigureOut">
               <a:rPr lang="en-US" smtClean="0"/>
               <a:pPr/>
-              <a:t>5/29/2019</a:t>
+              <a:t>5/30/2019</a:t>
             </a:fld>
             <a:endParaRPr lang="en-US"/>
           </a:p>
@@ -4226,7 +4226,7 @@
             <a:fld id="{FDE934FF-F4E1-47C5-9CA5-30A81DDE2BE4}" type="datetimeFigureOut">
               <a:rPr lang="en-US" smtClean="0"/>
               <a:pPr/>
-              <a:t>5/29/2019</a:t>
+              <a:t>5/30/2019</a:t>
             </a:fld>
             <a:endParaRPr lang="en-US"/>
           </a:p>
@@ -4521,7 +4521,7 @@
             <a:fld id="{FDE934FF-F4E1-47C5-9CA5-30A81DDE2BE4}" type="datetimeFigureOut">
               <a:rPr lang="en-US" smtClean="0"/>
               <a:pPr/>
-              <a:t>5/29/2019</a:t>
+              <a:t>5/30/2019</a:t>
             </a:fld>
             <a:endParaRPr lang="en-US"/>
           </a:p>
@@ -4968,7 +4968,7 @@
             <a:fld id="{FDE934FF-F4E1-47C5-9CA5-30A81DDE2BE4}" type="datetimeFigureOut">
               <a:rPr lang="en-US" smtClean="0"/>
               <a:pPr/>
-              <a:t>5/29/2019</a:t>
+              <a:t>5/30/2019</a:t>
             </a:fld>
             <a:endParaRPr lang="en-US"/>
           </a:p>
@@ -5089,7 +5089,7 @@
             <a:fld id="{FDE934FF-F4E1-47C5-9CA5-30A81DDE2BE4}" type="datetimeFigureOut">
               <a:rPr lang="en-US" smtClean="0"/>
               <a:pPr/>
-              <a:t>5/29/2019</a:t>
+              <a:t>5/30/2019</a:t>
             </a:fld>
             <a:endParaRPr lang="en-US"/>
           </a:p>
@@ -5187,7 +5187,7 @@
             <a:fld id="{FDE934FF-F4E1-47C5-9CA5-30A81DDE2BE4}" type="datetimeFigureOut">
               <a:rPr lang="en-US" smtClean="0"/>
               <a:pPr/>
-              <a:t>5/29/2019</a:t>
+              <a:t>5/30/2019</a:t>
             </a:fld>
             <a:endParaRPr lang="en-US"/>
           </a:p>
@@ -5857,7 +5857,7 @@
             <a:fld id="{FDE934FF-F4E1-47C5-9CA5-30A81DDE2BE4}" type="datetimeFigureOut">
               <a:rPr lang="en-US" smtClean="0"/>
               <a:pPr/>
-              <a:t>5/29/2019</a:t>
+              <a:t>5/30/2019</a:t>
             </a:fld>
             <a:endParaRPr lang="en-US"/>
           </a:p>
@@ -6289,7 +6289,7 @@
             <a:fld id="{FDE934FF-F4E1-47C5-9CA5-30A81DDE2BE4}" type="datetimeFigureOut">
               <a:rPr lang="en-US" smtClean="0"/>
               <a:pPr/>
-              <a:t>5/29/2019</a:t>
+              <a:t>5/30/2019</a:t>
             </a:fld>
             <a:endParaRPr lang="en-US"/>
           </a:p>
@@ -7599,7 +7599,7 @@
             </a:r>
             <a:r>
               <a:rPr lang="en-US" dirty="0"/>
-              <a:t>:- Consider the Five data points 3,4,2,4,1000</a:t>
+              <a:t>:- Consider the Five data points 3,4,2,4,7,5,10,12,1000,9,8,12,13</a:t>
             </a:r>
           </a:p>
           <a:p>
@@ -7792,7 +7792,7 @@
         </p:nvSpPr>
         <p:spPr>
           <a:xfrm>
-            <a:off x="573089" y="2189697"/>
+            <a:off x="609600" y="2016703"/>
             <a:ext cx="10972800" cy="4953000"/>
           </a:xfrm>
         </p:spPr>
@@ -7805,14 +7805,26 @@
             </a:pPr>
             <a:r>
               <a:rPr lang="en-US" dirty="0"/>
-              <a:t>With the sigma approach, a value is identified as outlier if it lies outside the mean by + or – “x” times sigma. Where x is an integer and sigma is standard deviation for the variable. </a:t>
+              <a:t>With the sigma approach, a value is identified as outlier if it lies outside the mean by + or – “x” times sigma. Where x is an integer and sigma is standard deviation for the variable.</a:t>
             </a:r>
           </a:p>
           <a:p>
             <a:pPr marL="0" indent="0">
               <a:buNone/>
             </a:pPr>
-            <a:endParaRPr lang="en-US" dirty="0"/>
+            <a:r>
+              <a:rPr lang="en-US" dirty="0"/>
+              <a:t>				UL = Mean + x * Standard_Deviation</a:t>
+            </a:r>
+          </a:p>
+          <a:p>
+            <a:pPr marL="0" indent="0">
+              <a:buNone/>
+            </a:pPr>
+            <a:r>
+              <a:rPr lang="en-US" dirty="0"/>
+              <a:t>				LL = Mean – x * Standard_Deviation</a:t>
+            </a:r>
           </a:p>
           <a:p>
             <a:pPr marL="0" indent="0">
@@ -7821,6 +7833,42 @@
             <a:r>
               <a:rPr lang="en-US" dirty="0"/>
               <a:t>The outlier is then capped or floored at a distance of ”y” times sigma from the mean. “y” is equal to or greater than “x” and is determined by the practitioner. </a:t>
+            </a:r>
+          </a:p>
+          <a:p>
+            <a:pPr marL="0" indent="0">
+              <a:buNone/>
+            </a:pPr>
+            <a:r>
+              <a:rPr lang="en-US" dirty="0"/>
+              <a:t>If data point is greater than UL then </a:t>
+            </a:r>
+          </a:p>
+          <a:p>
+            <a:pPr marL="0" indent="0">
+              <a:buNone/>
+            </a:pPr>
+            <a:r>
+              <a:rPr lang="en-US" dirty="0"/>
+              <a:t>			hits[i] = hits[i] – y * Standard_Deviation</a:t>
+            </a:r>
+          </a:p>
+          <a:p>
+            <a:pPr marL="0" indent="0">
+              <a:buNone/>
+            </a:pPr>
+            <a:r>
+              <a:rPr lang="en-US" dirty="0"/>
+              <a:t>If data point is less than LL then </a:t>
+            </a:r>
+          </a:p>
+          <a:p>
+            <a:pPr marL="0" indent="0">
+              <a:buNone/>
+            </a:pPr>
+            <a:r>
+              <a:rPr lang="en-US" dirty="0"/>
+              <a:t>			hits[i]  = hits[i] + y * Standard_Deviation</a:t>
             </a:r>
           </a:p>
         </p:txBody>
@@ -8174,28 +8222,9 @@
               <a:buNone/>
             </a:pPr>
             <a:r>
-              <a:rPr lang="en-IN" sz="2500" dirty="0"/>
-              <a:t>To determine the no. of servers required by any particular website on a day in the future by predicting the web traffic in the future using the past web traffic data.</a:t>
-            </a:r>
-            <a:endParaRPr lang="en-US" sz="2500" dirty="0"/>
-          </a:p>
-          <a:p>
-            <a:pPr marL="0" indent="0" algn="ctr">
-              <a:buNone/>
-            </a:pPr>
-            <a:endParaRPr lang="en-US" sz="2500" dirty="0"/>
-          </a:p>
-          <a:p>
-            <a:pPr marL="0" indent="0" algn="ctr">
-              <a:buNone/>
-            </a:pPr>
-            <a:endParaRPr lang="en-US" sz="2500" dirty="0"/>
-          </a:p>
-          <a:p>
-            <a:pPr marL="0" indent="0" algn="ctr">
-              <a:buNone/>
-            </a:pPr>
-            <a:endParaRPr lang="en-US" sz="2500" dirty="0"/>
+              <a:rPr lang="en-US" sz="2500" dirty="0"/>
+              <a:t>The main aim of the project is to extrapolate the future visitors of YMCAUST website using the past visitors data with the help of Regression algorithms(Linear and Polynomial) of Machine Learning.</a:t>
+            </a:r>
           </a:p>
         </p:txBody>
       </p:sp>
@@ -8502,16 +8531,23 @@
             <p:ph idx="1"/>
           </p:nvPr>
         </p:nvSpPr>
-        <p:spPr/>
-        <p:txBody>
-          <a:bodyPr/>
+        <p:spPr>
+          <a:xfrm>
+            <a:off x="646111" y="2077631"/>
+            <a:ext cx="10264904" cy="4195481"/>
+          </a:xfrm>
+        </p:spPr>
+        <p:txBody>
+          <a:bodyPr>
+            <a:normAutofit/>
+          </a:bodyPr>
           <a:lstStyle/>
           <a:p>
             <a:pPr marL="0" indent="0">
               <a:buNone/>
             </a:pPr>
             <a:r>
-              <a:rPr lang="en-US" dirty="0"/>
+              <a:rPr lang="en-US" sz="2400" dirty="0"/>
               <a:t>In linear regression, the model targets to get the best-fit regression line to predict the value of y based on the given input value (x). While training the model, the model calculates the cost function which measures the Root Mean Squared error between the predicted value and true value (y). The model targets to minimize the cost function.</a:t>
             </a:r>
           </a:p>
@@ -8520,7 +8556,7 @@
               <a:buNone/>
             </a:pPr>
             <a:r>
-              <a:rPr lang="en-US" dirty="0"/>
+              <a:rPr lang="en-US" sz="2400" dirty="0"/>
               <a:t> 			y = mx + c (basic equation of line)</a:t>
             </a:r>
           </a:p>
@@ -8529,7 +8565,7 @@
               <a:buNone/>
             </a:pPr>
             <a:r>
-              <a:rPr lang="en-US" dirty="0"/>
+              <a:rPr lang="en-US" sz="2400" dirty="0"/>
               <a:t>We start with c and m with 0 then find the best possible values using gradient descent.</a:t>
             </a:r>
           </a:p>
@@ -9340,8 +9376,8 @@
         </p:nvSpPr>
         <p:spPr>
           <a:xfrm>
-            <a:off x="1104293" y="1645145"/>
-            <a:ext cx="8946541" cy="4195481"/>
+            <a:off x="1104292" y="1645144"/>
+            <a:ext cx="9732584" cy="4916293"/>
           </a:xfrm>
         </p:spPr>
         <p:txBody>
@@ -9353,51 +9389,34 @@
             <a:pPr marL="0" indent="0">
               <a:buNone/>
             </a:pPr>
-            <a:endParaRPr lang="en-US" sz="3000" dirty="0"/>
+            <a:r>
+              <a:rPr lang="es-ES" sz="3000" dirty="0"/>
+              <a:t>Using the L2 loss or Squared Error :  </a:t>
+            </a:r>
           </a:p>
           <a:p>
             <a:pPr marL="0" indent="0">
               <a:buNone/>
             </a:pPr>
-            <a:r>
-              <a:rPr lang="en-US" sz="3000" dirty="0"/>
-              <a:t>Using the Mean Squared Error or the L2 loss function </a:t>
-            </a:r>
+            <a:endParaRPr lang="es-ES" sz="3000" dirty="0"/>
           </a:p>
           <a:p>
             <a:pPr marL="0" indent="0">
               <a:buNone/>
             </a:pPr>
-            <a:endParaRPr lang="en-US" sz="3000" dirty="0"/>
+            <a:r>
+              <a:rPr lang="es-ES" sz="3000" dirty="0"/>
+              <a:t>def error(f, x, y):</a:t>
+            </a:r>
           </a:p>
           <a:p>
             <a:pPr marL="0" indent="0">
               <a:buNone/>
             </a:pPr>
             <a:r>
-              <a:rPr lang="en-US" sz="3000" dirty="0"/>
-              <a:t>def error(f, x, y):</a:t>
-            </a:r>
-          </a:p>
-          <a:p>
-            <a:pPr marL="0" indent="0">
-              <a:buNone/>
-            </a:pPr>
-            <a:r>
-              <a:rPr lang="en-US" sz="3000" dirty="0"/>
-              <a:t>	return sp.sum((f(x)-y)**2)</a:t>
-            </a:r>
-          </a:p>
-          <a:p>
-            <a:pPr marL="0" indent="0">
-              <a:buNone/>
-            </a:pPr>
-            <a:endParaRPr lang="en-US" sz="3000" dirty="0"/>
-          </a:p>
-          <a:p>
-            <a:pPr marL="0" indent="0">
-              <a:buNone/>
-            </a:pPr>
+              <a:rPr lang="es-ES" sz="3000" dirty="0"/>
+              <a:t>    return sp.sum((f(x) - y) ** 2)</a:t>
+            </a:r>
             <a:endParaRPr lang="en-US" sz="3000" dirty="0"/>
           </a:p>
         </p:txBody>
@@ -10545,14 +10564,16 @@
           </a:xfrm>
         </p:spPr>
         <p:txBody>
-          <a:bodyPr/>
+          <a:bodyPr>
+            <a:normAutofit/>
+          </a:bodyPr>
           <a:lstStyle/>
           <a:p>
             <a:pPr marL="0" indent="0">
               <a:buNone/>
             </a:pPr>
             <a:r>
-              <a:rPr lang="en-IN" dirty="0"/>
+              <a:rPr lang="en-IN" sz="2500" dirty="0"/>
               <a:t>The lower degree models (that is for degree 1, 2 and 3) does not seem to be capable of capturing the data good enough and thus have large error. So these models can’t be used for extrapolating into the future.</a:t>
             </a:r>
           </a:p>
@@ -10561,14 +10582,14 @@
               <a:buNone/>
             </a:pPr>
             <a:r>
-              <a:rPr lang="en-IN" dirty="0"/>
+              <a:rPr lang="en-IN" sz="2500" dirty="0"/>
               <a:t>This is known as </a:t>
             </a:r>
             <a:r>
-              <a:rPr lang="en-IN" b="1" dirty="0"/>
+              <a:rPr lang="en-IN" sz="2500" b="1" dirty="0"/>
               <a:t>Underfitting</a:t>
             </a:r>
-            <a:endParaRPr lang="en-US" b="1" dirty="0"/>
+            <a:endParaRPr lang="en-US" sz="2500" b="1" dirty="0"/>
           </a:p>
         </p:txBody>
       </p:sp>
@@ -10654,14 +10675,16 @@
           </a:xfrm>
         </p:spPr>
         <p:txBody>
-          <a:bodyPr/>
+          <a:bodyPr>
+            <a:normAutofit/>
+          </a:bodyPr>
           <a:lstStyle/>
           <a:p>
             <a:pPr marL="0" indent="0">
               <a:buNone/>
             </a:pPr>
             <a:r>
-              <a:rPr lang="en-IN" dirty="0"/>
+              <a:rPr lang="en-IN" sz="2500" dirty="0"/>
               <a:t>The higher degree models (that is for degree 10 and 60) are so much modelled according to the data such that they are also capturing the noisy data. So these models can’t be used for extrapolation.</a:t>
             </a:r>
           </a:p>
@@ -10670,14 +10693,14 @@
               <a:buNone/>
             </a:pPr>
             <a:r>
-              <a:rPr lang="en-IN" dirty="0"/>
+              <a:rPr lang="en-IN" sz="2500" dirty="0"/>
               <a:t>This is known as </a:t>
             </a:r>
             <a:r>
-              <a:rPr lang="en-IN" b="1" dirty="0"/>
+              <a:rPr lang="en-IN" sz="2500" b="1" dirty="0"/>
               <a:t>Overfitting.</a:t>
             </a:r>
-            <a:endParaRPr lang="en-US" dirty="0"/>
+            <a:endParaRPr lang="en-US" sz="2500" dirty="0"/>
           </a:p>
         </p:txBody>
       </p:sp>
@@ -11084,7 +11107,7 @@
         </p:nvSpPr>
         <p:spPr>
           <a:xfrm>
-            <a:off x="1052186" y="4615346"/>
+            <a:off x="1126327" y="4466144"/>
             <a:ext cx="9407046" cy="1077218"/>
           </a:xfrm>
           <a:prstGeom prst="rect">
@@ -11729,7 +11752,15 @@
             </a:pPr>
             <a:r>
               <a:rPr lang="en-US" dirty="0"/>
-              <a:t>[1] Building Machine Learning Systems with Python, Second Edition By Luis Pedro Coelho and Willi Richert</a:t>
+              <a:t>[1] Building Machine Learning Systems with Python, Second Edition By Luis Pedro Coelho and Willi </a:t>
+            </a:r>
+            <a:r>
+              <a:rPr lang="en-US" dirty="0" err="1"/>
+              <a:t>Richert</a:t>
+            </a:r>
+            <a:r>
+              <a:rPr lang="en-US" dirty="0"/>
+              <a:t>.</a:t>
             </a:r>
           </a:p>
           <a:p>
@@ -12079,6 +12110,21 @@
             <a:r>
               <a:rPr lang="en-US" sz="2400" dirty="0"/>
               <a:t>	Pandas</a:t>
+            </a:r>
+          </a:p>
+          <a:p>
+            <a:pPr marL="0" indent="0">
+              <a:buNone/>
+            </a:pPr>
+            <a:r>
+              <a:rPr lang="en-US" sz="2400" dirty="0"/>
+              <a:t>	Flask</a:t>
+            </a:r>
+          </a:p>
+          <a:p>
+            <a:r>
+              <a:rPr lang="en-US" sz="2400" dirty="0"/>
+              <a:t>HTML/CSS</a:t>
             </a:r>
           </a:p>
           <a:p>
